--- a/reference/ex_plot.pptx
+++ b/reference/ex_plot.pptx
@@ -1,20 +1,20 @@
 
 <file path=ppt/presentation.xml><?xml version="1.0" encoding="utf-8"?>
-<p:presentation xmlns:a="http://schemas.openxmlformats.org/drawingml/2006/main" xmlns:r="http://schemas.openxmlformats.org/officeDocument/2006/relationships" xmlns:p="http://schemas.openxmlformats.org/presentationml/2006/main" xmlns:mc="http://schemas.openxmlformats.org/markup-compatibility/2006" xmlns:c="http://schemas.openxmlformats.org/drawingml/2006/chart" xmlns:ns6="http://schemas.openxmlformats.org/drawingml/2006/chartDrawing" xmlns:dgm="http://schemas.openxmlformats.org/drawingml/2006/diagram" xmlns:pic="http://schemas.openxmlformats.org/drawingml/2006/picture" xmlns:wp="http://schemas.openxmlformats.org/drawingml/2006/wordprocessingDrawing" xmlns:xdr="http://schemas.openxmlformats.org/drawingml/2006/spreadsheetDrawing" xmlns:ns11="http://schemas.openxmlformats.org/drawingml/2006/compatibility" xmlns:ns12="http://schemas.openxmlformats.org/drawingml/2006/lockedCanvas" saveSubsetFonts="true">
+<p:presentation xmlns:p="http://schemas.openxmlformats.org/presentationml/2006/main" xmlns:a="http://schemas.openxmlformats.org/drawingml/2006/main" xmlns:r="http://schemas.openxmlformats.org/officeDocument/2006/relationships" xmlns:mc="http://schemas.openxmlformats.org/markup-compatibility/2006" xmlns:c="http://schemas.openxmlformats.org/drawingml/2006/chart" xmlns:ns6="http://schemas.openxmlformats.org/drawingml/2006/chartDrawing" xmlns:dgm="http://schemas.openxmlformats.org/drawingml/2006/diagram" xmlns:pic="http://schemas.openxmlformats.org/drawingml/2006/picture" xmlns:wp="http://schemas.openxmlformats.org/drawingml/2006/wordprocessingDrawing" xmlns:xdr="http://schemas.openxmlformats.org/drawingml/2006/spreadsheetDrawing" xmlns:ns11="http://schemas.openxmlformats.org/drawingml/2006/compatibility" xmlns:ns12="http://schemas.openxmlformats.org/drawingml/2006/lockedCanvas" saveSubsetFonts="true">
   <p:sldMasterIdLst>
-    <p:sldMasterId r:id="rId1" id="2147483648"/>
+    <p:sldMasterId id="2147483648" r:id="rId1"/>
   </p:sldMasterIdLst>
   <p:sldIdLst>
-    <p:sldId r:id="rId6" id="1235947871"/>
+    <p:sldId id="27934680" r:id="rId6"/>
   </p:sldIdLst>
-  <p:sldSz cy="6858000" cx="12192000"/>
-  <p:notesSz cy="9144000" cx="6858000"/>
+  <p:sldSz cx="12192000" cy="6858000"/>
+  <p:notesSz cx="6858000" cy="9144000"/>
   <p:defaultTextStyle>
     <a:defPPr>
       <a:defRPr lang="fr-FR"/>
     </a:defPPr>
-    <a:lvl1pPr hangingPunct="true" latinLnBrk="false" eaLnBrk="true" rtl="false" defTabSz="914400" algn="l" marL="0">
-      <a:defRPr kern="1200" sz="1800">
+    <a:lvl1pPr marL="0" algn="l" defTabSz="914400" rtl="false" eaLnBrk="true" latinLnBrk="false" hangingPunct="true">
+      <a:defRPr sz="1800" kern="1200">
         <a:solidFill>
           <a:schemeClr val="tx1"/>
         </a:solidFill>
@@ -23,8 +23,8 @@
         <a:cs typeface="+mn-cs"/>
       </a:defRPr>
     </a:lvl1pPr>
-    <a:lvl2pPr hangingPunct="true" latinLnBrk="false" eaLnBrk="true" rtl="false" defTabSz="914400" algn="l" marL="457200">
-      <a:defRPr kern="1200" sz="1800">
+    <a:lvl2pPr marL="457200" algn="l" defTabSz="914400" rtl="false" eaLnBrk="true" latinLnBrk="false" hangingPunct="true">
+      <a:defRPr sz="1800" kern="1200">
         <a:solidFill>
           <a:schemeClr val="tx1"/>
         </a:solidFill>
@@ -33,8 +33,8 @@
         <a:cs typeface="+mn-cs"/>
       </a:defRPr>
     </a:lvl2pPr>
-    <a:lvl3pPr hangingPunct="true" latinLnBrk="false" eaLnBrk="true" rtl="false" defTabSz="914400" algn="l" marL="914400">
-      <a:defRPr kern="1200" sz="1800">
+    <a:lvl3pPr marL="914400" algn="l" defTabSz="914400" rtl="false" eaLnBrk="true" latinLnBrk="false" hangingPunct="true">
+      <a:defRPr sz="1800" kern="1200">
         <a:solidFill>
           <a:schemeClr val="tx1"/>
         </a:solidFill>
@@ -43,8 +43,8 @@
         <a:cs typeface="+mn-cs"/>
       </a:defRPr>
     </a:lvl3pPr>
-    <a:lvl4pPr hangingPunct="true" latinLnBrk="false" eaLnBrk="true" rtl="false" defTabSz="914400" algn="l" marL="1371600">
-      <a:defRPr kern="1200" sz="1800">
+    <a:lvl4pPr marL="1371600" algn="l" defTabSz="914400" rtl="false" eaLnBrk="true" latinLnBrk="false" hangingPunct="true">
+      <a:defRPr sz="1800" kern="1200">
         <a:solidFill>
           <a:schemeClr val="tx1"/>
         </a:solidFill>
@@ -53,8 +53,8 @@
         <a:cs typeface="+mn-cs"/>
       </a:defRPr>
     </a:lvl4pPr>
-    <a:lvl5pPr hangingPunct="true" latinLnBrk="false" eaLnBrk="true" rtl="false" defTabSz="914400" algn="l" marL="1828800">
-      <a:defRPr kern="1200" sz="1800">
+    <a:lvl5pPr marL="1828800" algn="l" defTabSz="914400" rtl="false" eaLnBrk="true" latinLnBrk="false" hangingPunct="true">
+      <a:defRPr sz="1800" kern="1200">
         <a:solidFill>
           <a:schemeClr val="tx1"/>
         </a:solidFill>
@@ -63,8 +63,8 @@
         <a:cs typeface="+mn-cs"/>
       </a:defRPr>
     </a:lvl5pPr>
-    <a:lvl6pPr hangingPunct="true" latinLnBrk="false" eaLnBrk="true" rtl="false" defTabSz="914400" algn="l" marL="2286000">
-      <a:defRPr kern="1200" sz="1800">
+    <a:lvl6pPr marL="2286000" algn="l" defTabSz="914400" rtl="false" eaLnBrk="true" latinLnBrk="false" hangingPunct="true">
+      <a:defRPr sz="1800" kern="1200">
         <a:solidFill>
           <a:schemeClr val="tx1"/>
         </a:solidFill>
@@ -73,8 +73,8 @@
         <a:cs typeface="+mn-cs"/>
       </a:defRPr>
     </a:lvl6pPr>
-    <a:lvl7pPr hangingPunct="true" latinLnBrk="false" eaLnBrk="true" rtl="false" defTabSz="914400" algn="l" marL="2743200">
-      <a:defRPr kern="1200" sz="1800">
+    <a:lvl7pPr marL="2743200" algn="l" defTabSz="914400" rtl="false" eaLnBrk="true" latinLnBrk="false" hangingPunct="true">
+      <a:defRPr sz="1800" kern="1200">
         <a:solidFill>
           <a:schemeClr val="tx1"/>
         </a:solidFill>
@@ -83,8 +83,8 @@
         <a:cs typeface="+mn-cs"/>
       </a:defRPr>
     </a:lvl7pPr>
-    <a:lvl8pPr hangingPunct="true" latinLnBrk="false" eaLnBrk="true" rtl="false" defTabSz="914400" algn="l" marL="3200400">
-      <a:defRPr kern="1200" sz="1800">
+    <a:lvl8pPr marL="3200400" algn="l" defTabSz="914400" rtl="false" eaLnBrk="true" latinLnBrk="false" hangingPunct="true">
+      <a:defRPr sz="1800" kern="1200">
         <a:solidFill>
           <a:schemeClr val="tx1"/>
         </a:solidFill>
@@ -93,8 +93,8 @@
         <a:cs typeface="+mn-cs"/>
       </a:defRPr>
     </a:lvl8pPr>
-    <a:lvl9pPr hangingPunct="true" latinLnBrk="false" eaLnBrk="true" rtl="false" defTabSz="914400" algn="l" marL="3657600">
-      <a:defRPr kern="1200" sz="1800">
+    <a:lvl9pPr marL="3657600" algn="l" defTabSz="914400" rtl="false" eaLnBrk="true" latinLnBrk="false" hangingPunct="true">
+      <a:defRPr sz="1800" kern="1200">
         <a:solidFill>
           <a:schemeClr val="tx1"/>
         </a:solidFill>
@@ -113,25 +113,25 @@
 </file>
 
 <file path=ppt/slideLayouts/slideLayout1.xml><?xml version="1.0" encoding="utf-8"?>
-<p:sldLayout xmlns:a="http://schemas.openxmlformats.org/drawingml/2006/main" xmlns:r="http://schemas.openxmlformats.org/officeDocument/2006/relationships" xmlns:p="http://schemas.openxmlformats.org/presentationml/2006/main" xmlns:mc="http://schemas.openxmlformats.org/markup-compatibility/2006" xmlns:c="http://schemas.openxmlformats.org/drawingml/2006/chart" xmlns:ns6="http://schemas.openxmlformats.org/drawingml/2006/chartDrawing" xmlns:dgm="http://schemas.openxmlformats.org/drawingml/2006/diagram" xmlns:pic="http://schemas.openxmlformats.org/drawingml/2006/picture" xmlns:wp="http://schemas.openxmlformats.org/drawingml/2006/wordprocessingDrawing" xmlns:xdr="http://schemas.openxmlformats.org/drawingml/2006/spreadsheetDrawing" xmlns:ns11="http://schemas.openxmlformats.org/drawingml/2006/compatibility" xmlns:ns12="http://schemas.openxmlformats.org/drawingml/2006/lockedCanvas" preserve="true" type="title">
+<p:sldLayout xmlns:p="http://schemas.openxmlformats.org/presentationml/2006/main" xmlns:a="http://schemas.openxmlformats.org/drawingml/2006/main" xmlns:r="http://schemas.openxmlformats.org/officeDocument/2006/relationships" xmlns:mc="http://schemas.openxmlformats.org/markup-compatibility/2006" xmlns:c="http://schemas.openxmlformats.org/drawingml/2006/chart" xmlns:ns6="http://schemas.openxmlformats.org/drawingml/2006/chartDrawing" xmlns:dgm="http://schemas.openxmlformats.org/drawingml/2006/diagram" xmlns:pic="http://schemas.openxmlformats.org/drawingml/2006/picture" xmlns:wp="http://schemas.openxmlformats.org/drawingml/2006/wordprocessingDrawing" xmlns:xdr="http://schemas.openxmlformats.org/drawingml/2006/spreadsheetDrawing" xmlns:ns11="http://schemas.openxmlformats.org/drawingml/2006/compatibility" xmlns:ns12="http://schemas.openxmlformats.org/drawingml/2006/lockedCanvas" type="title" preserve="true">
   <p:cSld name="Title Slide">
     <p:spTree>
       <p:nvGrpSpPr>
-        <p:cNvPr name="" id="1"/>
+        <p:cNvPr id="1" name=""/>
         <p:cNvGrpSpPr/>
         <p:nvPr/>
       </p:nvGrpSpPr>
       <p:grpSpPr>
         <a:xfrm>
-          <a:off y="0" x="0"/>
-          <a:ext cy="0" cx="0"/>
-          <a:chOff y="0" x="0"/>
-          <a:chExt cy="0" cx="0"/>
+          <a:off x="0" y="0"/>
+          <a:ext cx="0" cy="0"/>
+          <a:chOff x="0" y="0"/>
+          <a:chExt cx="0" cy="0"/>
         </a:xfrm>
       </p:grpSpPr>
       <p:sp>
         <p:nvSpPr>
-          <p:cNvPr name="Titre 1" id="2"/>
+          <p:cNvPr id="2" name="Titre 1"/>
           <p:cNvSpPr>
             <a:spLocks noGrp="true"/>
           </p:cNvSpPr>
@@ -141,8 +141,8 @@
         </p:nvSpPr>
         <p:spPr>
           <a:xfrm>
-            <a:off y="1122363" x="1524000"/>
-            <a:ext cy="2387600" cx="9144000"/>
+            <a:off x="1524000" y="1122363"/>
+            <a:ext cx="9144000" cy="2387600"/>
           </a:xfrm>
         </p:spPr>
         <p:txBody>
@@ -154,7 +154,7 @@
           </a:lstStyle>
           <a:p>
             <a:r>
-              <a:rPr smtClean="false" lang="fr-FR"/>
+              <a:rPr lang="fr-FR" smtClean="false"/>
               <a:t>Modifiez le style du titre</a:t>
             </a:r>
             <a:endParaRPr lang="fr-FR"/>
@@ -163,63 +163,63 @@
       </p:sp>
       <p:sp>
         <p:nvSpPr>
-          <p:cNvPr name="Sous-titre 2" id="3"/>
-          <p:cNvSpPr>
-            <a:spLocks noGrp="true"/>
-          </p:cNvSpPr>
-          <p:nvPr>
-            <p:ph idx="1" type="subTitle"/>
+          <p:cNvPr id="3" name="Sous-titre 2"/>
+          <p:cNvSpPr>
+            <a:spLocks noGrp="true"/>
+          </p:cNvSpPr>
+          <p:nvPr>
+            <p:ph type="subTitle" idx="1"/>
           </p:nvPr>
         </p:nvSpPr>
         <p:spPr>
           <a:xfrm>
-            <a:off y="3602038" x="1524000"/>
-            <a:ext cy="1655762" cx="9144000"/>
+            <a:off x="1524000" y="3602038"/>
+            <a:ext cx="9144000" cy="1655762"/>
           </a:xfrm>
         </p:spPr>
         <p:txBody>
           <a:bodyPr/>
           <a:lstStyle>
-            <a:lvl1pPr algn="ctr" indent="0" marL="0">
+            <a:lvl1pPr marL="0" indent="0" algn="ctr">
               <a:buNone/>
               <a:defRPr sz="2400"/>
             </a:lvl1pPr>
-            <a:lvl2pPr algn="ctr" indent="0" marL="457200">
+            <a:lvl2pPr marL="457200" indent="0" algn="ctr">
               <a:buNone/>
               <a:defRPr sz="2000"/>
             </a:lvl2pPr>
-            <a:lvl3pPr algn="ctr" indent="0" marL="914400">
+            <a:lvl3pPr marL="914400" indent="0" algn="ctr">
               <a:buNone/>
               <a:defRPr sz="1800"/>
             </a:lvl3pPr>
-            <a:lvl4pPr algn="ctr" indent="0" marL="1371600">
+            <a:lvl4pPr marL="1371600" indent="0" algn="ctr">
               <a:buNone/>
               <a:defRPr sz="1600"/>
             </a:lvl4pPr>
-            <a:lvl5pPr algn="ctr" indent="0" marL="1828800">
+            <a:lvl5pPr marL="1828800" indent="0" algn="ctr">
               <a:buNone/>
               <a:defRPr sz="1600"/>
             </a:lvl5pPr>
-            <a:lvl6pPr algn="ctr" indent="0" marL="2286000">
+            <a:lvl6pPr marL="2286000" indent="0" algn="ctr">
               <a:buNone/>
               <a:defRPr sz="1600"/>
             </a:lvl6pPr>
-            <a:lvl7pPr algn="ctr" indent="0" marL="2743200">
+            <a:lvl7pPr marL="2743200" indent="0" algn="ctr">
               <a:buNone/>
               <a:defRPr sz="1600"/>
             </a:lvl7pPr>
-            <a:lvl8pPr algn="ctr" indent="0" marL="3200400">
+            <a:lvl8pPr marL="3200400" indent="0" algn="ctr">
               <a:buNone/>
               <a:defRPr sz="1600"/>
             </a:lvl8pPr>
-            <a:lvl9pPr algn="ctr" indent="0" marL="3657600">
+            <a:lvl9pPr marL="3657600" indent="0" algn="ctr">
               <a:buNone/>
               <a:defRPr sz="1600"/>
             </a:lvl9pPr>
           </a:lstStyle>
           <a:p>
             <a:r>
-              <a:rPr smtClean="false" lang="fr-FR"/>
+              <a:rPr lang="fr-FR" smtClean="false"/>
               <a:t>Modifiez le style des sous-titres du masque</a:t>
             </a:r>
             <a:endParaRPr lang="fr-FR"/>
@@ -228,12 +228,12 @@
       </p:sp>
       <p:sp>
         <p:nvSpPr>
-          <p:cNvPr name="Espace réservé de la date 3" id="4"/>
-          <p:cNvSpPr>
-            <a:spLocks noGrp="true"/>
-          </p:cNvSpPr>
-          <p:nvPr>
-            <p:ph idx="10" sz="half" type="dt"/>
+          <p:cNvPr id="4" name="Espace réservé de la date 3"/>
+          <p:cNvSpPr>
+            <a:spLocks noGrp="true"/>
+          </p:cNvSpPr>
+          <p:nvPr>
+            <p:ph type="dt" sz="half" idx="10"/>
           </p:nvPr>
         </p:nvSpPr>
         <p:spPr/>
@@ -241,8 +241,8 @@
           <a:bodyPr/>
           <a:lstStyle/>
           <a:p>
-            <a:fld type="datetimeFigureOut" id="{CE3110EA-6548-4EF6-B0A9-8F847AEECEDD}">
-              <a:rPr smtClean="false" lang="fr-FR"/>
+            <a:fld id="{CE3110EA-6548-4EF6-B0A9-8F847AEECEDD}" type="datetimeFigureOut">
+              <a:rPr lang="fr-FR" smtClean="false"/>
               <a:t>07/12/2013</a:t>
             </a:fld>
             <a:endParaRPr lang="fr-FR"/>
@@ -251,12 +251,12 @@
       </p:sp>
       <p:sp>
         <p:nvSpPr>
-          <p:cNvPr name="Espace réservé du pied de page 4" id="5"/>
-          <p:cNvSpPr>
-            <a:spLocks noGrp="true"/>
-          </p:cNvSpPr>
-          <p:nvPr>
-            <p:ph idx="11" sz="quarter" type="ftr"/>
+          <p:cNvPr id="5" name="Espace réservé du pied de page 4"/>
+          <p:cNvSpPr>
+            <a:spLocks noGrp="true"/>
+          </p:cNvSpPr>
+          <p:nvPr>
+            <p:ph type="ftr" sz="quarter" idx="11"/>
           </p:nvPr>
         </p:nvSpPr>
         <p:spPr/>
@@ -270,12 +270,12 @@
       </p:sp>
       <p:sp>
         <p:nvSpPr>
-          <p:cNvPr name="Espace réservé du numéro de diapositive 5" id="6"/>
-          <p:cNvSpPr>
-            <a:spLocks noGrp="true"/>
-          </p:cNvSpPr>
-          <p:nvPr>
-            <p:ph idx="12" sz="quarter" type="sldNum"/>
+          <p:cNvPr id="6" name="Espace réservé du numéro de diapositive 5"/>
+          <p:cNvSpPr>
+            <a:spLocks noGrp="true"/>
+          </p:cNvSpPr>
+          <p:nvPr>
+            <p:ph type="sldNum" sz="quarter" idx="12"/>
           </p:nvPr>
         </p:nvSpPr>
         <p:spPr/>
@@ -283,8 +283,8 @@
           <a:bodyPr/>
           <a:lstStyle/>
           <a:p>
-            <a:fld type="slidenum" id="{C47AABF0-D73A-43C1-84CC-8A30B6535388}">
-              <a:rPr smtClean="false" lang="fr-FR"/>
+            <a:fld id="{C47AABF0-D73A-43C1-84CC-8A30B6535388}" type="slidenum">
+              <a:rPr lang="fr-FR" smtClean="false"/>
               <a:t>‹N°›</a:t>
             </a:fld>
             <a:endParaRPr lang="fr-FR"/>
@@ -304,7 +304,7 @@
   <p:timing>
     <p:tnLst>
       <p:par>
-        <p:cTn nodeType="tmRoot" restart="never" dur="indefinite" id="1"/>
+        <p:cTn id="1" dur="indefinite" restart="never" nodeType="tmRoot"/>
       </p:par>
     </p:tnLst>
   </p:timing>
@@ -312,36 +312,36 @@
 </file>
 
 <file path=ppt/slideLayouts/slideLayout10.xml><?xml version="1.0" encoding="utf-8"?>
-<p:sldLayout xmlns:a="http://schemas.openxmlformats.org/drawingml/2006/main" xmlns:r="http://schemas.openxmlformats.org/officeDocument/2006/relationships" xmlns:p="http://schemas.openxmlformats.org/presentationml/2006/main" xmlns:mc="http://schemas.openxmlformats.org/markup-compatibility/2006" xmlns:c="http://schemas.openxmlformats.org/drawingml/2006/chart" xmlns:ns6="http://schemas.openxmlformats.org/drawingml/2006/chartDrawing" xmlns:dgm="http://schemas.openxmlformats.org/drawingml/2006/diagram" xmlns:pic="http://schemas.openxmlformats.org/drawingml/2006/picture" xmlns:wp="http://schemas.openxmlformats.org/drawingml/2006/wordprocessingDrawing" xmlns:xdr="http://schemas.openxmlformats.org/drawingml/2006/spreadsheetDrawing" xmlns:ns11="http://schemas.openxmlformats.org/drawingml/2006/compatibility" xmlns:ns12="http://schemas.openxmlformats.org/drawingml/2006/lockedCanvas" preserve="true" type="vertTitleAndTx">
+<p:sldLayout xmlns:p="http://schemas.openxmlformats.org/presentationml/2006/main" xmlns:a="http://schemas.openxmlformats.org/drawingml/2006/main" xmlns:r="http://schemas.openxmlformats.org/officeDocument/2006/relationships" xmlns:mc="http://schemas.openxmlformats.org/markup-compatibility/2006" xmlns:c="http://schemas.openxmlformats.org/drawingml/2006/chart" xmlns:ns6="http://schemas.openxmlformats.org/drawingml/2006/chartDrawing" xmlns:dgm="http://schemas.openxmlformats.org/drawingml/2006/diagram" xmlns:pic="http://schemas.openxmlformats.org/drawingml/2006/picture" xmlns:wp="http://schemas.openxmlformats.org/drawingml/2006/wordprocessingDrawing" xmlns:xdr="http://schemas.openxmlformats.org/drawingml/2006/spreadsheetDrawing" xmlns:ns11="http://schemas.openxmlformats.org/drawingml/2006/compatibility" xmlns:ns12="http://schemas.openxmlformats.org/drawingml/2006/lockedCanvas" type="vertTitleAndTx" preserve="true">
   <p:cSld name="Vertical Title and Text">
     <p:spTree>
       <p:nvGrpSpPr>
-        <p:cNvPr name="" id="1"/>
+        <p:cNvPr id="1" name=""/>
         <p:cNvGrpSpPr/>
         <p:nvPr/>
       </p:nvGrpSpPr>
       <p:grpSpPr>
         <a:xfrm>
-          <a:off y="0" x="0"/>
-          <a:ext cy="0" cx="0"/>
-          <a:chOff y="0" x="0"/>
-          <a:chExt cy="0" cx="0"/>
+          <a:off x="0" y="0"/>
+          <a:ext cx="0" cy="0"/>
+          <a:chOff x="0" y="0"/>
+          <a:chExt cx="0" cy="0"/>
         </a:xfrm>
       </p:grpSpPr>
       <p:sp>
         <p:nvSpPr>
-          <p:cNvPr name="Titre vertical 1" id="2"/>
-          <p:cNvSpPr>
-            <a:spLocks noGrp="true"/>
-          </p:cNvSpPr>
-          <p:nvPr>
-            <p:ph orient="vert" type="title"/>
+          <p:cNvPr id="2" name="Titre vertical 1"/>
+          <p:cNvSpPr>
+            <a:spLocks noGrp="true"/>
+          </p:cNvSpPr>
+          <p:nvPr>
+            <p:ph type="title" orient="vert"/>
           </p:nvPr>
         </p:nvSpPr>
         <p:spPr>
           <a:xfrm>
-            <a:off y="365125" x="8724900"/>
-            <a:ext cy="5811838" cx="2628900"/>
+            <a:off x="8724900" y="365125"/>
+            <a:ext cx="2628900" cy="5811838"/>
           </a:xfrm>
         </p:spPr>
         <p:txBody>
@@ -349,7 +349,7 @@
           <a:lstStyle/>
           <a:p>
             <a:r>
-              <a:rPr smtClean="false" lang="fr-FR"/>
+              <a:rPr lang="fr-FR" smtClean="false"/>
               <a:t>Modifiez le style du titre</a:t>
             </a:r>
             <a:endParaRPr lang="fr-FR"/>
@@ -358,18 +358,18 @@
       </p:sp>
       <p:sp>
         <p:nvSpPr>
-          <p:cNvPr name="Espace réservé du texte vertical 2" id="3"/>
-          <p:cNvSpPr>
-            <a:spLocks noGrp="true"/>
-          </p:cNvSpPr>
-          <p:nvPr>
-            <p:ph idx="1" orient="vert" type="body"/>
+          <p:cNvPr id="3" name="Espace réservé du texte vertical 2"/>
+          <p:cNvSpPr>
+            <a:spLocks noGrp="true"/>
+          </p:cNvSpPr>
+          <p:nvPr>
+            <p:ph type="body" orient="vert" idx="1"/>
           </p:nvPr>
         </p:nvSpPr>
         <p:spPr>
           <a:xfrm>
-            <a:off y="365125" x="838200"/>
-            <a:ext cy="5811838" cx="7734300"/>
+            <a:off x="838200" y="365125"/>
+            <a:ext cx="7734300" cy="5811838"/>
           </a:xfrm>
         </p:spPr>
         <p:txBody>
@@ -378,35 +378,35 @@
           <a:p>
             <a:pPr lvl="0"/>
             <a:r>
-              <a:rPr smtClean="false" lang="fr-FR"/>
+              <a:rPr lang="fr-FR" smtClean="false"/>
               <a:t>Modifiez les styles du texte du masque</a:t>
             </a:r>
           </a:p>
           <a:p>
             <a:pPr lvl="1"/>
             <a:r>
-              <a:rPr smtClean="false" lang="fr-FR"/>
+              <a:rPr lang="fr-FR" smtClean="false"/>
               <a:t>Deuxième niveau</a:t>
             </a:r>
           </a:p>
           <a:p>
             <a:pPr lvl="2"/>
             <a:r>
-              <a:rPr smtClean="false" lang="fr-FR"/>
+              <a:rPr lang="fr-FR" smtClean="false"/>
               <a:t>Troisième niveau</a:t>
             </a:r>
           </a:p>
           <a:p>
             <a:pPr lvl="3"/>
             <a:r>
-              <a:rPr smtClean="false" lang="fr-FR"/>
+              <a:rPr lang="fr-FR" smtClean="false"/>
               <a:t>Quatrième niveau</a:t>
             </a:r>
           </a:p>
           <a:p>
             <a:pPr lvl="4"/>
             <a:r>
-              <a:rPr smtClean="false" lang="fr-FR"/>
+              <a:rPr lang="fr-FR" smtClean="false"/>
               <a:t>Cinquième niveau</a:t>
             </a:r>
             <a:endParaRPr lang="fr-FR"/>
@@ -415,12 +415,12 @@
       </p:sp>
       <p:sp>
         <p:nvSpPr>
-          <p:cNvPr name="Espace réservé de la date 3" id="4"/>
-          <p:cNvSpPr>
-            <a:spLocks noGrp="true"/>
-          </p:cNvSpPr>
-          <p:nvPr>
-            <p:ph idx="10" sz="half" type="dt"/>
+          <p:cNvPr id="4" name="Espace réservé de la date 3"/>
+          <p:cNvSpPr>
+            <a:spLocks noGrp="true"/>
+          </p:cNvSpPr>
+          <p:nvPr>
+            <p:ph type="dt" sz="half" idx="10"/>
           </p:nvPr>
         </p:nvSpPr>
         <p:spPr/>
@@ -428,8 +428,8 @@
           <a:bodyPr/>
           <a:lstStyle/>
           <a:p>
-            <a:fld type="datetimeFigureOut" id="{CE3110EA-6548-4EF6-B0A9-8F847AEECEDD}">
-              <a:rPr smtClean="false" lang="fr-FR"/>
+            <a:fld id="{CE3110EA-6548-4EF6-B0A9-8F847AEECEDD}" type="datetimeFigureOut">
+              <a:rPr lang="fr-FR" smtClean="false"/>
               <a:t>07/12/2013</a:t>
             </a:fld>
             <a:endParaRPr lang="fr-FR"/>
@@ -438,12 +438,12 @@
       </p:sp>
       <p:sp>
         <p:nvSpPr>
-          <p:cNvPr name="Espace réservé du pied de page 4" id="5"/>
-          <p:cNvSpPr>
-            <a:spLocks noGrp="true"/>
-          </p:cNvSpPr>
-          <p:nvPr>
-            <p:ph idx="11" sz="quarter" type="ftr"/>
+          <p:cNvPr id="5" name="Espace réservé du pied de page 4"/>
+          <p:cNvSpPr>
+            <a:spLocks noGrp="true"/>
+          </p:cNvSpPr>
+          <p:nvPr>
+            <p:ph type="ftr" sz="quarter" idx="11"/>
           </p:nvPr>
         </p:nvSpPr>
         <p:spPr/>
@@ -457,12 +457,12 @@
       </p:sp>
       <p:sp>
         <p:nvSpPr>
-          <p:cNvPr name="Espace réservé du numéro de diapositive 5" id="6"/>
-          <p:cNvSpPr>
-            <a:spLocks noGrp="true"/>
-          </p:cNvSpPr>
-          <p:nvPr>
-            <p:ph idx="12" sz="quarter" type="sldNum"/>
+          <p:cNvPr id="6" name="Espace réservé du numéro de diapositive 5"/>
+          <p:cNvSpPr>
+            <a:spLocks noGrp="true"/>
+          </p:cNvSpPr>
+          <p:nvPr>
+            <p:ph type="sldNum" sz="quarter" idx="12"/>
           </p:nvPr>
         </p:nvSpPr>
         <p:spPr/>
@@ -470,8 +470,8 @@
           <a:bodyPr/>
           <a:lstStyle/>
           <a:p>
-            <a:fld type="slidenum" id="{C47AABF0-D73A-43C1-84CC-8A30B6535388}">
-              <a:rPr smtClean="false" lang="fr-FR"/>
+            <a:fld id="{C47AABF0-D73A-43C1-84CC-8A30B6535388}" type="slidenum">
+              <a:rPr lang="fr-FR" smtClean="false"/>
               <a:t>‹N°›</a:t>
             </a:fld>
             <a:endParaRPr lang="fr-FR"/>
@@ -491,7 +491,7 @@
   <p:timing>
     <p:tnLst>
       <p:par>
-        <p:cTn nodeType="tmRoot" restart="never" dur="indefinite" id="1"/>
+        <p:cTn id="1" dur="indefinite" restart="never" nodeType="tmRoot"/>
       </p:par>
     </p:tnLst>
   </p:timing>
@@ -499,25 +499,25 @@
 </file>
 
 <file path=ppt/slideLayouts/slideLayout2.xml><?xml version="1.0" encoding="utf-8"?>
-<p:sldLayout xmlns:a="http://schemas.openxmlformats.org/drawingml/2006/main" xmlns:r="http://schemas.openxmlformats.org/officeDocument/2006/relationships" xmlns:p="http://schemas.openxmlformats.org/presentationml/2006/main" xmlns:mc="http://schemas.openxmlformats.org/markup-compatibility/2006" xmlns:c="http://schemas.openxmlformats.org/drawingml/2006/chart" xmlns:ns6="http://schemas.openxmlformats.org/drawingml/2006/chartDrawing" xmlns:dgm="http://schemas.openxmlformats.org/drawingml/2006/diagram" xmlns:pic="http://schemas.openxmlformats.org/drawingml/2006/picture" xmlns:wp="http://schemas.openxmlformats.org/drawingml/2006/wordprocessingDrawing" xmlns:xdr="http://schemas.openxmlformats.org/drawingml/2006/spreadsheetDrawing" xmlns:ns11="http://schemas.openxmlformats.org/drawingml/2006/compatibility" xmlns:ns12="http://schemas.openxmlformats.org/drawingml/2006/lockedCanvas" preserve="true" type="obj">
+<p:sldLayout xmlns:p="http://schemas.openxmlformats.org/presentationml/2006/main" xmlns:a="http://schemas.openxmlformats.org/drawingml/2006/main" xmlns:r="http://schemas.openxmlformats.org/officeDocument/2006/relationships" xmlns:mc="http://schemas.openxmlformats.org/markup-compatibility/2006" xmlns:c="http://schemas.openxmlformats.org/drawingml/2006/chart" xmlns:ns6="http://schemas.openxmlformats.org/drawingml/2006/chartDrawing" xmlns:dgm="http://schemas.openxmlformats.org/drawingml/2006/diagram" xmlns:pic="http://schemas.openxmlformats.org/drawingml/2006/picture" xmlns:wp="http://schemas.openxmlformats.org/drawingml/2006/wordprocessingDrawing" xmlns:xdr="http://schemas.openxmlformats.org/drawingml/2006/spreadsheetDrawing" xmlns:ns11="http://schemas.openxmlformats.org/drawingml/2006/compatibility" xmlns:ns12="http://schemas.openxmlformats.org/drawingml/2006/lockedCanvas" type="obj" preserve="true">
   <p:cSld name="Title and Content">
     <p:spTree>
       <p:nvGrpSpPr>
-        <p:cNvPr name="" id="1"/>
+        <p:cNvPr id="1" name=""/>
         <p:cNvGrpSpPr/>
         <p:nvPr/>
       </p:nvGrpSpPr>
       <p:grpSpPr>
         <a:xfrm>
-          <a:off y="0" x="0"/>
-          <a:ext cy="0" cx="0"/>
-          <a:chOff y="0" x="0"/>
-          <a:chExt cy="0" cx="0"/>
+          <a:off x="0" y="0"/>
+          <a:ext cx="0" cy="0"/>
+          <a:chOff x="0" y="0"/>
+          <a:chExt cx="0" cy="0"/>
         </a:xfrm>
       </p:grpSpPr>
       <p:sp>
         <p:nvSpPr>
-          <p:cNvPr name="Titre 1" id="2"/>
+          <p:cNvPr id="2" name="Titre 1"/>
           <p:cNvSpPr>
             <a:spLocks noGrp="true"/>
           </p:cNvSpPr>
@@ -531,7 +531,7 @@
           <a:lstStyle/>
           <a:p>
             <a:r>
-              <a:rPr smtClean="false" lang="fr-FR"/>
+              <a:rPr lang="fr-FR" smtClean="false"/>
               <a:t>Modifiez le style du titre</a:t>
             </a:r>
             <a:endParaRPr lang="fr-FR"/>
@@ -540,7 +540,7 @@
       </p:sp>
       <p:sp>
         <p:nvSpPr>
-          <p:cNvPr name="Espace réservé du contenu 2" id="3"/>
+          <p:cNvPr id="3" name="Espace réservé du contenu 2"/>
           <p:cNvSpPr>
             <a:spLocks noGrp="true"/>
           </p:cNvSpPr>
@@ -550,8 +550,8 @@
         </p:nvSpPr>
         <p:spPr>
           <a:xfrm>
-            <a:off y="1825625" x="838200"/>
-            <a:ext cy="4351338" cx="10515600"/>
+            <a:off x="838200" y="1825625"/>
+            <a:ext cx="10515600" cy="4351338"/>
           </a:xfrm>
         </p:spPr>
         <p:txBody>
@@ -560,35 +560,35 @@
           <a:p>
             <a:pPr lvl="0"/>
             <a:r>
-              <a:rPr smtClean="false" lang="fr-FR"/>
+              <a:rPr lang="fr-FR" smtClean="false"/>
               <a:t>Modifiez les styles du texte du masque</a:t>
             </a:r>
           </a:p>
           <a:p>
             <a:pPr lvl="1"/>
             <a:r>
-              <a:rPr smtClean="false" lang="fr-FR"/>
+              <a:rPr lang="fr-FR" smtClean="false"/>
               <a:t>Deuxième niveau</a:t>
             </a:r>
           </a:p>
           <a:p>
             <a:pPr lvl="2"/>
             <a:r>
-              <a:rPr smtClean="false" lang="fr-FR"/>
+              <a:rPr lang="fr-FR" smtClean="false"/>
               <a:t>Troisième niveau</a:t>
             </a:r>
           </a:p>
           <a:p>
             <a:pPr lvl="3"/>
             <a:r>
-              <a:rPr smtClean="false" lang="fr-FR"/>
+              <a:rPr lang="fr-FR" smtClean="false"/>
               <a:t>Quatrième niveau</a:t>
             </a:r>
           </a:p>
           <a:p>
             <a:pPr lvl="4"/>
             <a:r>
-              <a:rPr smtClean="false" lang="fr-FR"/>
+              <a:rPr lang="fr-FR" smtClean="false"/>
               <a:t>Cinquième niveau</a:t>
             </a:r>
             <a:endParaRPr lang="fr-FR"/>
@@ -597,12 +597,12 @@
       </p:sp>
       <p:sp>
         <p:nvSpPr>
-          <p:cNvPr name="Espace réservé de la date 3" id="4"/>
-          <p:cNvSpPr>
-            <a:spLocks noGrp="true"/>
-          </p:cNvSpPr>
-          <p:nvPr>
-            <p:ph idx="10" sz="half" type="dt"/>
+          <p:cNvPr id="4" name="Espace réservé de la date 3"/>
+          <p:cNvSpPr>
+            <a:spLocks noGrp="true"/>
+          </p:cNvSpPr>
+          <p:nvPr>
+            <p:ph type="dt" sz="half" idx="10"/>
           </p:nvPr>
         </p:nvSpPr>
         <p:spPr/>
@@ -610,8 +610,8 @@
           <a:bodyPr/>
           <a:lstStyle/>
           <a:p>
-            <a:fld type="datetimeFigureOut" id="{CE3110EA-6548-4EF6-B0A9-8F847AEECEDD}">
-              <a:rPr smtClean="false" lang="fr-FR"/>
+            <a:fld id="{CE3110EA-6548-4EF6-B0A9-8F847AEECEDD}" type="datetimeFigureOut">
+              <a:rPr lang="fr-FR" smtClean="false"/>
               <a:t>07/12/2013</a:t>
             </a:fld>
             <a:endParaRPr lang="fr-FR"/>
@@ -620,12 +620,12 @@
       </p:sp>
       <p:sp>
         <p:nvSpPr>
-          <p:cNvPr name="Espace réservé du pied de page 4" id="5"/>
-          <p:cNvSpPr>
-            <a:spLocks noGrp="true"/>
-          </p:cNvSpPr>
-          <p:nvPr>
-            <p:ph idx="11" sz="quarter" type="ftr"/>
+          <p:cNvPr id="5" name="Espace réservé du pied de page 4"/>
+          <p:cNvSpPr>
+            <a:spLocks noGrp="true"/>
+          </p:cNvSpPr>
+          <p:nvPr>
+            <p:ph type="ftr" sz="quarter" idx="11"/>
           </p:nvPr>
         </p:nvSpPr>
         <p:spPr/>
@@ -639,12 +639,12 @@
       </p:sp>
       <p:sp>
         <p:nvSpPr>
-          <p:cNvPr name="Espace réservé du numéro de diapositive 5" id="6"/>
-          <p:cNvSpPr>
-            <a:spLocks noGrp="true"/>
-          </p:cNvSpPr>
-          <p:nvPr>
-            <p:ph idx="12" sz="quarter" type="sldNum"/>
+          <p:cNvPr id="6" name="Espace réservé du numéro de diapositive 5"/>
+          <p:cNvSpPr>
+            <a:spLocks noGrp="true"/>
+          </p:cNvSpPr>
+          <p:nvPr>
+            <p:ph type="sldNum" sz="quarter" idx="12"/>
           </p:nvPr>
         </p:nvSpPr>
         <p:spPr/>
@@ -652,8 +652,8 @@
           <a:bodyPr/>
           <a:lstStyle/>
           <a:p>
-            <a:fld type="slidenum" id="{C47AABF0-D73A-43C1-84CC-8A30B6535388}">
-              <a:rPr smtClean="false" lang="fr-FR"/>
+            <a:fld id="{C47AABF0-D73A-43C1-84CC-8A30B6535388}" type="slidenum">
+              <a:rPr lang="fr-FR" smtClean="false"/>
               <a:t>‹N°›</a:t>
             </a:fld>
             <a:endParaRPr lang="fr-FR"/>
@@ -673,7 +673,7 @@
   <p:timing>
     <p:tnLst>
       <p:par>
-        <p:cTn nodeType="tmRoot" restart="never" dur="indefinite" id="1"/>
+        <p:cTn id="1" dur="indefinite" restart="never" nodeType="tmRoot"/>
       </p:par>
     </p:tnLst>
   </p:timing>
@@ -681,25 +681,25 @@
 </file>
 
 <file path=ppt/slideLayouts/slideLayout3.xml><?xml version="1.0" encoding="utf-8"?>
-<p:sldLayout xmlns:a="http://schemas.openxmlformats.org/drawingml/2006/main" xmlns:r="http://schemas.openxmlformats.org/officeDocument/2006/relationships" xmlns:p="http://schemas.openxmlformats.org/presentationml/2006/main" xmlns:mc="http://schemas.openxmlformats.org/markup-compatibility/2006" xmlns:c="http://schemas.openxmlformats.org/drawingml/2006/chart" xmlns:ns6="http://schemas.openxmlformats.org/drawingml/2006/chartDrawing" xmlns:dgm="http://schemas.openxmlformats.org/drawingml/2006/diagram" xmlns:pic="http://schemas.openxmlformats.org/drawingml/2006/picture" xmlns:wp="http://schemas.openxmlformats.org/drawingml/2006/wordprocessingDrawing" xmlns:xdr="http://schemas.openxmlformats.org/drawingml/2006/spreadsheetDrawing" xmlns:ns11="http://schemas.openxmlformats.org/drawingml/2006/compatibility" xmlns:ns12="http://schemas.openxmlformats.org/drawingml/2006/lockedCanvas" preserve="true" type="secHead">
+<p:sldLayout xmlns:p="http://schemas.openxmlformats.org/presentationml/2006/main" xmlns:a="http://schemas.openxmlformats.org/drawingml/2006/main" xmlns:r="http://schemas.openxmlformats.org/officeDocument/2006/relationships" xmlns:mc="http://schemas.openxmlformats.org/markup-compatibility/2006" xmlns:c="http://schemas.openxmlformats.org/drawingml/2006/chart" xmlns:ns6="http://schemas.openxmlformats.org/drawingml/2006/chartDrawing" xmlns:dgm="http://schemas.openxmlformats.org/drawingml/2006/diagram" xmlns:pic="http://schemas.openxmlformats.org/drawingml/2006/picture" xmlns:wp="http://schemas.openxmlformats.org/drawingml/2006/wordprocessingDrawing" xmlns:xdr="http://schemas.openxmlformats.org/drawingml/2006/spreadsheetDrawing" xmlns:ns11="http://schemas.openxmlformats.org/drawingml/2006/compatibility" xmlns:ns12="http://schemas.openxmlformats.org/drawingml/2006/lockedCanvas" type="secHead" preserve="true">
   <p:cSld name="Section Header">
     <p:spTree>
       <p:nvGrpSpPr>
-        <p:cNvPr name="" id="1"/>
+        <p:cNvPr id="1" name=""/>
         <p:cNvGrpSpPr/>
         <p:nvPr/>
       </p:nvGrpSpPr>
       <p:grpSpPr>
         <a:xfrm>
-          <a:off y="0" x="0"/>
-          <a:ext cy="0" cx="0"/>
-          <a:chOff y="0" x="0"/>
-          <a:chExt cy="0" cx="0"/>
+          <a:off x="0" y="0"/>
+          <a:ext cx="0" cy="0"/>
+          <a:chOff x="0" y="0"/>
+          <a:chExt cx="0" cy="0"/>
         </a:xfrm>
       </p:grpSpPr>
       <p:sp>
         <p:nvSpPr>
-          <p:cNvPr name="Titre 1" id="2"/>
+          <p:cNvPr id="2" name="Titre 1"/>
           <p:cNvSpPr>
             <a:spLocks noGrp="true"/>
           </p:cNvSpPr>
@@ -709,8 +709,8 @@
         </p:nvSpPr>
         <p:spPr>
           <a:xfrm>
-            <a:off y="1709738" x="831850"/>
-            <a:ext cy="2852737" cx="10515600"/>
+            <a:off x="831850" y="1709738"/>
+            <a:ext cx="10515600" cy="2852737"/>
           </a:xfrm>
         </p:spPr>
         <p:txBody>
@@ -722,7 +722,7 @@
           </a:lstStyle>
           <a:p>
             <a:r>
-              <a:rPr smtClean="false" lang="fr-FR"/>
+              <a:rPr lang="fr-FR" smtClean="false"/>
               <a:t>Modifiez le style du titre</a:t>
             </a:r>
             <a:endParaRPr lang="fr-FR"/>
@@ -731,24 +731,24 @@
       </p:sp>
       <p:sp>
         <p:nvSpPr>
-          <p:cNvPr name="Espace réservé du texte 2" id="3"/>
-          <p:cNvSpPr>
-            <a:spLocks noGrp="true"/>
-          </p:cNvSpPr>
-          <p:nvPr>
-            <p:ph idx="1" type="body"/>
+          <p:cNvPr id="3" name="Espace réservé du texte 2"/>
+          <p:cNvSpPr>
+            <a:spLocks noGrp="true"/>
+          </p:cNvSpPr>
+          <p:nvPr>
+            <p:ph type="body" idx="1"/>
           </p:nvPr>
         </p:nvSpPr>
         <p:spPr>
           <a:xfrm>
-            <a:off y="4589463" x="831850"/>
-            <a:ext cy="1500187" cx="10515600"/>
+            <a:off x="831850" y="4589463"/>
+            <a:ext cx="10515600" cy="1500187"/>
           </a:xfrm>
         </p:spPr>
         <p:txBody>
           <a:bodyPr/>
           <a:lstStyle>
-            <a:lvl1pPr indent="0" marL="0">
+            <a:lvl1pPr marL="0" indent="0">
               <a:buNone/>
               <a:defRPr sz="2400">
                 <a:solidFill>
@@ -758,7 +758,7 @@
                 </a:solidFill>
               </a:defRPr>
             </a:lvl1pPr>
-            <a:lvl2pPr indent="0" marL="457200">
+            <a:lvl2pPr marL="457200" indent="0">
               <a:buNone/>
               <a:defRPr sz="2000">
                 <a:solidFill>
@@ -768,7 +768,7 @@
                 </a:solidFill>
               </a:defRPr>
             </a:lvl2pPr>
-            <a:lvl3pPr indent="0" marL="914400">
+            <a:lvl3pPr marL="914400" indent="0">
               <a:buNone/>
               <a:defRPr sz="1800">
                 <a:solidFill>
@@ -778,7 +778,7 @@
                 </a:solidFill>
               </a:defRPr>
             </a:lvl3pPr>
-            <a:lvl4pPr indent="0" marL="1371600">
+            <a:lvl4pPr marL="1371600" indent="0">
               <a:buNone/>
               <a:defRPr sz="1600">
                 <a:solidFill>
@@ -788,7 +788,7 @@
                 </a:solidFill>
               </a:defRPr>
             </a:lvl4pPr>
-            <a:lvl5pPr indent="0" marL="1828800">
+            <a:lvl5pPr marL="1828800" indent="0">
               <a:buNone/>
               <a:defRPr sz="1600">
                 <a:solidFill>
@@ -798,7 +798,7 @@
                 </a:solidFill>
               </a:defRPr>
             </a:lvl5pPr>
-            <a:lvl6pPr indent="0" marL="2286000">
+            <a:lvl6pPr marL="2286000" indent="0">
               <a:buNone/>
               <a:defRPr sz="1600">
                 <a:solidFill>
@@ -808,7 +808,7 @@
                 </a:solidFill>
               </a:defRPr>
             </a:lvl6pPr>
-            <a:lvl7pPr indent="0" marL="2743200">
+            <a:lvl7pPr marL="2743200" indent="0">
               <a:buNone/>
               <a:defRPr sz="1600">
                 <a:solidFill>
@@ -818,7 +818,7 @@
                 </a:solidFill>
               </a:defRPr>
             </a:lvl7pPr>
-            <a:lvl8pPr indent="0" marL="3200400">
+            <a:lvl8pPr marL="3200400" indent="0">
               <a:buNone/>
               <a:defRPr sz="1600">
                 <a:solidFill>
@@ -828,7 +828,7 @@
                 </a:solidFill>
               </a:defRPr>
             </a:lvl8pPr>
-            <a:lvl9pPr indent="0" marL="3657600">
+            <a:lvl9pPr marL="3657600" indent="0">
               <a:buNone/>
               <a:defRPr sz="1600">
                 <a:solidFill>
@@ -842,7 +842,7 @@
           <a:p>
             <a:pPr lvl="0"/>
             <a:r>
-              <a:rPr smtClean="false" lang="fr-FR"/>
+              <a:rPr lang="fr-FR" smtClean="false"/>
               <a:t>Modifiez les styles du texte du masque</a:t>
             </a:r>
           </a:p>
@@ -850,12 +850,12 @@
       </p:sp>
       <p:sp>
         <p:nvSpPr>
-          <p:cNvPr name="Espace réservé de la date 3" id="4"/>
-          <p:cNvSpPr>
-            <a:spLocks noGrp="true"/>
-          </p:cNvSpPr>
-          <p:nvPr>
-            <p:ph idx="10" sz="half" type="dt"/>
+          <p:cNvPr id="4" name="Espace réservé de la date 3"/>
+          <p:cNvSpPr>
+            <a:spLocks noGrp="true"/>
+          </p:cNvSpPr>
+          <p:nvPr>
+            <p:ph type="dt" sz="half" idx="10"/>
           </p:nvPr>
         </p:nvSpPr>
         <p:spPr/>
@@ -863,8 +863,8 @@
           <a:bodyPr/>
           <a:lstStyle/>
           <a:p>
-            <a:fld type="datetimeFigureOut" id="{CE3110EA-6548-4EF6-B0A9-8F847AEECEDD}">
-              <a:rPr smtClean="false" lang="fr-FR"/>
+            <a:fld id="{CE3110EA-6548-4EF6-B0A9-8F847AEECEDD}" type="datetimeFigureOut">
+              <a:rPr lang="fr-FR" smtClean="false"/>
               <a:t>07/12/2013</a:t>
             </a:fld>
             <a:endParaRPr lang="fr-FR"/>
@@ -873,12 +873,12 @@
       </p:sp>
       <p:sp>
         <p:nvSpPr>
-          <p:cNvPr name="Espace réservé du pied de page 4" id="5"/>
-          <p:cNvSpPr>
-            <a:spLocks noGrp="true"/>
-          </p:cNvSpPr>
-          <p:nvPr>
-            <p:ph idx="11" sz="quarter" type="ftr"/>
+          <p:cNvPr id="5" name="Espace réservé du pied de page 4"/>
+          <p:cNvSpPr>
+            <a:spLocks noGrp="true"/>
+          </p:cNvSpPr>
+          <p:nvPr>
+            <p:ph type="ftr" sz="quarter" idx="11"/>
           </p:nvPr>
         </p:nvSpPr>
         <p:spPr/>
@@ -892,12 +892,12 @@
       </p:sp>
       <p:sp>
         <p:nvSpPr>
-          <p:cNvPr name="Espace réservé du numéro de diapositive 5" id="6"/>
-          <p:cNvSpPr>
-            <a:spLocks noGrp="true"/>
-          </p:cNvSpPr>
-          <p:nvPr>
-            <p:ph idx="12" sz="quarter" type="sldNum"/>
+          <p:cNvPr id="6" name="Espace réservé du numéro de diapositive 5"/>
+          <p:cNvSpPr>
+            <a:spLocks noGrp="true"/>
+          </p:cNvSpPr>
+          <p:nvPr>
+            <p:ph type="sldNum" sz="quarter" idx="12"/>
           </p:nvPr>
         </p:nvSpPr>
         <p:spPr/>
@@ -905,8 +905,8 @@
           <a:bodyPr/>
           <a:lstStyle/>
           <a:p>
-            <a:fld type="slidenum" id="{C47AABF0-D73A-43C1-84CC-8A30B6535388}">
-              <a:rPr smtClean="false" lang="fr-FR"/>
+            <a:fld id="{C47AABF0-D73A-43C1-84CC-8A30B6535388}" type="slidenum">
+              <a:rPr lang="fr-FR" smtClean="false"/>
               <a:t>‹N°›</a:t>
             </a:fld>
             <a:endParaRPr lang="fr-FR"/>
@@ -926,7 +926,7 @@
   <p:timing>
     <p:tnLst>
       <p:par>
-        <p:cTn nodeType="tmRoot" restart="never" dur="indefinite" id="1"/>
+        <p:cTn id="1" dur="indefinite" restart="never" nodeType="tmRoot"/>
       </p:par>
     </p:tnLst>
   </p:timing>
@@ -934,25 +934,25 @@
 </file>
 
 <file path=ppt/slideLayouts/slideLayout4.xml><?xml version="1.0" encoding="utf-8"?>
-<p:sldLayout xmlns:a="http://schemas.openxmlformats.org/drawingml/2006/main" xmlns:r="http://schemas.openxmlformats.org/officeDocument/2006/relationships" xmlns:p="http://schemas.openxmlformats.org/presentationml/2006/main" xmlns:mc="http://schemas.openxmlformats.org/markup-compatibility/2006" xmlns:c="http://schemas.openxmlformats.org/drawingml/2006/chart" xmlns:ns6="http://schemas.openxmlformats.org/drawingml/2006/chartDrawing" xmlns:dgm="http://schemas.openxmlformats.org/drawingml/2006/diagram" xmlns:pic="http://schemas.openxmlformats.org/drawingml/2006/picture" xmlns:wp="http://schemas.openxmlformats.org/drawingml/2006/wordprocessingDrawing" xmlns:xdr="http://schemas.openxmlformats.org/drawingml/2006/spreadsheetDrawing" xmlns:ns11="http://schemas.openxmlformats.org/drawingml/2006/compatibility" xmlns:ns12="http://schemas.openxmlformats.org/drawingml/2006/lockedCanvas" preserve="true" type="twoObj">
+<p:sldLayout xmlns:p="http://schemas.openxmlformats.org/presentationml/2006/main" xmlns:a="http://schemas.openxmlformats.org/drawingml/2006/main" xmlns:r="http://schemas.openxmlformats.org/officeDocument/2006/relationships" xmlns:mc="http://schemas.openxmlformats.org/markup-compatibility/2006" xmlns:c="http://schemas.openxmlformats.org/drawingml/2006/chart" xmlns:ns6="http://schemas.openxmlformats.org/drawingml/2006/chartDrawing" xmlns:dgm="http://schemas.openxmlformats.org/drawingml/2006/diagram" xmlns:pic="http://schemas.openxmlformats.org/drawingml/2006/picture" xmlns:wp="http://schemas.openxmlformats.org/drawingml/2006/wordprocessingDrawing" xmlns:xdr="http://schemas.openxmlformats.org/drawingml/2006/spreadsheetDrawing" xmlns:ns11="http://schemas.openxmlformats.org/drawingml/2006/compatibility" xmlns:ns12="http://schemas.openxmlformats.org/drawingml/2006/lockedCanvas" type="twoObj" preserve="true">
   <p:cSld name="Two Content">
     <p:spTree>
       <p:nvGrpSpPr>
-        <p:cNvPr name="" id="1"/>
+        <p:cNvPr id="1" name=""/>
         <p:cNvGrpSpPr/>
         <p:nvPr/>
       </p:nvGrpSpPr>
       <p:grpSpPr>
         <a:xfrm>
-          <a:off y="0" x="0"/>
-          <a:ext cy="0" cx="0"/>
-          <a:chOff y="0" x="0"/>
-          <a:chExt cy="0" cx="0"/>
+          <a:off x="0" y="0"/>
+          <a:ext cx="0" cy="0"/>
+          <a:chOff x="0" y="0"/>
+          <a:chExt cx="0" cy="0"/>
         </a:xfrm>
       </p:grpSpPr>
       <p:sp>
         <p:nvSpPr>
-          <p:cNvPr name="Titre 1" id="2"/>
+          <p:cNvPr id="2" name="Titre 1"/>
           <p:cNvSpPr>
             <a:spLocks noGrp="true"/>
           </p:cNvSpPr>
@@ -966,7 +966,7 @@
           <a:lstStyle/>
           <a:p>
             <a:r>
-              <a:rPr smtClean="false" lang="fr-FR"/>
+              <a:rPr lang="fr-FR" smtClean="false"/>
               <a:t>Modifiez le style du titre</a:t>
             </a:r>
             <a:endParaRPr lang="fr-FR"/>
@@ -975,18 +975,18 @@
       </p:sp>
       <p:sp>
         <p:nvSpPr>
-          <p:cNvPr name="Espace réservé du contenu 2" id="3"/>
-          <p:cNvSpPr>
-            <a:spLocks noGrp="true"/>
-          </p:cNvSpPr>
-          <p:nvPr>
-            <p:ph idx="1" sz="half"/>
+          <p:cNvPr id="3" name="Espace réservé du contenu 2"/>
+          <p:cNvSpPr>
+            <a:spLocks noGrp="true"/>
+          </p:cNvSpPr>
+          <p:nvPr>
+            <p:ph sz="half" idx="1"/>
           </p:nvPr>
         </p:nvSpPr>
         <p:spPr>
           <a:xfrm>
-            <a:off y="1825625" x="838200"/>
-            <a:ext cy="4351338" cx="5181600"/>
+            <a:off x="838200" y="1825625"/>
+            <a:ext cx="5181600" cy="4351338"/>
           </a:xfrm>
         </p:spPr>
         <p:txBody>
@@ -995,35 +995,35 @@
           <a:p>
             <a:pPr lvl="0"/>
             <a:r>
-              <a:rPr smtClean="false" lang="fr-FR"/>
+              <a:rPr lang="fr-FR" smtClean="false"/>
               <a:t>Modifiez les styles du texte du masque</a:t>
             </a:r>
           </a:p>
           <a:p>
             <a:pPr lvl="1"/>
             <a:r>
-              <a:rPr smtClean="false" lang="fr-FR"/>
+              <a:rPr lang="fr-FR" smtClean="false"/>
               <a:t>Deuxième niveau</a:t>
             </a:r>
           </a:p>
           <a:p>
             <a:pPr lvl="2"/>
             <a:r>
-              <a:rPr smtClean="false" lang="fr-FR"/>
+              <a:rPr lang="fr-FR" smtClean="false"/>
               <a:t>Troisième niveau</a:t>
             </a:r>
           </a:p>
           <a:p>
             <a:pPr lvl="3"/>
             <a:r>
-              <a:rPr smtClean="false" lang="fr-FR"/>
+              <a:rPr lang="fr-FR" smtClean="false"/>
               <a:t>Quatrième niveau</a:t>
             </a:r>
           </a:p>
           <a:p>
             <a:pPr lvl="4"/>
             <a:r>
-              <a:rPr smtClean="false" lang="fr-FR"/>
+              <a:rPr lang="fr-FR" smtClean="false"/>
               <a:t>Cinquième niveau</a:t>
             </a:r>
             <a:endParaRPr lang="fr-FR"/>
@@ -1032,18 +1032,18 @@
       </p:sp>
       <p:sp>
         <p:nvSpPr>
-          <p:cNvPr name="Espace réservé du contenu 3" id="4"/>
-          <p:cNvSpPr>
-            <a:spLocks noGrp="true"/>
-          </p:cNvSpPr>
-          <p:nvPr>
-            <p:ph idx="2" sz="half"/>
+          <p:cNvPr id="4" name="Espace réservé du contenu 3"/>
+          <p:cNvSpPr>
+            <a:spLocks noGrp="true"/>
+          </p:cNvSpPr>
+          <p:nvPr>
+            <p:ph sz="half" idx="2"/>
           </p:nvPr>
         </p:nvSpPr>
         <p:spPr>
           <a:xfrm>
-            <a:off y="1825625" x="6172200"/>
-            <a:ext cy="4351338" cx="5181600"/>
+            <a:off x="6172200" y="1825625"/>
+            <a:ext cx="5181600" cy="4351338"/>
           </a:xfrm>
         </p:spPr>
         <p:txBody>
@@ -1052,35 +1052,35 @@
           <a:p>
             <a:pPr lvl="0"/>
             <a:r>
-              <a:rPr smtClean="false" lang="fr-FR"/>
+              <a:rPr lang="fr-FR" smtClean="false"/>
               <a:t>Modifiez les styles du texte du masque</a:t>
             </a:r>
           </a:p>
           <a:p>
             <a:pPr lvl="1"/>
             <a:r>
-              <a:rPr smtClean="false" lang="fr-FR"/>
+              <a:rPr lang="fr-FR" smtClean="false"/>
               <a:t>Deuxième niveau</a:t>
             </a:r>
           </a:p>
           <a:p>
             <a:pPr lvl="2"/>
             <a:r>
-              <a:rPr smtClean="false" lang="fr-FR"/>
+              <a:rPr lang="fr-FR" smtClean="false"/>
               <a:t>Troisième niveau</a:t>
             </a:r>
           </a:p>
           <a:p>
             <a:pPr lvl="3"/>
             <a:r>
-              <a:rPr smtClean="false" lang="fr-FR"/>
+              <a:rPr lang="fr-FR" smtClean="false"/>
               <a:t>Quatrième niveau</a:t>
             </a:r>
           </a:p>
           <a:p>
             <a:pPr lvl="4"/>
             <a:r>
-              <a:rPr smtClean="false" lang="fr-FR"/>
+              <a:rPr lang="fr-FR" smtClean="false"/>
               <a:t>Cinquième niveau</a:t>
             </a:r>
             <a:endParaRPr lang="fr-FR"/>
@@ -1089,12 +1089,12 @@
       </p:sp>
       <p:sp>
         <p:nvSpPr>
-          <p:cNvPr name="Espace réservé de la date 4" id="5"/>
-          <p:cNvSpPr>
-            <a:spLocks noGrp="true"/>
-          </p:cNvSpPr>
-          <p:nvPr>
-            <p:ph idx="10" sz="half" type="dt"/>
+          <p:cNvPr id="5" name="Espace réservé de la date 4"/>
+          <p:cNvSpPr>
+            <a:spLocks noGrp="true"/>
+          </p:cNvSpPr>
+          <p:nvPr>
+            <p:ph type="dt" sz="half" idx="10"/>
           </p:nvPr>
         </p:nvSpPr>
         <p:spPr/>
@@ -1102,8 +1102,8 @@
           <a:bodyPr/>
           <a:lstStyle/>
           <a:p>
-            <a:fld type="datetimeFigureOut" id="{CE3110EA-6548-4EF6-B0A9-8F847AEECEDD}">
-              <a:rPr smtClean="false" lang="fr-FR"/>
+            <a:fld id="{CE3110EA-6548-4EF6-B0A9-8F847AEECEDD}" type="datetimeFigureOut">
+              <a:rPr lang="fr-FR" smtClean="false"/>
               <a:t>07/12/2013</a:t>
             </a:fld>
             <a:endParaRPr lang="fr-FR"/>
@@ -1112,12 +1112,12 @@
       </p:sp>
       <p:sp>
         <p:nvSpPr>
-          <p:cNvPr name="Espace réservé du numéro de diapositive 6" id="7"/>
-          <p:cNvSpPr>
-            <a:spLocks noGrp="true"/>
-          </p:cNvSpPr>
-          <p:nvPr>
-            <p:ph idx="12" sz="quarter" type="sldNum"/>
+          <p:cNvPr id="7" name="Espace réservé du numéro de diapositive 6"/>
+          <p:cNvSpPr>
+            <a:spLocks noGrp="true"/>
+          </p:cNvSpPr>
+          <p:nvPr>
+            <p:ph type="sldNum" sz="quarter" idx="12"/>
           </p:nvPr>
         </p:nvSpPr>
         <p:spPr/>
@@ -1125,8 +1125,8 @@
           <a:bodyPr/>
           <a:lstStyle/>
           <a:p>
-            <a:fld type="slidenum" id="{C47AABF0-D73A-43C1-84CC-8A30B6535388}">
-              <a:rPr smtClean="false" lang="fr-FR"/>
+            <a:fld id="{C47AABF0-D73A-43C1-84CC-8A30B6535388}" type="slidenum">
+              <a:rPr lang="fr-FR" smtClean="false"/>
               <a:t>‹N°›</a:t>
             </a:fld>
             <a:endParaRPr lang="fr-FR"/>
@@ -1135,12 +1135,12 @@
       </p:sp>
       <p:sp>
         <p:nvSpPr>
-          <p:cNvPr name="Espace réservé du pied de page 5" id="6"/>
-          <p:cNvSpPr>
-            <a:spLocks noGrp="true"/>
-          </p:cNvSpPr>
-          <p:nvPr>
-            <p:ph idx="13" sz="quarter" type="ftr"/>
+          <p:cNvPr id="6" name="Espace réservé du pied de page 5"/>
+          <p:cNvSpPr>
+            <a:spLocks noGrp="true"/>
+          </p:cNvSpPr>
+          <p:nvPr>
+            <p:ph type="ftr" sz="quarter" idx="13"/>
           </p:nvPr>
         </p:nvSpPr>
         <p:spPr/>
@@ -1165,7 +1165,7 @@
   <p:timing>
     <p:tnLst>
       <p:par>
-        <p:cTn nodeType="tmRoot" restart="never" dur="indefinite" id="1"/>
+        <p:cTn id="1" dur="indefinite" restart="never" nodeType="tmRoot"/>
       </p:par>
     </p:tnLst>
   </p:timing>
@@ -1173,25 +1173,25 @@
 </file>
 
 <file path=ppt/slideLayouts/slideLayout5.xml><?xml version="1.0" encoding="utf-8"?>
-<p:sldLayout xmlns:a="http://schemas.openxmlformats.org/drawingml/2006/main" xmlns:r="http://schemas.openxmlformats.org/officeDocument/2006/relationships" xmlns:p="http://schemas.openxmlformats.org/presentationml/2006/main" xmlns:mc="http://schemas.openxmlformats.org/markup-compatibility/2006" xmlns:c="http://schemas.openxmlformats.org/drawingml/2006/chart" xmlns:ns6="http://schemas.openxmlformats.org/drawingml/2006/chartDrawing" xmlns:dgm="http://schemas.openxmlformats.org/drawingml/2006/diagram" xmlns:pic="http://schemas.openxmlformats.org/drawingml/2006/picture" xmlns:wp="http://schemas.openxmlformats.org/drawingml/2006/wordprocessingDrawing" xmlns:xdr="http://schemas.openxmlformats.org/drawingml/2006/spreadsheetDrawing" xmlns:ns11="http://schemas.openxmlformats.org/drawingml/2006/compatibility" xmlns:ns12="http://schemas.openxmlformats.org/drawingml/2006/lockedCanvas" preserve="true" type="twoTxTwoObj">
+<p:sldLayout xmlns:p="http://schemas.openxmlformats.org/presentationml/2006/main" xmlns:a="http://schemas.openxmlformats.org/drawingml/2006/main" xmlns:r="http://schemas.openxmlformats.org/officeDocument/2006/relationships" xmlns:mc="http://schemas.openxmlformats.org/markup-compatibility/2006" xmlns:c="http://schemas.openxmlformats.org/drawingml/2006/chart" xmlns:ns6="http://schemas.openxmlformats.org/drawingml/2006/chartDrawing" xmlns:dgm="http://schemas.openxmlformats.org/drawingml/2006/diagram" xmlns:pic="http://schemas.openxmlformats.org/drawingml/2006/picture" xmlns:wp="http://schemas.openxmlformats.org/drawingml/2006/wordprocessingDrawing" xmlns:xdr="http://schemas.openxmlformats.org/drawingml/2006/spreadsheetDrawing" xmlns:ns11="http://schemas.openxmlformats.org/drawingml/2006/compatibility" xmlns:ns12="http://schemas.openxmlformats.org/drawingml/2006/lockedCanvas" type="twoTxTwoObj" preserve="true">
   <p:cSld name="Comparison">
     <p:spTree>
       <p:nvGrpSpPr>
-        <p:cNvPr name="" id="1"/>
+        <p:cNvPr id="1" name=""/>
         <p:cNvGrpSpPr/>
         <p:nvPr/>
       </p:nvGrpSpPr>
       <p:grpSpPr>
         <a:xfrm>
-          <a:off y="0" x="0"/>
-          <a:ext cy="0" cx="0"/>
-          <a:chOff y="0" x="0"/>
-          <a:chExt cy="0" cx="0"/>
+          <a:off x="0" y="0"/>
+          <a:ext cx="0" cy="0"/>
+          <a:chOff x="0" y="0"/>
+          <a:chExt cx="0" cy="0"/>
         </a:xfrm>
       </p:grpSpPr>
       <p:sp>
         <p:nvSpPr>
-          <p:cNvPr name="Titre 1" id="2"/>
+          <p:cNvPr id="2" name="Titre 1"/>
           <p:cNvSpPr>
             <a:spLocks noGrp="true"/>
           </p:cNvSpPr>
@@ -1201,8 +1201,8 @@
         </p:nvSpPr>
         <p:spPr>
           <a:xfrm>
-            <a:off y="365125" x="839788"/>
-            <a:ext cy="1325563" cx="10515600"/>
+            <a:off x="839788" y="365125"/>
+            <a:ext cx="10515600" cy="1325563"/>
           </a:xfrm>
         </p:spPr>
         <p:txBody>
@@ -1210,7 +1210,7 @@
           <a:lstStyle/>
           <a:p>
             <a:r>
-              <a:rPr smtClean="false" lang="fr-FR"/>
+              <a:rPr lang="fr-FR" smtClean="false"/>
               <a:t>Modifiez le style du titre</a:t>
             </a:r>
             <a:endParaRPr lang="fr-FR"/>
@@ -1219,64 +1219,64 @@
       </p:sp>
       <p:sp>
         <p:nvSpPr>
-          <p:cNvPr name="Espace réservé du texte 2" id="3"/>
-          <p:cNvSpPr>
-            <a:spLocks noGrp="true"/>
-          </p:cNvSpPr>
-          <p:nvPr>
-            <p:ph idx="1" type="body"/>
+          <p:cNvPr id="3" name="Espace réservé du texte 2"/>
+          <p:cNvSpPr>
+            <a:spLocks noGrp="true"/>
+          </p:cNvSpPr>
+          <p:nvPr>
+            <p:ph type="body" idx="1"/>
           </p:nvPr>
         </p:nvSpPr>
         <p:spPr>
           <a:xfrm>
-            <a:off y="1681163" x="839788"/>
-            <a:ext cy="823912" cx="5157787"/>
+            <a:off x="839788" y="1681163"/>
+            <a:ext cx="5157787" cy="823912"/>
           </a:xfrm>
         </p:spPr>
         <p:txBody>
           <a:bodyPr anchor="b"/>
           <a:lstStyle>
-            <a:lvl1pPr indent="0" marL="0">
-              <a:buNone/>
-              <a:defRPr b="true" sz="2400"/>
+            <a:lvl1pPr marL="0" indent="0">
+              <a:buNone/>
+              <a:defRPr sz="2400" b="true"/>
             </a:lvl1pPr>
-            <a:lvl2pPr indent="0" marL="457200">
-              <a:buNone/>
-              <a:defRPr b="true" sz="2000"/>
+            <a:lvl2pPr marL="457200" indent="0">
+              <a:buNone/>
+              <a:defRPr sz="2000" b="true"/>
             </a:lvl2pPr>
-            <a:lvl3pPr indent="0" marL="914400">
-              <a:buNone/>
-              <a:defRPr b="true" sz="1800"/>
+            <a:lvl3pPr marL="914400" indent="0">
+              <a:buNone/>
+              <a:defRPr sz="1800" b="true"/>
             </a:lvl3pPr>
-            <a:lvl4pPr indent="0" marL="1371600">
-              <a:buNone/>
-              <a:defRPr b="true" sz="1600"/>
+            <a:lvl4pPr marL="1371600" indent="0">
+              <a:buNone/>
+              <a:defRPr sz="1600" b="true"/>
             </a:lvl4pPr>
-            <a:lvl5pPr indent="0" marL="1828800">
-              <a:buNone/>
-              <a:defRPr b="true" sz="1600"/>
+            <a:lvl5pPr marL="1828800" indent="0">
+              <a:buNone/>
+              <a:defRPr sz="1600" b="true"/>
             </a:lvl5pPr>
-            <a:lvl6pPr indent="0" marL="2286000">
-              <a:buNone/>
-              <a:defRPr b="true" sz="1600"/>
+            <a:lvl6pPr marL="2286000" indent="0">
+              <a:buNone/>
+              <a:defRPr sz="1600" b="true"/>
             </a:lvl6pPr>
-            <a:lvl7pPr indent="0" marL="2743200">
-              <a:buNone/>
-              <a:defRPr b="true" sz="1600"/>
+            <a:lvl7pPr marL="2743200" indent="0">
+              <a:buNone/>
+              <a:defRPr sz="1600" b="true"/>
             </a:lvl7pPr>
-            <a:lvl8pPr indent="0" marL="3200400">
-              <a:buNone/>
-              <a:defRPr b="true" sz="1600"/>
+            <a:lvl8pPr marL="3200400" indent="0">
+              <a:buNone/>
+              <a:defRPr sz="1600" b="true"/>
             </a:lvl8pPr>
-            <a:lvl9pPr indent="0" marL="3657600">
-              <a:buNone/>
-              <a:defRPr b="true" sz="1600"/>
+            <a:lvl9pPr marL="3657600" indent="0">
+              <a:buNone/>
+              <a:defRPr sz="1600" b="true"/>
             </a:lvl9pPr>
           </a:lstStyle>
           <a:p>
             <a:pPr lvl="0"/>
             <a:r>
-              <a:rPr smtClean="false" lang="fr-FR"/>
+              <a:rPr lang="fr-FR" smtClean="false"/>
               <a:t>Modifiez les styles du texte du masque</a:t>
             </a:r>
           </a:p>
@@ -1284,18 +1284,18 @@
       </p:sp>
       <p:sp>
         <p:nvSpPr>
-          <p:cNvPr name="Espace réservé du contenu 3" id="4"/>
-          <p:cNvSpPr>
-            <a:spLocks noGrp="true"/>
-          </p:cNvSpPr>
-          <p:nvPr>
-            <p:ph idx="2" sz="half"/>
+          <p:cNvPr id="4" name="Espace réservé du contenu 3"/>
+          <p:cNvSpPr>
+            <a:spLocks noGrp="true"/>
+          </p:cNvSpPr>
+          <p:nvPr>
+            <p:ph sz="half" idx="2"/>
           </p:nvPr>
         </p:nvSpPr>
         <p:spPr>
           <a:xfrm>
-            <a:off y="2505075" x="839788"/>
-            <a:ext cy="3684588" cx="5157787"/>
+            <a:off x="839788" y="2505075"/>
+            <a:ext cx="5157787" cy="3684588"/>
           </a:xfrm>
         </p:spPr>
         <p:txBody>
@@ -1304,35 +1304,35 @@
           <a:p>
             <a:pPr lvl="0"/>
             <a:r>
-              <a:rPr smtClean="false" lang="fr-FR"/>
+              <a:rPr lang="fr-FR" smtClean="false"/>
               <a:t>Modifiez les styles du texte du masque</a:t>
             </a:r>
           </a:p>
           <a:p>
             <a:pPr lvl="1"/>
             <a:r>
-              <a:rPr smtClean="false" lang="fr-FR"/>
+              <a:rPr lang="fr-FR" smtClean="false"/>
               <a:t>Deuxième niveau</a:t>
             </a:r>
           </a:p>
           <a:p>
             <a:pPr lvl="2"/>
             <a:r>
-              <a:rPr smtClean="false" lang="fr-FR"/>
+              <a:rPr lang="fr-FR" smtClean="false"/>
               <a:t>Troisième niveau</a:t>
             </a:r>
           </a:p>
           <a:p>
             <a:pPr lvl="3"/>
             <a:r>
-              <a:rPr smtClean="false" lang="fr-FR"/>
+              <a:rPr lang="fr-FR" smtClean="false"/>
               <a:t>Quatrième niveau</a:t>
             </a:r>
           </a:p>
           <a:p>
             <a:pPr lvl="4"/>
             <a:r>
-              <a:rPr smtClean="false" lang="fr-FR"/>
+              <a:rPr lang="fr-FR" smtClean="false"/>
               <a:t>Cinquième niveau</a:t>
             </a:r>
             <a:endParaRPr lang="fr-FR"/>
@@ -1341,64 +1341,64 @@
       </p:sp>
       <p:sp>
         <p:nvSpPr>
-          <p:cNvPr name="Espace réservé du texte 4" id="5"/>
-          <p:cNvSpPr>
-            <a:spLocks noGrp="true"/>
-          </p:cNvSpPr>
-          <p:nvPr>
-            <p:ph idx="3" sz="quarter" type="body"/>
+          <p:cNvPr id="5" name="Espace réservé du texte 4"/>
+          <p:cNvSpPr>
+            <a:spLocks noGrp="true"/>
+          </p:cNvSpPr>
+          <p:nvPr>
+            <p:ph type="body" sz="quarter" idx="3"/>
           </p:nvPr>
         </p:nvSpPr>
         <p:spPr>
           <a:xfrm>
-            <a:off y="1681163" x="6172200"/>
-            <a:ext cy="823912" cx="5183188"/>
+            <a:off x="6172200" y="1681163"/>
+            <a:ext cx="5183188" cy="823912"/>
           </a:xfrm>
         </p:spPr>
         <p:txBody>
           <a:bodyPr anchor="b"/>
           <a:lstStyle>
-            <a:lvl1pPr indent="0" marL="0">
-              <a:buNone/>
-              <a:defRPr b="true" sz="2400"/>
+            <a:lvl1pPr marL="0" indent="0">
+              <a:buNone/>
+              <a:defRPr sz="2400" b="true"/>
             </a:lvl1pPr>
-            <a:lvl2pPr indent="0" marL="457200">
-              <a:buNone/>
-              <a:defRPr b="true" sz="2000"/>
+            <a:lvl2pPr marL="457200" indent="0">
+              <a:buNone/>
+              <a:defRPr sz="2000" b="true"/>
             </a:lvl2pPr>
-            <a:lvl3pPr indent="0" marL="914400">
-              <a:buNone/>
-              <a:defRPr b="true" sz="1800"/>
+            <a:lvl3pPr marL="914400" indent="0">
+              <a:buNone/>
+              <a:defRPr sz="1800" b="true"/>
             </a:lvl3pPr>
-            <a:lvl4pPr indent="0" marL="1371600">
-              <a:buNone/>
-              <a:defRPr b="true" sz="1600"/>
+            <a:lvl4pPr marL="1371600" indent="0">
+              <a:buNone/>
+              <a:defRPr sz="1600" b="true"/>
             </a:lvl4pPr>
-            <a:lvl5pPr indent="0" marL="1828800">
-              <a:buNone/>
-              <a:defRPr b="true" sz="1600"/>
+            <a:lvl5pPr marL="1828800" indent="0">
+              <a:buNone/>
+              <a:defRPr sz="1600" b="true"/>
             </a:lvl5pPr>
-            <a:lvl6pPr indent="0" marL="2286000">
-              <a:buNone/>
-              <a:defRPr b="true" sz="1600"/>
+            <a:lvl6pPr marL="2286000" indent="0">
+              <a:buNone/>
+              <a:defRPr sz="1600" b="true"/>
             </a:lvl6pPr>
-            <a:lvl7pPr indent="0" marL="2743200">
-              <a:buNone/>
-              <a:defRPr b="true" sz="1600"/>
+            <a:lvl7pPr marL="2743200" indent="0">
+              <a:buNone/>
+              <a:defRPr sz="1600" b="true"/>
             </a:lvl7pPr>
-            <a:lvl8pPr indent="0" marL="3200400">
-              <a:buNone/>
-              <a:defRPr b="true" sz="1600"/>
+            <a:lvl8pPr marL="3200400" indent="0">
+              <a:buNone/>
+              <a:defRPr sz="1600" b="true"/>
             </a:lvl8pPr>
-            <a:lvl9pPr indent="0" marL="3657600">
-              <a:buNone/>
-              <a:defRPr b="true" sz="1600"/>
+            <a:lvl9pPr marL="3657600" indent="0">
+              <a:buNone/>
+              <a:defRPr sz="1600" b="true"/>
             </a:lvl9pPr>
           </a:lstStyle>
           <a:p>
             <a:pPr lvl="0"/>
             <a:r>
-              <a:rPr smtClean="false" lang="fr-FR"/>
+              <a:rPr lang="fr-FR" smtClean="false"/>
               <a:t>Modifiez les styles du texte du masque</a:t>
             </a:r>
           </a:p>
@@ -1406,18 +1406,18 @@
       </p:sp>
       <p:sp>
         <p:nvSpPr>
-          <p:cNvPr name="Espace réservé du contenu 5" id="6"/>
-          <p:cNvSpPr>
-            <a:spLocks noGrp="true"/>
-          </p:cNvSpPr>
-          <p:nvPr>
-            <p:ph idx="4" sz="quarter"/>
+          <p:cNvPr id="6" name="Espace réservé du contenu 5"/>
+          <p:cNvSpPr>
+            <a:spLocks noGrp="true"/>
+          </p:cNvSpPr>
+          <p:nvPr>
+            <p:ph sz="quarter" idx="4"/>
           </p:nvPr>
         </p:nvSpPr>
         <p:spPr>
           <a:xfrm>
-            <a:off y="2505075" x="6172200"/>
-            <a:ext cy="3684588" cx="5183188"/>
+            <a:off x="6172200" y="2505075"/>
+            <a:ext cx="5183188" cy="3684588"/>
           </a:xfrm>
         </p:spPr>
         <p:txBody>
@@ -1426,35 +1426,35 @@
           <a:p>
             <a:pPr lvl="0"/>
             <a:r>
-              <a:rPr smtClean="false" lang="fr-FR"/>
+              <a:rPr lang="fr-FR" smtClean="false"/>
               <a:t>Modifiez les styles du texte du masque</a:t>
             </a:r>
           </a:p>
           <a:p>
             <a:pPr lvl="1"/>
             <a:r>
-              <a:rPr smtClean="false" lang="fr-FR"/>
+              <a:rPr lang="fr-FR" smtClean="false"/>
               <a:t>Deuxième niveau</a:t>
             </a:r>
           </a:p>
           <a:p>
             <a:pPr lvl="2"/>
             <a:r>
-              <a:rPr smtClean="false" lang="fr-FR"/>
+              <a:rPr lang="fr-FR" smtClean="false"/>
               <a:t>Troisième niveau</a:t>
             </a:r>
           </a:p>
           <a:p>
             <a:pPr lvl="3"/>
             <a:r>
-              <a:rPr smtClean="false" lang="fr-FR"/>
+              <a:rPr lang="fr-FR" smtClean="false"/>
               <a:t>Quatrième niveau</a:t>
             </a:r>
           </a:p>
           <a:p>
             <a:pPr lvl="4"/>
             <a:r>
-              <a:rPr smtClean="false" lang="fr-FR"/>
+              <a:rPr lang="fr-FR" smtClean="false"/>
               <a:t>Cinquième niveau</a:t>
             </a:r>
             <a:endParaRPr lang="fr-FR"/>
@@ -1463,12 +1463,12 @@
       </p:sp>
       <p:sp>
         <p:nvSpPr>
-          <p:cNvPr name="Espace réservé de la date 6" id="7"/>
-          <p:cNvSpPr>
-            <a:spLocks noGrp="true"/>
-          </p:cNvSpPr>
-          <p:nvPr>
-            <p:ph idx="10" sz="half" type="dt"/>
+          <p:cNvPr id="7" name="Espace réservé de la date 6"/>
+          <p:cNvSpPr>
+            <a:spLocks noGrp="true"/>
+          </p:cNvSpPr>
+          <p:nvPr>
+            <p:ph type="dt" sz="half" idx="10"/>
           </p:nvPr>
         </p:nvSpPr>
         <p:spPr/>
@@ -1476,8 +1476,8 @@
           <a:bodyPr/>
           <a:lstStyle/>
           <a:p>
-            <a:fld type="datetimeFigureOut" id="{CE3110EA-6548-4EF6-B0A9-8F847AEECEDD}">
-              <a:rPr smtClean="false" lang="fr-FR"/>
+            <a:fld id="{CE3110EA-6548-4EF6-B0A9-8F847AEECEDD}" type="datetimeFigureOut">
+              <a:rPr lang="fr-FR" smtClean="false"/>
               <a:t>07/12/2013</a:t>
             </a:fld>
             <a:endParaRPr lang="fr-FR"/>
@@ -1486,12 +1486,12 @@
       </p:sp>
       <p:sp>
         <p:nvSpPr>
-          <p:cNvPr name="Espace réservé du numéro de diapositive 8" id="9"/>
-          <p:cNvSpPr>
-            <a:spLocks noGrp="true"/>
-          </p:cNvSpPr>
-          <p:nvPr>
-            <p:ph idx="12" sz="quarter" type="sldNum"/>
+          <p:cNvPr id="9" name="Espace réservé du numéro de diapositive 8"/>
+          <p:cNvSpPr>
+            <a:spLocks noGrp="true"/>
+          </p:cNvSpPr>
+          <p:nvPr>
+            <p:ph type="sldNum" sz="quarter" idx="12"/>
           </p:nvPr>
         </p:nvSpPr>
         <p:spPr/>
@@ -1499,8 +1499,8 @@
           <a:bodyPr/>
           <a:lstStyle/>
           <a:p>
-            <a:fld type="slidenum" id="{C47AABF0-D73A-43C1-84CC-8A30B6535388}">
-              <a:rPr smtClean="false" lang="fr-FR"/>
+            <a:fld id="{C47AABF0-D73A-43C1-84CC-8A30B6535388}" type="slidenum">
+              <a:rPr lang="fr-FR" smtClean="false"/>
               <a:t>‹N°›</a:t>
             </a:fld>
             <a:endParaRPr lang="fr-FR"/>
@@ -1520,7 +1520,7 @@
   <p:timing>
     <p:tnLst>
       <p:par>
-        <p:cTn nodeType="tmRoot" restart="never" dur="indefinite" id="1"/>
+        <p:cTn id="1" dur="indefinite" restart="never" nodeType="tmRoot"/>
       </p:par>
     </p:tnLst>
   </p:timing>
@@ -1528,25 +1528,25 @@
 </file>
 
 <file path=ppt/slideLayouts/slideLayout6.xml><?xml version="1.0" encoding="utf-8"?>
-<p:sldLayout xmlns:a="http://schemas.openxmlformats.org/drawingml/2006/main" xmlns:r="http://schemas.openxmlformats.org/officeDocument/2006/relationships" xmlns:p="http://schemas.openxmlformats.org/presentationml/2006/main" xmlns:mc="http://schemas.openxmlformats.org/markup-compatibility/2006" xmlns:c="http://schemas.openxmlformats.org/drawingml/2006/chart" xmlns:ns6="http://schemas.openxmlformats.org/drawingml/2006/chartDrawing" xmlns:dgm="http://schemas.openxmlformats.org/drawingml/2006/diagram" xmlns:pic="http://schemas.openxmlformats.org/drawingml/2006/picture" xmlns:wp="http://schemas.openxmlformats.org/drawingml/2006/wordprocessingDrawing" xmlns:xdr="http://schemas.openxmlformats.org/drawingml/2006/spreadsheetDrawing" xmlns:ns11="http://schemas.openxmlformats.org/drawingml/2006/compatibility" xmlns:ns12="http://schemas.openxmlformats.org/drawingml/2006/lockedCanvas" preserve="true" type="titleOnly">
+<p:sldLayout xmlns:p="http://schemas.openxmlformats.org/presentationml/2006/main" xmlns:a="http://schemas.openxmlformats.org/drawingml/2006/main" xmlns:r="http://schemas.openxmlformats.org/officeDocument/2006/relationships" xmlns:mc="http://schemas.openxmlformats.org/markup-compatibility/2006" xmlns:c="http://schemas.openxmlformats.org/drawingml/2006/chart" xmlns:ns6="http://schemas.openxmlformats.org/drawingml/2006/chartDrawing" xmlns:dgm="http://schemas.openxmlformats.org/drawingml/2006/diagram" xmlns:pic="http://schemas.openxmlformats.org/drawingml/2006/picture" xmlns:wp="http://schemas.openxmlformats.org/drawingml/2006/wordprocessingDrawing" xmlns:xdr="http://schemas.openxmlformats.org/drawingml/2006/spreadsheetDrawing" xmlns:ns11="http://schemas.openxmlformats.org/drawingml/2006/compatibility" xmlns:ns12="http://schemas.openxmlformats.org/drawingml/2006/lockedCanvas" type="titleOnly" preserve="true">
   <p:cSld name="Title Only">
     <p:spTree>
       <p:nvGrpSpPr>
-        <p:cNvPr name="" id="1"/>
+        <p:cNvPr id="1" name=""/>
         <p:cNvGrpSpPr/>
         <p:nvPr/>
       </p:nvGrpSpPr>
       <p:grpSpPr>
         <a:xfrm>
-          <a:off y="0" x="0"/>
-          <a:ext cy="0" cx="0"/>
-          <a:chOff y="0" x="0"/>
-          <a:chExt cy="0" cx="0"/>
+          <a:off x="0" y="0"/>
+          <a:ext cx="0" cy="0"/>
+          <a:chOff x="0" y="0"/>
+          <a:chExt cx="0" cy="0"/>
         </a:xfrm>
       </p:grpSpPr>
       <p:sp>
         <p:nvSpPr>
-          <p:cNvPr name="Titre 1" id="2"/>
+          <p:cNvPr id="2" name="Titre 1"/>
           <p:cNvSpPr>
             <a:spLocks noGrp="true"/>
           </p:cNvSpPr>
@@ -1560,7 +1560,7 @@
           <a:lstStyle/>
           <a:p>
             <a:r>
-              <a:rPr smtClean="false" lang="fr-FR"/>
+              <a:rPr lang="fr-FR" smtClean="false"/>
               <a:t>Modifiez le style du titre</a:t>
             </a:r>
             <a:endParaRPr lang="fr-FR"/>
@@ -1569,12 +1569,12 @@
       </p:sp>
       <p:sp>
         <p:nvSpPr>
-          <p:cNvPr name="Espace réservé de la date 2" id="3"/>
-          <p:cNvSpPr>
-            <a:spLocks noGrp="true"/>
-          </p:cNvSpPr>
-          <p:nvPr>
-            <p:ph idx="10" sz="half" type="dt"/>
+          <p:cNvPr id="3" name="Espace réservé de la date 2"/>
+          <p:cNvSpPr>
+            <a:spLocks noGrp="true"/>
+          </p:cNvSpPr>
+          <p:nvPr>
+            <p:ph type="dt" sz="half" idx="10"/>
           </p:nvPr>
         </p:nvSpPr>
         <p:spPr/>
@@ -1582,8 +1582,8 @@
           <a:bodyPr/>
           <a:lstStyle/>
           <a:p>
-            <a:fld type="datetimeFigureOut" id="{CE3110EA-6548-4EF6-B0A9-8F847AEECEDD}">
-              <a:rPr smtClean="false" lang="fr-FR"/>
+            <a:fld id="{CE3110EA-6548-4EF6-B0A9-8F847AEECEDD}" type="datetimeFigureOut">
+              <a:rPr lang="fr-FR" smtClean="false"/>
               <a:t>07/12/2013</a:t>
             </a:fld>
             <a:endParaRPr lang="fr-FR"/>
@@ -1592,12 +1592,12 @@
       </p:sp>
       <p:sp>
         <p:nvSpPr>
-          <p:cNvPr name="Espace réservé du pied de page 3" id="4"/>
-          <p:cNvSpPr>
-            <a:spLocks noGrp="true"/>
-          </p:cNvSpPr>
-          <p:nvPr>
-            <p:ph idx="11" sz="quarter" type="ftr"/>
+          <p:cNvPr id="4" name="Espace réservé du pied de page 3"/>
+          <p:cNvSpPr>
+            <a:spLocks noGrp="true"/>
+          </p:cNvSpPr>
+          <p:nvPr>
+            <p:ph type="ftr" sz="quarter" idx="11"/>
           </p:nvPr>
         </p:nvSpPr>
         <p:spPr/>
@@ -1611,12 +1611,12 @@
       </p:sp>
       <p:sp>
         <p:nvSpPr>
-          <p:cNvPr name="Espace réservé du numéro de diapositive 4" id="5"/>
-          <p:cNvSpPr>
-            <a:spLocks noGrp="true"/>
-          </p:cNvSpPr>
-          <p:nvPr>
-            <p:ph idx="12" sz="quarter" type="sldNum"/>
+          <p:cNvPr id="5" name="Espace réservé du numéro de diapositive 4"/>
+          <p:cNvSpPr>
+            <a:spLocks noGrp="true"/>
+          </p:cNvSpPr>
+          <p:nvPr>
+            <p:ph type="sldNum" sz="quarter" idx="12"/>
           </p:nvPr>
         </p:nvSpPr>
         <p:spPr/>
@@ -1624,8 +1624,8 @@
           <a:bodyPr/>
           <a:lstStyle/>
           <a:p>
-            <a:fld type="slidenum" id="{C47AABF0-D73A-43C1-84CC-8A30B6535388}">
-              <a:rPr smtClean="false" lang="fr-FR"/>
+            <a:fld id="{C47AABF0-D73A-43C1-84CC-8A30B6535388}" type="slidenum">
+              <a:rPr lang="fr-FR" smtClean="false"/>
               <a:t>‹N°›</a:t>
             </a:fld>
             <a:endParaRPr lang="fr-FR"/>
@@ -1645,7 +1645,7 @@
   <p:timing>
     <p:tnLst>
       <p:par>
-        <p:cTn nodeType="tmRoot" restart="never" dur="indefinite" id="1"/>
+        <p:cTn id="1" dur="indefinite" restart="never" nodeType="tmRoot"/>
       </p:par>
     </p:tnLst>
   </p:timing>
@@ -1653,30 +1653,30 @@
 </file>
 
 <file path=ppt/slideLayouts/slideLayout7.xml><?xml version="1.0" encoding="utf-8"?>
-<p:sldLayout xmlns:a="http://schemas.openxmlformats.org/drawingml/2006/main" xmlns:r="http://schemas.openxmlformats.org/officeDocument/2006/relationships" xmlns:p="http://schemas.openxmlformats.org/presentationml/2006/main" xmlns:mc="http://schemas.openxmlformats.org/markup-compatibility/2006" xmlns:c="http://schemas.openxmlformats.org/drawingml/2006/chart" xmlns:ns6="http://schemas.openxmlformats.org/drawingml/2006/chartDrawing" xmlns:dgm="http://schemas.openxmlformats.org/drawingml/2006/diagram" xmlns:pic="http://schemas.openxmlformats.org/drawingml/2006/picture" xmlns:wp="http://schemas.openxmlformats.org/drawingml/2006/wordprocessingDrawing" xmlns:xdr="http://schemas.openxmlformats.org/drawingml/2006/spreadsheetDrawing" xmlns:ns11="http://schemas.openxmlformats.org/drawingml/2006/compatibility" xmlns:ns12="http://schemas.openxmlformats.org/drawingml/2006/lockedCanvas" preserve="true" type="blank">
+<p:sldLayout xmlns:p="http://schemas.openxmlformats.org/presentationml/2006/main" xmlns:a="http://schemas.openxmlformats.org/drawingml/2006/main" xmlns:r="http://schemas.openxmlformats.org/officeDocument/2006/relationships" xmlns:mc="http://schemas.openxmlformats.org/markup-compatibility/2006" xmlns:c="http://schemas.openxmlformats.org/drawingml/2006/chart" xmlns:ns6="http://schemas.openxmlformats.org/drawingml/2006/chartDrawing" xmlns:dgm="http://schemas.openxmlformats.org/drawingml/2006/diagram" xmlns:pic="http://schemas.openxmlformats.org/drawingml/2006/picture" xmlns:wp="http://schemas.openxmlformats.org/drawingml/2006/wordprocessingDrawing" xmlns:xdr="http://schemas.openxmlformats.org/drawingml/2006/spreadsheetDrawing" xmlns:ns11="http://schemas.openxmlformats.org/drawingml/2006/compatibility" xmlns:ns12="http://schemas.openxmlformats.org/drawingml/2006/lockedCanvas" type="blank" preserve="true">
   <p:cSld name="Blank">
     <p:spTree>
       <p:nvGrpSpPr>
-        <p:cNvPr name="" id="1"/>
+        <p:cNvPr id="1" name=""/>
         <p:cNvGrpSpPr/>
         <p:nvPr/>
       </p:nvGrpSpPr>
       <p:grpSpPr>
         <a:xfrm>
-          <a:off y="0" x="0"/>
-          <a:ext cy="0" cx="0"/>
-          <a:chOff y="0" x="0"/>
-          <a:chExt cy="0" cx="0"/>
+          <a:off x="0" y="0"/>
+          <a:ext cx="0" cy="0"/>
+          <a:chOff x="0" y="0"/>
+          <a:chExt cx="0" cy="0"/>
         </a:xfrm>
       </p:grpSpPr>
       <p:sp>
         <p:nvSpPr>
-          <p:cNvPr name="Espace réservé de la date 1" id="2"/>
-          <p:cNvSpPr>
-            <a:spLocks noGrp="true"/>
-          </p:cNvSpPr>
-          <p:nvPr>
-            <p:ph idx="10" sz="half" type="dt"/>
+          <p:cNvPr id="2" name="Espace réservé de la date 1"/>
+          <p:cNvSpPr>
+            <a:spLocks noGrp="true"/>
+          </p:cNvSpPr>
+          <p:nvPr>
+            <p:ph type="dt" sz="half" idx="10"/>
           </p:nvPr>
         </p:nvSpPr>
         <p:spPr/>
@@ -1684,8 +1684,8 @@
           <a:bodyPr/>
           <a:lstStyle/>
           <a:p>
-            <a:fld type="datetimeFigureOut" id="{CE3110EA-6548-4EF6-B0A9-8F847AEECEDD}">
-              <a:rPr smtClean="false" lang="fr-FR"/>
+            <a:fld id="{CE3110EA-6548-4EF6-B0A9-8F847AEECEDD}" type="datetimeFigureOut">
+              <a:rPr lang="fr-FR" smtClean="false"/>
               <a:t>07/12/2013</a:t>
             </a:fld>
             <a:endParaRPr lang="fr-FR"/>
@@ -1694,12 +1694,12 @@
       </p:sp>
       <p:sp>
         <p:nvSpPr>
-          <p:cNvPr name="Espace réservé du pied de page 2" id="3"/>
-          <p:cNvSpPr>
-            <a:spLocks noGrp="true"/>
-          </p:cNvSpPr>
-          <p:nvPr>
-            <p:ph idx="11" sz="quarter" type="ftr"/>
+          <p:cNvPr id="3" name="Espace réservé du pied de page 2"/>
+          <p:cNvSpPr>
+            <a:spLocks noGrp="true"/>
+          </p:cNvSpPr>
+          <p:nvPr>
+            <p:ph type="ftr" sz="quarter" idx="11"/>
           </p:nvPr>
         </p:nvSpPr>
         <p:spPr/>
@@ -1713,12 +1713,12 @@
       </p:sp>
       <p:sp>
         <p:nvSpPr>
-          <p:cNvPr name="Espace réservé du numéro de diapositive 3" id="4"/>
-          <p:cNvSpPr>
-            <a:spLocks noGrp="true"/>
-          </p:cNvSpPr>
-          <p:nvPr>
-            <p:ph idx="12" sz="quarter" type="sldNum"/>
+          <p:cNvPr id="4" name="Espace réservé du numéro de diapositive 3"/>
+          <p:cNvSpPr>
+            <a:spLocks noGrp="true"/>
+          </p:cNvSpPr>
+          <p:nvPr>
+            <p:ph type="sldNum" sz="quarter" idx="12"/>
           </p:nvPr>
         </p:nvSpPr>
         <p:spPr/>
@@ -1726,8 +1726,8 @@
           <a:bodyPr/>
           <a:lstStyle/>
           <a:p>
-            <a:fld type="slidenum" id="{C47AABF0-D73A-43C1-84CC-8A30B6535388}">
-              <a:rPr smtClean="false" lang="fr-FR"/>
+            <a:fld id="{C47AABF0-D73A-43C1-84CC-8A30B6535388}" type="slidenum">
+              <a:rPr lang="fr-FR" smtClean="false"/>
               <a:t>‹N°›</a:t>
             </a:fld>
             <a:endParaRPr lang="fr-FR"/>
@@ -1747,7 +1747,7 @@
   <p:timing>
     <p:tnLst>
       <p:par>
-        <p:cTn nodeType="tmRoot" restart="never" dur="indefinite" id="1"/>
+        <p:cTn id="1" dur="indefinite" restart="never" nodeType="tmRoot"/>
       </p:par>
     </p:tnLst>
   </p:timing>
@@ -1755,25 +1755,25 @@
 </file>
 
 <file path=ppt/slideLayouts/slideLayout8.xml><?xml version="1.0" encoding="utf-8"?>
-<p:sldLayout xmlns:a="http://schemas.openxmlformats.org/drawingml/2006/main" xmlns:r="http://schemas.openxmlformats.org/officeDocument/2006/relationships" xmlns:p="http://schemas.openxmlformats.org/presentationml/2006/main" xmlns:mc="http://schemas.openxmlformats.org/markup-compatibility/2006" xmlns:c="http://schemas.openxmlformats.org/drawingml/2006/chart" xmlns:ns6="http://schemas.openxmlformats.org/drawingml/2006/chartDrawing" xmlns:dgm="http://schemas.openxmlformats.org/drawingml/2006/diagram" xmlns:pic="http://schemas.openxmlformats.org/drawingml/2006/picture" xmlns:wp="http://schemas.openxmlformats.org/drawingml/2006/wordprocessingDrawing" xmlns:xdr="http://schemas.openxmlformats.org/drawingml/2006/spreadsheetDrawing" xmlns:ns11="http://schemas.openxmlformats.org/drawingml/2006/compatibility" xmlns:ns12="http://schemas.openxmlformats.org/drawingml/2006/lockedCanvas" preserve="true" type="objTx">
+<p:sldLayout xmlns:p="http://schemas.openxmlformats.org/presentationml/2006/main" xmlns:a="http://schemas.openxmlformats.org/drawingml/2006/main" xmlns:r="http://schemas.openxmlformats.org/officeDocument/2006/relationships" xmlns:mc="http://schemas.openxmlformats.org/markup-compatibility/2006" xmlns:c="http://schemas.openxmlformats.org/drawingml/2006/chart" xmlns:ns6="http://schemas.openxmlformats.org/drawingml/2006/chartDrawing" xmlns:dgm="http://schemas.openxmlformats.org/drawingml/2006/diagram" xmlns:pic="http://schemas.openxmlformats.org/drawingml/2006/picture" xmlns:wp="http://schemas.openxmlformats.org/drawingml/2006/wordprocessingDrawing" xmlns:xdr="http://schemas.openxmlformats.org/drawingml/2006/spreadsheetDrawing" xmlns:ns11="http://schemas.openxmlformats.org/drawingml/2006/compatibility" xmlns:ns12="http://schemas.openxmlformats.org/drawingml/2006/lockedCanvas" type="objTx" preserve="true">
   <p:cSld name="Content with Caption">
     <p:spTree>
       <p:nvGrpSpPr>
-        <p:cNvPr name="" id="1"/>
+        <p:cNvPr id="1" name=""/>
         <p:cNvGrpSpPr/>
         <p:nvPr/>
       </p:nvGrpSpPr>
       <p:grpSpPr>
         <a:xfrm>
-          <a:off y="0" x="0"/>
-          <a:ext cy="0" cx="0"/>
-          <a:chOff y="0" x="0"/>
-          <a:chExt cy="0" cx="0"/>
+          <a:off x="0" y="0"/>
+          <a:ext cx="0" cy="0"/>
+          <a:chOff x="0" y="0"/>
+          <a:chExt cx="0" cy="0"/>
         </a:xfrm>
       </p:grpSpPr>
       <p:sp>
         <p:nvSpPr>
-          <p:cNvPr name="Titre 1" id="2"/>
+          <p:cNvPr id="2" name="Titre 1"/>
           <p:cNvSpPr>
             <a:spLocks noGrp="true"/>
           </p:cNvSpPr>
@@ -1783,8 +1783,8 @@
         </p:nvSpPr>
         <p:spPr>
           <a:xfrm>
-            <a:off y="457200" x="839788"/>
-            <a:ext cy="1600200" cx="3932237"/>
+            <a:off x="839788" y="457200"/>
+            <a:ext cx="3932237" cy="1600200"/>
           </a:xfrm>
         </p:spPr>
         <p:txBody>
@@ -1796,7 +1796,7 @@
           </a:lstStyle>
           <a:p>
             <a:r>
-              <a:rPr smtClean="false" lang="fr-FR"/>
+              <a:rPr lang="fr-FR" smtClean="false"/>
               <a:t>Modifiez le style du titre</a:t>
             </a:r>
             <a:endParaRPr lang="fr-FR"/>
@@ -1805,7 +1805,7 @@
       </p:sp>
       <p:sp>
         <p:nvSpPr>
-          <p:cNvPr name="Espace réservé du contenu 2" id="3"/>
+          <p:cNvPr id="3" name="Espace réservé du contenu 2"/>
           <p:cNvSpPr>
             <a:spLocks noGrp="true"/>
           </p:cNvSpPr>
@@ -1815,8 +1815,8 @@
         </p:nvSpPr>
         <p:spPr>
           <a:xfrm>
-            <a:off y="987425" x="5183188"/>
-            <a:ext cy="4873625" cx="6172200"/>
+            <a:off x="5183188" y="987425"/>
+            <a:ext cx="6172200" cy="4873625"/>
           </a:xfrm>
         </p:spPr>
         <p:txBody>
@@ -1853,35 +1853,35 @@
           <a:p>
             <a:pPr lvl="0"/>
             <a:r>
-              <a:rPr smtClean="false" lang="fr-FR"/>
+              <a:rPr lang="fr-FR" smtClean="false"/>
               <a:t>Modifiez les styles du texte du masque</a:t>
             </a:r>
           </a:p>
           <a:p>
             <a:pPr lvl="1"/>
             <a:r>
-              <a:rPr smtClean="false" lang="fr-FR"/>
+              <a:rPr lang="fr-FR" smtClean="false"/>
               <a:t>Deuxième niveau</a:t>
             </a:r>
           </a:p>
           <a:p>
             <a:pPr lvl="2"/>
             <a:r>
-              <a:rPr smtClean="false" lang="fr-FR"/>
+              <a:rPr lang="fr-FR" smtClean="false"/>
               <a:t>Troisième niveau</a:t>
             </a:r>
           </a:p>
           <a:p>
             <a:pPr lvl="3"/>
             <a:r>
-              <a:rPr smtClean="false" lang="fr-FR"/>
+              <a:rPr lang="fr-FR" smtClean="false"/>
               <a:t>Quatrième niveau</a:t>
             </a:r>
           </a:p>
           <a:p>
             <a:pPr lvl="4"/>
             <a:r>
-              <a:rPr smtClean="false" lang="fr-FR"/>
+              <a:rPr lang="fr-FR" smtClean="false"/>
               <a:t>Cinquième niveau</a:t>
             </a:r>
             <a:endParaRPr lang="fr-FR"/>
@@ -1890,56 +1890,56 @@
       </p:sp>
       <p:sp>
         <p:nvSpPr>
-          <p:cNvPr name="Espace réservé du texte 3" id="4"/>
-          <p:cNvSpPr>
-            <a:spLocks noGrp="true"/>
-          </p:cNvSpPr>
-          <p:nvPr>
-            <p:ph idx="2" sz="half" type="body"/>
+          <p:cNvPr id="4" name="Espace réservé du texte 3"/>
+          <p:cNvSpPr>
+            <a:spLocks noGrp="true"/>
+          </p:cNvSpPr>
+          <p:nvPr>
+            <p:ph type="body" sz="half" idx="2"/>
           </p:nvPr>
         </p:nvSpPr>
         <p:spPr>
           <a:xfrm>
-            <a:off y="2057400" x="839788"/>
-            <a:ext cy="3811588" cx="3932237"/>
+            <a:off x="839788" y="2057400"/>
+            <a:ext cx="3932237" cy="3811588"/>
           </a:xfrm>
         </p:spPr>
         <p:txBody>
           <a:bodyPr/>
           <a:lstStyle>
-            <a:lvl1pPr indent="0" marL="0">
+            <a:lvl1pPr marL="0" indent="0">
               <a:buNone/>
               <a:defRPr sz="1600"/>
             </a:lvl1pPr>
-            <a:lvl2pPr indent="0" marL="457200">
+            <a:lvl2pPr marL="457200" indent="0">
               <a:buNone/>
               <a:defRPr sz="1400"/>
             </a:lvl2pPr>
-            <a:lvl3pPr indent="0" marL="914400">
+            <a:lvl3pPr marL="914400" indent="0">
               <a:buNone/>
               <a:defRPr sz="1200"/>
             </a:lvl3pPr>
-            <a:lvl4pPr indent="0" marL="1371600">
+            <a:lvl4pPr marL="1371600" indent="0">
               <a:buNone/>
               <a:defRPr sz="1000"/>
             </a:lvl4pPr>
-            <a:lvl5pPr indent="0" marL="1828800">
+            <a:lvl5pPr marL="1828800" indent="0">
               <a:buNone/>
               <a:defRPr sz="1000"/>
             </a:lvl5pPr>
-            <a:lvl6pPr indent="0" marL="2286000">
+            <a:lvl6pPr marL="2286000" indent="0">
               <a:buNone/>
               <a:defRPr sz="1000"/>
             </a:lvl6pPr>
-            <a:lvl7pPr indent="0" marL="2743200">
+            <a:lvl7pPr marL="2743200" indent="0">
               <a:buNone/>
               <a:defRPr sz="1000"/>
             </a:lvl7pPr>
-            <a:lvl8pPr indent="0" marL="3200400">
+            <a:lvl8pPr marL="3200400" indent="0">
               <a:buNone/>
               <a:defRPr sz="1000"/>
             </a:lvl8pPr>
-            <a:lvl9pPr indent="0" marL="3657600">
+            <a:lvl9pPr marL="3657600" indent="0">
               <a:buNone/>
               <a:defRPr sz="1000"/>
             </a:lvl9pPr>
@@ -1947,7 +1947,7 @@
           <a:p>
             <a:pPr lvl="0"/>
             <a:r>
-              <a:rPr smtClean="false" lang="fr-FR"/>
+              <a:rPr lang="fr-FR" smtClean="false"/>
               <a:t>Modifiez les styles du texte du masque</a:t>
             </a:r>
           </a:p>
@@ -1955,12 +1955,12 @@
       </p:sp>
       <p:sp>
         <p:nvSpPr>
-          <p:cNvPr name="Espace réservé de la date 4" id="5"/>
-          <p:cNvSpPr>
-            <a:spLocks noGrp="true"/>
-          </p:cNvSpPr>
-          <p:nvPr>
-            <p:ph idx="10" sz="half" type="dt"/>
+          <p:cNvPr id="5" name="Espace réservé de la date 4"/>
+          <p:cNvSpPr>
+            <a:spLocks noGrp="true"/>
+          </p:cNvSpPr>
+          <p:nvPr>
+            <p:ph type="dt" sz="half" idx="10"/>
           </p:nvPr>
         </p:nvSpPr>
         <p:spPr/>
@@ -1968,8 +1968,8 @@
           <a:bodyPr/>
           <a:lstStyle/>
           <a:p>
-            <a:fld type="datetimeFigureOut" id="{CE3110EA-6548-4EF6-B0A9-8F847AEECEDD}">
-              <a:rPr smtClean="false" lang="fr-FR"/>
+            <a:fld id="{CE3110EA-6548-4EF6-B0A9-8F847AEECEDD}" type="datetimeFigureOut">
+              <a:rPr lang="fr-FR" smtClean="false"/>
               <a:t>07/12/2013</a:t>
             </a:fld>
             <a:endParaRPr lang="fr-FR"/>
@@ -1978,12 +1978,12 @@
       </p:sp>
       <p:sp>
         <p:nvSpPr>
-          <p:cNvPr name="Espace réservé du pied de page 5" id="6"/>
-          <p:cNvSpPr>
-            <a:spLocks noGrp="true"/>
-          </p:cNvSpPr>
-          <p:nvPr>
-            <p:ph idx="11" sz="quarter" type="ftr"/>
+          <p:cNvPr id="6" name="Espace réservé du pied de page 5"/>
+          <p:cNvSpPr>
+            <a:spLocks noGrp="true"/>
+          </p:cNvSpPr>
+          <p:nvPr>
+            <p:ph type="ftr" sz="quarter" idx="11"/>
           </p:nvPr>
         </p:nvSpPr>
         <p:spPr/>
@@ -1997,12 +1997,12 @@
       </p:sp>
       <p:sp>
         <p:nvSpPr>
-          <p:cNvPr name="Espace réservé du numéro de diapositive 6" id="7"/>
-          <p:cNvSpPr>
-            <a:spLocks noGrp="true"/>
-          </p:cNvSpPr>
-          <p:nvPr>
-            <p:ph idx="12" sz="quarter" type="sldNum"/>
+          <p:cNvPr id="7" name="Espace réservé du numéro de diapositive 6"/>
+          <p:cNvSpPr>
+            <a:spLocks noGrp="true"/>
+          </p:cNvSpPr>
+          <p:nvPr>
+            <p:ph type="sldNum" sz="quarter" idx="12"/>
           </p:nvPr>
         </p:nvSpPr>
         <p:spPr/>
@@ -2010,8 +2010,8 @@
           <a:bodyPr/>
           <a:lstStyle/>
           <a:p>
-            <a:fld type="slidenum" id="{C47AABF0-D73A-43C1-84CC-8A30B6535388}">
-              <a:rPr smtClean="false" lang="fr-FR"/>
+            <a:fld id="{C47AABF0-D73A-43C1-84CC-8A30B6535388}" type="slidenum">
+              <a:rPr lang="fr-FR" smtClean="false"/>
               <a:t>‹N°›</a:t>
             </a:fld>
             <a:endParaRPr lang="fr-FR"/>
@@ -2031,7 +2031,7 @@
   <p:timing>
     <p:tnLst>
       <p:par>
-        <p:cTn nodeType="tmRoot" restart="never" dur="indefinite" id="1"/>
+        <p:cTn id="1" dur="indefinite" restart="never" nodeType="tmRoot"/>
       </p:par>
     </p:tnLst>
   </p:timing>
@@ -2039,25 +2039,25 @@
 </file>
 
 <file path=ppt/slideLayouts/slideLayout9.xml><?xml version="1.0" encoding="utf-8"?>
-<p:sldLayout xmlns:a="http://schemas.openxmlformats.org/drawingml/2006/main" xmlns:r="http://schemas.openxmlformats.org/officeDocument/2006/relationships" xmlns:p="http://schemas.openxmlformats.org/presentationml/2006/main" xmlns:mc="http://schemas.openxmlformats.org/markup-compatibility/2006" xmlns:c="http://schemas.openxmlformats.org/drawingml/2006/chart" xmlns:ns6="http://schemas.openxmlformats.org/drawingml/2006/chartDrawing" xmlns:dgm="http://schemas.openxmlformats.org/drawingml/2006/diagram" xmlns:pic="http://schemas.openxmlformats.org/drawingml/2006/picture" xmlns:wp="http://schemas.openxmlformats.org/drawingml/2006/wordprocessingDrawing" xmlns:xdr="http://schemas.openxmlformats.org/drawingml/2006/spreadsheetDrawing" xmlns:ns11="http://schemas.openxmlformats.org/drawingml/2006/compatibility" xmlns:ns12="http://schemas.openxmlformats.org/drawingml/2006/lockedCanvas" preserve="true" type="vertTx">
+<p:sldLayout xmlns:p="http://schemas.openxmlformats.org/presentationml/2006/main" xmlns:a="http://schemas.openxmlformats.org/drawingml/2006/main" xmlns:r="http://schemas.openxmlformats.org/officeDocument/2006/relationships" xmlns:mc="http://schemas.openxmlformats.org/markup-compatibility/2006" xmlns:c="http://schemas.openxmlformats.org/drawingml/2006/chart" xmlns:ns6="http://schemas.openxmlformats.org/drawingml/2006/chartDrawing" xmlns:dgm="http://schemas.openxmlformats.org/drawingml/2006/diagram" xmlns:pic="http://schemas.openxmlformats.org/drawingml/2006/picture" xmlns:wp="http://schemas.openxmlformats.org/drawingml/2006/wordprocessingDrawing" xmlns:xdr="http://schemas.openxmlformats.org/drawingml/2006/spreadsheetDrawing" xmlns:ns11="http://schemas.openxmlformats.org/drawingml/2006/compatibility" xmlns:ns12="http://schemas.openxmlformats.org/drawingml/2006/lockedCanvas" type="vertTx" preserve="true">
   <p:cSld name="Title and Vertical Text">
     <p:spTree>
       <p:nvGrpSpPr>
-        <p:cNvPr name="" id="1"/>
+        <p:cNvPr id="1" name=""/>
         <p:cNvGrpSpPr/>
         <p:nvPr/>
       </p:nvGrpSpPr>
       <p:grpSpPr>
         <a:xfrm>
-          <a:off y="0" x="0"/>
-          <a:ext cy="0" cx="0"/>
-          <a:chOff y="0" x="0"/>
-          <a:chExt cy="0" cx="0"/>
+          <a:off x="0" y="0"/>
+          <a:ext cx="0" cy="0"/>
+          <a:chOff x="0" y="0"/>
+          <a:chExt cx="0" cy="0"/>
         </a:xfrm>
       </p:grpSpPr>
       <p:sp>
         <p:nvSpPr>
-          <p:cNvPr name="Titre 1" id="2"/>
+          <p:cNvPr id="2" name="Titre 1"/>
           <p:cNvSpPr>
             <a:spLocks noGrp="true"/>
           </p:cNvSpPr>
@@ -2071,7 +2071,7 @@
           <a:lstStyle/>
           <a:p>
             <a:r>
-              <a:rPr smtClean="false" lang="fr-FR"/>
+              <a:rPr lang="fr-FR" smtClean="false"/>
               <a:t>Modifiez le style du titre</a:t>
             </a:r>
             <a:endParaRPr lang="fr-FR"/>
@@ -2080,12 +2080,12 @@
       </p:sp>
       <p:sp>
         <p:nvSpPr>
-          <p:cNvPr name="Espace réservé du texte vertical 2" id="3"/>
-          <p:cNvSpPr>
-            <a:spLocks noGrp="true"/>
-          </p:cNvSpPr>
-          <p:nvPr>
-            <p:ph idx="1" orient="vert" type="body"/>
+          <p:cNvPr id="3" name="Espace réservé du texte vertical 2"/>
+          <p:cNvSpPr>
+            <a:spLocks noGrp="true"/>
+          </p:cNvSpPr>
+          <p:nvPr>
+            <p:ph type="body" orient="vert" idx="1"/>
           </p:nvPr>
         </p:nvSpPr>
         <p:spPr/>
@@ -2095,35 +2095,35 @@
           <a:p>
             <a:pPr lvl="0"/>
             <a:r>
-              <a:rPr smtClean="false" lang="fr-FR"/>
+              <a:rPr lang="fr-FR" smtClean="false"/>
               <a:t>Modifiez les styles du texte du masque</a:t>
             </a:r>
           </a:p>
           <a:p>
             <a:pPr lvl="1"/>
             <a:r>
-              <a:rPr smtClean="false" lang="fr-FR"/>
+              <a:rPr lang="fr-FR" smtClean="false"/>
               <a:t>Deuxième niveau</a:t>
             </a:r>
           </a:p>
           <a:p>
             <a:pPr lvl="2"/>
             <a:r>
-              <a:rPr smtClean="false" lang="fr-FR"/>
+              <a:rPr lang="fr-FR" smtClean="false"/>
               <a:t>Troisième niveau</a:t>
             </a:r>
           </a:p>
           <a:p>
             <a:pPr lvl="3"/>
             <a:r>
-              <a:rPr smtClean="false" lang="fr-FR"/>
+              <a:rPr lang="fr-FR" smtClean="false"/>
               <a:t>Quatrième niveau</a:t>
             </a:r>
           </a:p>
           <a:p>
             <a:pPr lvl="4"/>
             <a:r>
-              <a:rPr smtClean="false" lang="fr-FR"/>
+              <a:rPr lang="fr-FR" smtClean="false"/>
               <a:t>Cinquième niveau</a:t>
             </a:r>
             <a:endParaRPr lang="fr-FR"/>
@@ -2132,12 +2132,12 @@
       </p:sp>
       <p:sp>
         <p:nvSpPr>
-          <p:cNvPr name="Espace réservé de la date 3" id="4"/>
-          <p:cNvSpPr>
-            <a:spLocks noGrp="true"/>
-          </p:cNvSpPr>
-          <p:nvPr>
-            <p:ph idx="10" sz="half" type="dt"/>
+          <p:cNvPr id="4" name="Espace réservé de la date 3"/>
+          <p:cNvSpPr>
+            <a:spLocks noGrp="true"/>
+          </p:cNvSpPr>
+          <p:nvPr>
+            <p:ph type="dt" sz="half" idx="10"/>
           </p:nvPr>
         </p:nvSpPr>
         <p:spPr/>
@@ -2145,8 +2145,8 @@
           <a:bodyPr/>
           <a:lstStyle/>
           <a:p>
-            <a:fld type="datetimeFigureOut" id="{CE3110EA-6548-4EF6-B0A9-8F847AEECEDD}">
-              <a:rPr smtClean="false" lang="fr-FR"/>
+            <a:fld id="{CE3110EA-6548-4EF6-B0A9-8F847AEECEDD}" type="datetimeFigureOut">
+              <a:rPr lang="fr-FR" smtClean="false"/>
               <a:t>07/12/2013</a:t>
             </a:fld>
             <a:endParaRPr lang="fr-FR"/>
@@ -2155,12 +2155,12 @@
       </p:sp>
       <p:sp>
         <p:nvSpPr>
-          <p:cNvPr name="Espace réservé du pied de page 4" id="5"/>
-          <p:cNvSpPr>
-            <a:spLocks noGrp="true"/>
-          </p:cNvSpPr>
-          <p:nvPr>
-            <p:ph idx="11" sz="quarter" type="ftr"/>
+          <p:cNvPr id="5" name="Espace réservé du pied de page 4"/>
+          <p:cNvSpPr>
+            <a:spLocks noGrp="true"/>
+          </p:cNvSpPr>
+          <p:nvPr>
+            <p:ph type="ftr" sz="quarter" idx="11"/>
           </p:nvPr>
         </p:nvSpPr>
         <p:spPr/>
@@ -2174,12 +2174,12 @@
       </p:sp>
       <p:sp>
         <p:nvSpPr>
-          <p:cNvPr name="Espace réservé du numéro de diapositive 5" id="6"/>
-          <p:cNvSpPr>
-            <a:spLocks noGrp="true"/>
-          </p:cNvSpPr>
-          <p:nvPr>
-            <p:ph idx="12" sz="quarter" type="sldNum"/>
+          <p:cNvPr id="6" name="Espace réservé du numéro de diapositive 5"/>
+          <p:cNvSpPr>
+            <a:spLocks noGrp="true"/>
+          </p:cNvSpPr>
+          <p:nvPr>
+            <p:ph type="sldNum" sz="quarter" idx="12"/>
           </p:nvPr>
         </p:nvSpPr>
         <p:spPr/>
@@ -2187,8 +2187,8 @@
           <a:bodyPr/>
           <a:lstStyle/>
           <a:p>
-            <a:fld type="slidenum" id="{C47AABF0-D73A-43C1-84CC-8A30B6535388}">
-              <a:rPr smtClean="false" lang="fr-FR"/>
+            <a:fld id="{C47AABF0-D73A-43C1-84CC-8A30B6535388}" type="slidenum">
+              <a:rPr lang="fr-FR" smtClean="false"/>
               <a:t>‹N°›</a:t>
             </a:fld>
             <a:endParaRPr lang="fr-FR"/>
@@ -2208,7 +2208,7 @@
   <p:timing>
     <p:tnLst>
       <p:par>
-        <p:cTn nodeType="tmRoot" restart="never" dur="indefinite" id="1"/>
+        <p:cTn id="1" dur="indefinite" restart="never" nodeType="tmRoot"/>
       </p:par>
     </p:tnLst>
   </p:timing>
@@ -2216,7 +2216,7 @@
 </file>
 
 <file path=ppt/slideMasters/slideMaster1.xml><?xml version="1.0" encoding="utf-8"?>
-<p:sldMaster xmlns:a="http://schemas.openxmlformats.org/drawingml/2006/main" xmlns:r="http://schemas.openxmlformats.org/officeDocument/2006/relationships" xmlns:p="http://schemas.openxmlformats.org/presentationml/2006/main" xmlns:mc="http://schemas.openxmlformats.org/markup-compatibility/2006" xmlns:c="http://schemas.openxmlformats.org/drawingml/2006/chart" xmlns:ns6="http://schemas.openxmlformats.org/drawingml/2006/chartDrawing" xmlns:dgm="http://schemas.openxmlformats.org/drawingml/2006/diagram" xmlns:pic="http://schemas.openxmlformats.org/drawingml/2006/picture" xmlns:wp="http://schemas.openxmlformats.org/drawingml/2006/wordprocessingDrawing" xmlns:xdr="http://schemas.openxmlformats.org/drawingml/2006/spreadsheetDrawing" xmlns:ns11="http://schemas.openxmlformats.org/drawingml/2006/compatibility" xmlns:ns12="http://schemas.openxmlformats.org/drawingml/2006/lockedCanvas">
+<p:sldMaster xmlns:p="http://schemas.openxmlformats.org/presentationml/2006/main" xmlns:a="http://schemas.openxmlformats.org/drawingml/2006/main" xmlns:r="http://schemas.openxmlformats.org/officeDocument/2006/relationships" xmlns:mc="http://schemas.openxmlformats.org/markup-compatibility/2006" xmlns:c="http://schemas.openxmlformats.org/drawingml/2006/chart" xmlns:ns6="http://schemas.openxmlformats.org/drawingml/2006/chartDrawing" xmlns:dgm="http://schemas.openxmlformats.org/drawingml/2006/diagram" xmlns:pic="http://schemas.openxmlformats.org/drawingml/2006/picture" xmlns:wp="http://schemas.openxmlformats.org/drawingml/2006/wordprocessingDrawing" xmlns:xdr="http://schemas.openxmlformats.org/drawingml/2006/spreadsheetDrawing" xmlns:ns11="http://schemas.openxmlformats.org/drawingml/2006/compatibility" xmlns:ns12="http://schemas.openxmlformats.org/drawingml/2006/lockedCanvas">
   <p:cSld>
     <p:bg>
       <p:bgRef idx="1001">
@@ -2225,21 +2225,21 @@
     </p:bg>
     <p:spTree>
       <p:nvGrpSpPr>
-        <p:cNvPr name="" id="1"/>
+        <p:cNvPr id="1" name=""/>
         <p:cNvGrpSpPr/>
         <p:nvPr/>
       </p:nvGrpSpPr>
       <p:grpSpPr>
         <a:xfrm>
-          <a:off y="0" x="0"/>
-          <a:ext cy="0" cx="0"/>
-          <a:chOff y="0" x="0"/>
-          <a:chExt cy="0" cx="0"/>
+          <a:off x="0" y="0"/>
+          <a:ext cx="0" cy="0"/>
+          <a:chOff x="0" y="0"/>
+          <a:chExt cx="0" cy="0"/>
         </a:xfrm>
       </p:grpSpPr>
       <p:sp>
         <p:nvSpPr>
-          <p:cNvPr name="Espace réservé du titre 1" id="2"/>
+          <p:cNvPr id="2" name="Espace réservé du titre 1"/>
           <p:cNvSpPr>
             <a:spLocks noGrp="true"/>
           </p:cNvSpPr>
@@ -2249,21 +2249,21 @@
         </p:nvSpPr>
         <p:spPr>
           <a:xfrm>
-            <a:off y="360000" x="838200"/>
-            <a:ext cy="1325563" cx="10515600"/>
+            <a:off x="838200" y="360000"/>
+            <a:ext cx="10515600" cy="1325563"/>
           </a:xfrm>
           <a:prstGeom prst="rect">
             <a:avLst/>
           </a:prstGeom>
         </p:spPr>
         <p:txBody>
-          <a:bodyPr anchor="ctr" rtlCol="false" bIns="45720" rIns="91440" tIns="45720" lIns="91440" vert="horz">
+          <a:bodyPr vert="horz" lIns="91440" tIns="45720" rIns="91440" bIns="45720" rtlCol="false" anchor="ctr">
             <a:normAutofit/>
           </a:bodyPr>
           <a:lstStyle/>
           <a:p>
             <a:r>
-              <a:rPr smtClean="false" lang="fr-FR"/>
+              <a:rPr lang="fr-FR" smtClean="false"/>
               <a:t>Modifiez le style du titre</a:t>
             </a:r>
             <a:endParaRPr lang="fr-FR"/>
@@ -2272,60 +2272,60 @@
       </p:sp>
       <p:sp>
         <p:nvSpPr>
-          <p:cNvPr name="Espace réservé du texte 2" id="3"/>
-          <p:cNvSpPr>
-            <a:spLocks noGrp="true"/>
-          </p:cNvSpPr>
-          <p:nvPr>
-            <p:ph idx="1" type="body"/>
+          <p:cNvPr id="3" name="Espace réservé du texte 2"/>
+          <p:cNvSpPr>
+            <a:spLocks noGrp="true"/>
+          </p:cNvSpPr>
+          <p:nvPr>
+            <p:ph type="body" idx="1"/>
           </p:nvPr>
         </p:nvSpPr>
         <p:spPr>
           <a:xfrm>
-            <a:off y="1825625" x="838200"/>
-            <a:ext cy="4351338" cx="10515600"/>
+            <a:off x="838200" y="1825625"/>
+            <a:ext cx="10515600" cy="4351338"/>
           </a:xfrm>
           <a:prstGeom prst="rect">
             <a:avLst/>
           </a:prstGeom>
         </p:spPr>
         <p:txBody>
-          <a:bodyPr rtlCol="false" bIns="45720" rIns="91440" tIns="45720" lIns="91440" vert="horz">
+          <a:bodyPr vert="horz" lIns="91440" tIns="45720" rIns="91440" bIns="45720" rtlCol="false">
             <a:normAutofit/>
           </a:bodyPr>
           <a:lstStyle/>
           <a:p>
             <a:pPr lvl="0"/>
             <a:r>
-              <a:rPr smtClean="false" lang="fr-FR"/>
+              <a:rPr lang="fr-FR" smtClean="false"/>
               <a:t>Modifiez les styles du texte du masque</a:t>
             </a:r>
           </a:p>
           <a:p>
             <a:pPr lvl="1"/>
             <a:r>
-              <a:rPr smtClean="false" lang="fr-FR"/>
+              <a:rPr lang="fr-FR" smtClean="false"/>
               <a:t>Deuxième niveau</a:t>
             </a:r>
           </a:p>
           <a:p>
             <a:pPr lvl="2"/>
             <a:r>
-              <a:rPr smtClean="false" lang="fr-FR"/>
+              <a:rPr lang="fr-FR" smtClean="false"/>
               <a:t>Troisième niveau</a:t>
             </a:r>
           </a:p>
           <a:p>
             <a:pPr lvl="3"/>
             <a:r>
-              <a:rPr smtClean="false" lang="fr-FR"/>
+              <a:rPr lang="fr-FR" smtClean="false"/>
               <a:t>Quatrième niveau</a:t>
             </a:r>
           </a:p>
           <a:p>
             <a:pPr lvl="4"/>
             <a:r>
-              <a:rPr smtClean="false" lang="fr-FR"/>
+              <a:rPr lang="fr-FR" smtClean="false"/>
               <a:t>Cinquième niveau</a:t>
             </a:r>
             <a:endParaRPr lang="fr-FR"/>
@@ -2334,25 +2334,25 @@
       </p:sp>
       <p:sp>
         <p:nvSpPr>
-          <p:cNvPr name="Espace réservé de la date 3" id="4"/>
-          <p:cNvSpPr>
-            <a:spLocks noGrp="true"/>
-          </p:cNvSpPr>
-          <p:nvPr>
-            <p:ph idx="2" sz="half" type="dt"/>
+          <p:cNvPr id="4" name="Espace réservé de la date 3"/>
+          <p:cNvSpPr>
+            <a:spLocks noGrp="true"/>
+          </p:cNvSpPr>
+          <p:nvPr>
+            <p:ph type="dt" sz="half" idx="2"/>
           </p:nvPr>
         </p:nvSpPr>
         <p:spPr>
           <a:xfrm>
-            <a:off y="6356350" x="838200"/>
-            <a:ext cy="365125" cx="2743200"/>
+            <a:off x="838200" y="6356350"/>
+            <a:ext cx="2743200" cy="365125"/>
           </a:xfrm>
           <a:prstGeom prst="rect">
             <a:avLst/>
           </a:prstGeom>
         </p:spPr>
         <p:txBody>
-          <a:bodyPr anchor="ctr" rtlCol="false" bIns="45720" rIns="91440" tIns="45720" lIns="91440" vert="horz"/>
+          <a:bodyPr vert="horz" lIns="91440" tIns="45720" rIns="91440" bIns="45720" rtlCol="false" anchor="ctr"/>
           <a:lstStyle>
             <a:lvl1pPr algn="l">
               <a:defRPr sz="1200">
@@ -2365,8 +2365,8 @@
             </a:lvl1pPr>
           </a:lstStyle>
           <a:p>
-            <a:fld type="datetimeFigureOut" id="{CE3110EA-6548-4EF6-B0A9-8F847AEECEDD}">
-              <a:rPr smtClean="false" lang="fr-FR"/>
+            <a:fld id="{CE3110EA-6548-4EF6-B0A9-8F847AEECEDD}" type="datetimeFigureOut">
+              <a:rPr lang="fr-FR" smtClean="false"/>
               <a:t>07/12/2013</a:t>
             </a:fld>
             <a:endParaRPr lang="fr-FR"/>
@@ -2375,25 +2375,25 @@
       </p:sp>
       <p:sp>
         <p:nvSpPr>
-          <p:cNvPr name="Espace réservé du pied de page 4" id="5"/>
-          <p:cNvSpPr>
-            <a:spLocks noGrp="true"/>
-          </p:cNvSpPr>
-          <p:nvPr>
-            <p:ph idx="3" sz="quarter" type="ftr"/>
+          <p:cNvPr id="5" name="Espace réservé du pied de page 4"/>
+          <p:cNvSpPr>
+            <a:spLocks noGrp="true"/>
+          </p:cNvSpPr>
+          <p:nvPr>
+            <p:ph type="ftr" sz="quarter" idx="3"/>
           </p:nvPr>
         </p:nvSpPr>
         <p:spPr>
           <a:xfrm>
-            <a:off y="6356350" x="4038600"/>
-            <a:ext cy="365125" cx="4114800"/>
+            <a:off x="4038600" y="6356350"/>
+            <a:ext cx="4114800" cy="365125"/>
           </a:xfrm>
           <a:prstGeom prst="rect">
             <a:avLst/>
           </a:prstGeom>
         </p:spPr>
         <p:txBody>
-          <a:bodyPr anchor="ctr" rtlCol="false" bIns="45720" rIns="91440" tIns="45720" lIns="91440" vert="horz"/>
+          <a:bodyPr vert="horz" lIns="91440" tIns="45720" rIns="91440" bIns="45720" rtlCol="false" anchor="ctr"/>
           <a:lstStyle>
             <a:lvl1pPr algn="ctr">
               <a:defRPr sz="1200">
@@ -2412,25 +2412,25 @@
       </p:sp>
       <p:sp>
         <p:nvSpPr>
-          <p:cNvPr name="Espace réservé du numéro de diapositive 5" id="6"/>
-          <p:cNvSpPr>
-            <a:spLocks noGrp="true"/>
-          </p:cNvSpPr>
-          <p:nvPr>
-            <p:ph idx="4" sz="quarter" type="sldNum"/>
+          <p:cNvPr id="6" name="Espace réservé du numéro de diapositive 5"/>
+          <p:cNvSpPr>
+            <a:spLocks noGrp="true"/>
+          </p:cNvSpPr>
+          <p:nvPr>
+            <p:ph type="sldNum" sz="quarter" idx="4"/>
           </p:nvPr>
         </p:nvSpPr>
         <p:spPr>
           <a:xfrm>
-            <a:off y="6356350" x="8610600"/>
-            <a:ext cy="365125" cx="2743200"/>
+            <a:off x="8610600" y="6356350"/>
+            <a:ext cx="2743200" cy="365125"/>
           </a:xfrm>
           <a:prstGeom prst="rect">
             <a:avLst/>
           </a:prstGeom>
         </p:spPr>
         <p:txBody>
-          <a:bodyPr anchor="ctr" rtlCol="false" bIns="45720" rIns="91440" tIns="45720" lIns="91440" vert="horz"/>
+          <a:bodyPr vert="horz" lIns="91440" tIns="45720" rIns="91440" bIns="45720" rtlCol="false" anchor="ctr"/>
           <a:lstStyle>
             <a:lvl1pPr algn="r">
               <a:defRPr sz="1200">
@@ -2443,8 +2443,8 @@
             </a:lvl1pPr>
           </a:lstStyle>
           <a:p>
-            <a:fld type="slidenum" id="{C47AABF0-D73A-43C1-84CC-8A30B6535388}">
-              <a:rPr smtClean="false" lang="fr-FR"/>
+            <a:fld id="{C47AABF0-D73A-43C1-84CC-8A30B6535388}" type="slidenum">
+              <a:rPr lang="fr-FR" smtClean="false"/>
               <a:t>‹N°›</a:t>
             </a:fld>
             <a:endParaRPr lang="fr-FR"/>
@@ -2458,29 +2458,29 @@
       </p:ext>
     </p:extLst>
   </p:cSld>
-  <p:clrMap folHlink="folHlink" hlink="hlink" accent6="accent6" accent5="accent5" accent4="accent4" accent3="accent3" accent2="accent2" accent1="accent1" tx2="dk2" bg2="lt2" tx1="dk1" bg1="lt1"/>
+  <p:clrMap bg1="lt1" tx1="dk1" bg2="lt2" tx2="dk2" accent1="accent1" accent2="accent2" accent3="accent3" accent4="accent4" accent5="accent5" accent6="accent6" hlink="hlink" folHlink="folHlink"/>
   <p:sldLayoutIdLst>
-    <p:sldLayoutId r:id="rId1" id="2147483649"/>
-    <p:sldLayoutId r:id="rId2" id="2147483650"/>
-    <p:sldLayoutId r:id="rId3" id="2147483651"/>
-    <p:sldLayoutId r:id="rId4" id="2147483652"/>
-    <p:sldLayoutId r:id="rId5" id="2147483653"/>
-    <p:sldLayoutId r:id="rId6" id="2147483654"/>
-    <p:sldLayoutId r:id="rId7" id="2147483655"/>
-    <p:sldLayoutId r:id="rId8" id="2147483656"/>
-    <p:sldLayoutId r:id="rId9" id="2147483658"/>
-    <p:sldLayoutId r:id="rId10" id="2147483659"/>
+    <p:sldLayoutId id="2147483649" r:id="rId1"/>
+    <p:sldLayoutId id="2147483650" r:id="rId2"/>
+    <p:sldLayoutId id="2147483651" r:id="rId3"/>
+    <p:sldLayoutId id="2147483652" r:id="rId4"/>
+    <p:sldLayoutId id="2147483653" r:id="rId5"/>
+    <p:sldLayoutId id="2147483654" r:id="rId6"/>
+    <p:sldLayoutId id="2147483655" r:id="rId7"/>
+    <p:sldLayoutId id="2147483656" r:id="rId8"/>
+    <p:sldLayoutId id="2147483658" r:id="rId9"/>
+    <p:sldLayoutId id="2147483659" r:id="rId10"/>
   </p:sldLayoutIdLst>
   <p:timing>
     <p:tnLst>
       <p:par>
-        <p:cTn nodeType="tmRoot" restart="never" dur="indefinite" id="1"/>
+        <p:cTn id="1" dur="indefinite" restart="never" nodeType="tmRoot"/>
       </p:par>
     </p:tnLst>
   </p:timing>
   <p:txStyles>
     <p:titleStyle>
-      <a:lvl1pPr hangingPunct="true" latinLnBrk="false" eaLnBrk="true" rtl="false" defTabSz="914400" algn="l">
+      <a:lvl1pPr algn="l" defTabSz="914400" rtl="false" eaLnBrk="true" latinLnBrk="false" hangingPunct="true">
         <a:lnSpc>
           <a:spcPct val="90000"/>
         </a:lnSpc>
@@ -2488,7 +2488,7 @@
           <a:spcPct val="0"/>
         </a:spcBef>
         <a:buNone/>
-        <a:defRPr kern="1200" sz="4400">
+        <a:defRPr sz="4400" kern="1200">
           <a:solidFill>
             <a:schemeClr val="tx1"/>
           </a:solidFill>
@@ -2499,16 +2499,16 @@
       </a:lvl1pPr>
     </p:titleStyle>
     <p:bodyStyle>
-      <a:lvl1pPr hangingPunct="true" latinLnBrk="false" eaLnBrk="true" rtl="false" defTabSz="914400" algn="l" indent="-228600" marL="228600">
+      <a:lvl1pPr marL="228600" indent="-228600" algn="l" defTabSz="914400" rtl="false" eaLnBrk="true" latinLnBrk="false" hangingPunct="true">
         <a:lnSpc>
           <a:spcPct val="90000"/>
         </a:lnSpc>
         <a:spcBef>
           <a:spcPts val="1000"/>
         </a:spcBef>
-        <a:buFont charset="0" pitchFamily="34" panose="020B0604020202020204" typeface="Arial"/>
+        <a:buFont typeface="Arial" panose="020B0604020202020204" pitchFamily="34" charset="0"/>
         <a:buChar char="•"/>
-        <a:defRPr kern="1200" sz="2800">
+        <a:defRPr sz="2800" kern="1200">
           <a:solidFill>
             <a:schemeClr val="tx1"/>
           </a:solidFill>
@@ -2517,16 +2517,16 @@
           <a:cs typeface="+mn-cs"/>
         </a:defRPr>
       </a:lvl1pPr>
-      <a:lvl2pPr hangingPunct="true" latinLnBrk="false" eaLnBrk="true" rtl="false" defTabSz="914400" algn="l" indent="-228600" marL="685800">
+      <a:lvl2pPr marL="685800" indent="-228600" algn="l" defTabSz="914400" rtl="false" eaLnBrk="true" latinLnBrk="false" hangingPunct="true">
         <a:lnSpc>
           <a:spcPct val="90000"/>
         </a:lnSpc>
         <a:spcBef>
           <a:spcPts val="500"/>
         </a:spcBef>
-        <a:buFont charset="0" pitchFamily="34" panose="020B0604020202020204" typeface="Arial"/>
+        <a:buFont typeface="Arial" panose="020B0604020202020204" pitchFamily="34" charset="0"/>
         <a:buChar char="•"/>
-        <a:defRPr kern="1200" sz="2400">
+        <a:defRPr sz="2400" kern="1200">
           <a:solidFill>
             <a:schemeClr val="tx1"/>
           </a:solidFill>
@@ -2535,16 +2535,16 @@
           <a:cs typeface="+mn-cs"/>
         </a:defRPr>
       </a:lvl2pPr>
-      <a:lvl3pPr hangingPunct="true" latinLnBrk="false" eaLnBrk="true" rtl="false" defTabSz="914400" algn="l" indent="-228600" marL="1143000">
+      <a:lvl3pPr marL="1143000" indent="-228600" algn="l" defTabSz="914400" rtl="false" eaLnBrk="true" latinLnBrk="false" hangingPunct="true">
         <a:lnSpc>
           <a:spcPct val="90000"/>
         </a:lnSpc>
         <a:spcBef>
           <a:spcPts val="500"/>
         </a:spcBef>
-        <a:buFont charset="0" pitchFamily="34" panose="020B0604020202020204" typeface="Arial"/>
+        <a:buFont typeface="Arial" panose="020B0604020202020204" pitchFamily="34" charset="0"/>
         <a:buChar char="•"/>
-        <a:defRPr kern="1200" sz="2000">
+        <a:defRPr sz="2000" kern="1200">
           <a:solidFill>
             <a:schemeClr val="tx1"/>
           </a:solidFill>
@@ -2553,16 +2553,16 @@
           <a:cs typeface="+mn-cs"/>
         </a:defRPr>
       </a:lvl3pPr>
-      <a:lvl4pPr hangingPunct="true" latinLnBrk="false" eaLnBrk="true" rtl="false" defTabSz="914400" algn="l" indent="-228600" marL="1600200">
+      <a:lvl4pPr marL="1600200" indent="-228600" algn="l" defTabSz="914400" rtl="false" eaLnBrk="true" latinLnBrk="false" hangingPunct="true">
         <a:lnSpc>
           <a:spcPct val="90000"/>
         </a:lnSpc>
         <a:spcBef>
           <a:spcPts val="500"/>
         </a:spcBef>
-        <a:buFont charset="0" pitchFamily="34" panose="020B0604020202020204" typeface="Arial"/>
+        <a:buFont typeface="Arial" panose="020B0604020202020204" pitchFamily="34" charset="0"/>
         <a:buChar char="•"/>
-        <a:defRPr kern="1200" sz="1800">
+        <a:defRPr sz="1800" kern="1200">
           <a:solidFill>
             <a:schemeClr val="tx1"/>
           </a:solidFill>
@@ -2571,16 +2571,16 @@
           <a:cs typeface="+mn-cs"/>
         </a:defRPr>
       </a:lvl4pPr>
-      <a:lvl5pPr hangingPunct="true" latinLnBrk="false" eaLnBrk="true" rtl="false" defTabSz="914400" algn="l" indent="-228600" marL="2057400">
+      <a:lvl5pPr marL="2057400" indent="-228600" algn="l" defTabSz="914400" rtl="false" eaLnBrk="true" latinLnBrk="false" hangingPunct="true">
         <a:lnSpc>
           <a:spcPct val="90000"/>
         </a:lnSpc>
         <a:spcBef>
           <a:spcPts val="500"/>
         </a:spcBef>
-        <a:buFont charset="0" pitchFamily="34" panose="020B0604020202020204" typeface="Arial"/>
+        <a:buFont typeface="Arial" panose="020B0604020202020204" pitchFamily="34" charset="0"/>
         <a:buChar char="•"/>
-        <a:defRPr kern="1200" sz="1800">
+        <a:defRPr sz="1800" kern="1200">
           <a:solidFill>
             <a:schemeClr val="tx1"/>
           </a:solidFill>
@@ -2589,16 +2589,16 @@
           <a:cs typeface="+mn-cs"/>
         </a:defRPr>
       </a:lvl5pPr>
-      <a:lvl6pPr hangingPunct="true" latinLnBrk="false" eaLnBrk="true" rtl="false" defTabSz="914400" algn="l" indent="-228600" marL="2514600">
+      <a:lvl6pPr marL="2514600" indent="-228600" algn="l" defTabSz="914400" rtl="false" eaLnBrk="true" latinLnBrk="false" hangingPunct="true">
         <a:lnSpc>
           <a:spcPct val="90000"/>
         </a:lnSpc>
         <a:spcBef>
           <a:spcPts val="500"/>
         </a:spcBef>
-        <a:buFont charset="0" pitchFamily="34" panose="020B0604020202020204" typeface="Arial"/>
+        <a:buFont typeface="Arial" panose="020B0604020202020204" pitchFamily="34" charset="0"/>
         <a:buChar char="•"/>
-        <a:defRPr kern="1200" sz="1800">
+        <a:defRPr sz="1800" kern="1200">
           <a:solidFill>
             <a:schemeClr val="tx1"/>
           </a:solidFill>
@@ -2607,16 +2607,16 @@
           <a:cs typeface="+mn-cs"/>
         </a:defRPr>
       </a:lvl6pPr>
-      <a:lvl7pPr hangingPunct="true" latinLnBrk="false" eaLnBrk="true" rtl="false" defTabSz="914400" algn="l" indent="-228600" marL="2971800">
+      <a:lvl7pPr marL="2971800" indent="-228600" algn="l" defTabSz="914400" rtl="false" eaLnBrk="true" latinLnBrk="false" hangingPunct="true">
         <a:lnSpc>
           <a:spcPct val="90000"/>
         </a:lnSpc>
         <a:spcBef>
           <a:spcPts val="500"/>
         </a:spcBef>
-        <a:buFont charset="0" pitchFamily="34" panose="020B0604020202020204" typeface="Arial"/>
+        <a:buFont typeface="Arial" panose="020B0604020202020204" pitchFamily="34" charset="0"/>
         <a:buChar char="•"/>
-        <a:defRPr kern="1200" sz="1800">
+        <a:defRPr sz="1800" kern="1200">
           <a:solidFill>
             <a:schemeClr val="tx1"/>
           </a:solidFill>
@@ -2625,16 +2625,16 @@
           <a:cs typeface="+mn-cs"/>
         </a:defRPr>
       </a:lvl7pPr>
-      <a:lvl8pPr hangingPunct="true" latinLnBrk="false" eaLnBrk="true" rtl="false" defTabSz="914400" algn="l" indent="-228600" marL="3429000">
+      <a:lvl8pPr marL="3429000" indent="-228600" algn="l" defTabSz="914400" rtl="false" eaLnBrk="true" latinLnBrk="false" hangingPunct="true">
         <a:lnSpc>
           <a:spcPct val="90000"/>
         </a:lnSpc>
         <a:spcBef>
           <a:spcPts val="500"/>
         </a:spcBef>
-        <a:buFont charset="0" pitchFamily="34" panose="020B0604020202020204" typeface="Arial"/>
+        <a:buFont typeface="Arial" panose="020B0604020202020204" pitchFamily="34" charset="0"/>
         <a:buChar char="•"/>
-        <a:defRPr kern="1200" sz="1800">
+        <a:defRPr sz="1800" kern="1200">
           <a:solidFill>
             <a:schemeClr val="tx1"/>
           </a:solidFill>
@@ -2643,16 +2643,16 @@
           <a:cs typeface="+mn-cs"/>
         </a:defRPr>
       </a:lvl8pPr>
-      <a:lvl9pPr hangingPunct="true" latinLnBrk="false" eaLnBrk="true" rtl="false" defTabSz="914400" algn="l" indent="-228600" marL="3886200">
+      <a:lvl9pPr marL="3886200" indent="-228600" algn="l" defTabSz="914400" rtl="false" eaLnBrk="true" latinLnBrk="false" hangingPunct="true">
         <a:lnSpc>
           <a:spcPct val="90000"/>
         </a:lnSpc>
         <a:spcBef>
           <a:spcPts val="500"/>
         </a:spcBef>
-        <a:buFont charset="0" pitchFamily="34" panose="020B0604020202020204" typeface="Arial"/>
+        <a:buFont typeface="Arial" panose="020B0604020202020204" pitchFamily="34" charset="0"/>
         <a:buChar char="•"/>
-        <a:defRPr kern="1200" sz="1800">
+        <a:defRPr sz="1800" kern="1200">
           <a:solidFill>
             <a:schemeClr val="tx1"/>
           </a:solidFill>
@@ -2666,8 +2666,8 @@
       <a:defPPr>
         <a:defRPr lang="fr-FR"/>
       </a:defPPr>
-      <a:lvl1pPr hangingPunct="true" latinLnBrk="false" eaLnBrk="true" rtl="false" defTabSz="914400" algn="l" marL="0">
-        <a:defRPr kern="1200" sz="1800">
+      <a:lvl1pPr marL="0" algn="l" defTabSz="914400" rtl="false" eaLnBrk="true" latinLnBrk="false" hangingPunct="true">
+        <a:defRPr sz="1800" kern="1200">
           <a:solidFill>
             <a:schemeClr val="tx1"/>
           </a:solidFill>
@@ -2676,8 +2676,8 @@
           <a:cs typeface="+mn-cs"/>
         </a:defRPr>
       </a:lvl1pPr>
-      <a:lvl2pPr hangingPunct="true" latinLnBrk="false" eaLnBrk="true" rtl="false" defTabSz="914400" algn="l" marL="457200">
-        <a:defRPr kern="1200" sz="1800">
+      <a:lvl2pPr marL="457200" algn="l" defTabSz="914400" rtl="false" eaLnBrk="true" latinLnBrk="false" hangingPunct="true">
+        <a:defRPr sz="1800" kern="1200">
           <a:solidFill>
             <a:schemeClr val="tx1"/>
           </a:solidFill>
@@ -2686,8 +2686,8 @@
           <a:cs typeface="+mn-cs"/>
         </a:defRPr>
       </a:lvl2pPr>
-      <a:lvl3pPr hangingPunct="true" latinLnBrk="false" eaLnBrk="true" rtl="false" defTabSz="914400" algn="l" marL="914400">
-        <a:defRPr kern="1200" sz="1800">
+      <a:lvl3pPr marL="914400" algn="l" defTabSz="914400" rtl="false" eaLnBrk="true" latinLnBrk="false" hangingPunct="true">
+        <a:defRPr sz="1800" kern="1200">
           <a:solidFill>
             <a:schemeClr val="tx1"/>
           </a:solidFill>
@@ -2696,8 +2696,8 @@
           <a:cs typeface="+mn-cs"/>
         </a:defRPr>
       </a:lvl3pPr>
-      <a:lvl4pPr hangingPunct="true" latinLnBrk="false" eaLnBrk="true" rtl="false" defTabSz="914400" algn="l" marL="1371600">
-        <a:defRPr kern="1200" sz="1800">
+      <a:lvl4pPr marL="1371600" algn="l" defTabSz="914400" rtl="false" eaLnBrk="true" latinLnBrk="false" hangingPunct="true">
+        <a:defRPr sz="1800" kern="1200">
           <a:solidFill>
             <a:schemeClr val="tx1"/>
           </a:solidFill>
@@ -2706,8 +2706,8 @@
           <a:cs typeface="+mn-cs"/>
         </a:defRPr>
       </a:lvl4pPr>
-      <a:lvl5pPr hangingPunct="true" latinLnBrk="false" eaLnBrk="true" rtl="false" defTabSz="914400" algn="l" marL="1828800">
-        <a:defRPr kern="1200" sz="1800">
+      <a:lvl5pPr marL="1828800" algn="l" defTabSz="914400" rtl="false" eaLnBrk="true" latinLnBrk="false" hangingPunct="true">
+        <a:defRPr sz="1800" kern="1200">
           <a:solidFill>
             <a:schemeClr val="tx1"/>
           </a:solidFill>
@@ -2716,8 +2716,8 @@
           <a:cs typeface="+mn-cs"/>
         </a:defRPr>
       </a:lvl5pPr>
-      <a:lvl6pPr hangingPunct="true" latinLnBrk="false" eaLnBrk="true" rtl="false" defTabSz="914400" algn="l" marL="2286000">
-        <a:defRPr kern="1200" sz="1800">
+      <a:lvl6pPr marL="2286000" algn="l" defTabSz="914400" rtl="false" eaLnBrk="true" latinLnBrk="false" hangingPunct="true">
+        <a:defRPr sz="1800" kern="1200">
           <a:solidFill>
             <a:schemeClr val="tx1"/>
           </a:solidFill>
@@ -2726,8 +2726,8 @@
           <a:cs typeface="+mn-cs"/>
         </a:defRPr>
       </a:lvl6pPr>
-      <a:lvl7pPr hangingPunct="true" latinLnBrk="false" eaLnBrk="true" rtl="false" defTabSz="914400" algn="l" marL="2743200">
-        <a:defRPr kern="1200" sz="1800">
+      <a:lvl7pPr marL="2743200" algn="l" defTabSz="914400" rtl="false" eaLnBrk="true" latinLnBrk="false" hangingPunct="true">
+        <a:defRPr sz="1800" kern="1200">
           <a:solidFill>
             <a:schemeClr val="tx1"/>
           </a:solidFill>
@@ -2736,8 +2736,8 @@
           <a:cs typeface="+mn-cs"/>
         </a:defRPr>
       </a:lvl7pPr>
-      <a:lvl8pPr hangingPunct="true" latinLnBrk="false" eaLnBrk="true" rtl="false" defTabSz="914400" algn="l" marL="3200400">
-        <a:defRPr kern="1200" sz="1800">
+      <a:lvl8pPr marL="3200400" algn="l" defTabSz="914400" rtl="false" eaLnBrk="true" latinLnBrk="false" hangingPunct="true">
+        <a:defRPr sz="1800" kern="1200">
           <a:solidFill>
             <a:schemeClr val="tx1"/>
           </a:solidFill>
@@ -2746,8 +2746,8 @@
           <a:cs typeface="+mn-cs"/>
         </a:defRPr>
       </a:lvl8pPr>
-      <a:lvl9pPr hangingPunct="true" latinLnBrk="false" eaLnBrk="true" rtl="false" defTabSz="914400" algn="l" marL="3657600">
-        <a:defRPr kern="1200" sz="1800">
+      <a:lvl9pPr marL="3657600" algn="l" defTabSz="914400" rtl="false" eaLnBrk="true" latinLnBrk="false" hangingPunct="true">
+        <a:defRPr sz="1800" kern="1200">
           <a:solidFill>
             <a:schemeClr val="tx1"/>
           </a:solidFill>
@@ -2762,46 +2762,46 @@
 </file>
 
 <file path=ppt/slides/slide1.xml><?xml version="1.0" encoding="utf-8"?>
-<p:sld xmlns:a="http://schemas.openxmlformats.org/drawingml/2006/main" xmlns:r="http://schemas.openxmlformats.org/officeDocument/2006/relationships" xmlns:p="http://schemas.openxmlformats.org/presentationml/2006/main" xmlns:mc="http://schemas.openxmlformats.org/markup-compatibility/2006" xmlns:c="http://schemas.openxmlformats.org/drawingml/2006/chart" xmlns:ns6="http://schemas.openxmlformats.org/drawingml/2006/chartDrawing" xmlns:dgm="http://schemas.openxmlformats.org/drawingml/2006/diagram" xmlns:pic="http://schemas.openxmlformats.org/drawingml/2006/picture" xmlns:wp="http://schemas.openxmlformats.org/drawingml/2006/wordprocessingDrawing" xmlns:xdr="http://schemas.openxmlformats.org/drawingml/2006/spreadsheetDrawing" xmlns:ns11="http://schemas.openxmlformats.org/drawingml/2006/compatibility" xmlns:ns12="http://schemas.openxmlformats.org/drawingml/2006/lockedCanvas">
+<p:sld xmlns:p="http://schemas.openxmlformats.org/presentationml/2006/main" xmlns:a="http://schemas.openxmlformats.org/drawingml/2006/main" xmlns:r="http://schemas.openxmlformats.org/officeDocument/2006/relationships" xmlns:mc="http://schemas.openxmlformats.org/markup-compatibility/2006" xmlns:c="http://schemas.openxmlformats.org/drawingml/2006/chart" xmlns:ns6="http://schemas.openxmlformats.org/drawingml/2006/chartDrawing" xmlns:dgm="http://schemas.openxmlformats.org/drawingml/2006/diagram" xmlns:pic="http://schemas.openxmlformats.org/drawingml/2006/picture" xmlns:wp="http://schemas.openxmlformats.org/drawingml/2006/wordprocessingDrawing" xmlns:xdr="http://schemas.openxmlformats.org/drawingml/2006/spreadsheetDrawing" xmlns:ns11="http://schemas.openxmlformats.org/drawingml/2006/compatibility" xmlns:ns12="http://schemas.openxmlformats.org/drawingml/2006/lockedCanvas">
   <p:cSld>
     <p:spTree>
       <p:nvGrpSpPr>
-        <p:cNvPr name="" id="1"/>
+        <p:cNvPr id="1" name=""/>
         <p:cNvGrpSpPr/>
         <p:nvPr/>
       </p:nvGrpSpPr>
       <p:grpSpPr>
         <a:xfrm>
-          <a:off y="0" x="0"/>
-          <a:ext cy="0" cx="0"/>
-          <a:chOff y="0" x="0"/>
-          <a:chExt cy="0" cx="0"/>
+          <a:off x="0" y="0"/>
+          <a:ext cx="0" cy="0"/>
+          <a:chOff x="0" y="0"/>
+          <a:chExt cx="0" cy="0"/>
         </a:xfrm>
       </p:grpSpPr>
       <p:grpSp>
         <p:nvGrpSpPr>
-          <p:cNvPr name="grp3" id="3"/>
+          <p:cNvPr id="3" name="grp3"/>
           <p:cNvGrpSpPr/>
           <p:nvPr/>
         </p:nvGrpSpPr>
         <p:grpSpPr>
           <a:xfrm>
-            <a:off y="1825625" x="838200"/>
-            <a:ext cy="3657600" cx="4572000"/>
-            <a:chOff y="1825625" x="838200"/>
-            <a:chExt cy="3657600" cx="4572000"/>
+            <a:off x="838200" y="1825625"/>
+            <a:ext cx="4572000" cy="3657600"/>
+            <a:chOff x="838200" y="1825625"/>
+            <a:chExt cx="4572000" cy="3657600"/>
           </a:xfrm>
         </p:grpSpPr>
         <p:sp>
           <p:nvSpPr>
-            <p:cNvPr name="rc4" id="4"/>
+            <p:cNvPr id="4" name="rc4"/>
             <p:cNvSpPr/>
             <p:nvPr/>
           </p:nvSpPr>
           <p:spPr>
             <a:xfrm>
-              <a:off y="4258255" x="1656362"/>
-              <a:ext cy="349061" cx="467279"/>
+              <a:off x="1656362" y="4258255"/>
+              <a:ext cx="467279" cy="349061"/>
             </a:xfrm>
             <a:prstGeom prst="rect">
               <a:avLst/>
@@ -2811,7 +2811,7 @@
                 <a:alpha val="100000"/>
               </a:srgbClr>
             </a:solidFill>
-            <a:ln cap="rnd" w="9525">
+            <a:ln w="9525" cap="rnd">
               <a:solidFill>
                 <a:srgbClr val="000000">
                   <a:alpha val="100000"/>
@@ -2829,14 +2829,14 @@
         </p:sp>
         <p:sp>
           <p:nvSpPr>
-            <p:cNvPr name="rc5" id="5"/>
+            <p:cNvPr id="5" name="rc5"/>
             <p:cNvSpPr/>
             <p:nvPr/>
           </p:nvSpPr>
           <p:spPr>
             <a:xfrm>
-              <a:off y="3909194" x="2217097"/>
-              <a:ext cy="698122" cx="467279"/>
+              <a:off x="2217097" y="3909194"/>
+              <a:ext cx="467279" cy="698122"/>
             </a:xfrm>
             <a:prstGeom prst="rect">
               <a:avLst/>
@@ -2846,7 +2846,7 @@
                 <a:alpha val="100000"/>
               </a:srgbClr>
             </a:solidFill>
-            <a:ln cap="rnd" w="9525">
+            <a:ln w="9525" cap="rnd">
               <a:solidFill>
                 <a:srgbClr val="000000">
                   <a:alpha val="100000"/>
@@ -2864,14 +2864,14 @@
         </p:sp>
         <p:sp>
           <p:nvSpPr>
-            <p:cNvPr name="rc6" id="6"/>
+            <p:cNvPr id="6" name="rc6"/>
             <p:cNvSpPr/>
             <p:nvPr/>
           </p:nvSpPr>
           <p:spPr>
             <a:xfrm>
-              <a:off y="3560133" x="2777832"/>
-              <a:ext cy="1047184" cx="467279"/>
+              <a:off x="2777832" y="3560133"/>
+              <a:ext cx="467279" cy="1047184"/>
             </a:xfrm>
             <a:prstGeom prst="rect">
               <a:avLst/>
@@ -2881,7 +2881,7 @@
                 <a:alpha val="100000"/>
               </a:srgbClr>
             </a:solidFill>
-            <a:ln cap="rnd" w="9525">
+            <a:ln w="9525" cap="rnd">
               <a:solidFill>
                 <a:srgbClr val="000000">
                   <a:alpha val="100000"/>
@@ -2899,14 +2899,14 @@
         </p:sp>
         <p:sp>
           <p:nvSpPr>
-            <p:cNvPr name="rc7" id="7"/>
+            <p:cNvPr id="7" name="rc7"/>
             <p:cNvSpPr/>
             <p:nvPr/>
           </p:nvSpPr>
           <p:spPr>
             <a:xfrm>
-              <a:off y="3211071" x="3338567"/>
-              <a:ext cy="1396245" cx="467279"/>
+              <a:off x="3338567" y="3211071"/>
+              <a:ext cx="467279" cy="1396245"/>
             </a:xfrm>
             <a:prstGeom prst="rect">
               <a:avLst/>
@@ -2916,7 +2916,7 @@
                 <a:alpha val="100000"/>
               </a:srgbClr>
             </a:solidFill>
-            <a:ln cap="rnd" w="9525">
+            <a:ln w="9525" cap="rnd">
               <a:solidFill>
                 <a:srgbClr val="000000">
                   <a:alpha val="100000"/>
@@ -2934,14 +2934,14 @@
         </p:sp>
         <p:sp>
           <p:nvSpPr>
-            <p:cNvPr name="rc8" id="8"/>
+            <p:cNvPr id="8" name="rc8"/>
             <p:cNvSpPr/>
             <p:nvPr/>
           </p:nvSpPr>
           <p:spPr>
             <a:xfrm>
-              <a:off y="2862010" x="3899303"/>
-              <a:ext cy="1745306" cx="467279"/>
+              <a:off x="3899303" y="2862010"/>
+              <a:ext cx="467279" cy="1745306"/>
             </a:xfrm>
             <a:prstGeom prst="rect">
               <a:avLst/>
@@ -2951,7 +2951,7 @@
                 <a:alpha val="100000"/>
               </a:srgbClr>
             </a:solidFill>
-            <a:ln cap="rnd" w="9525">
+            <a:ln w="9525" cap="rnd">
               <a:solidFill>
                 <a:srgbClr val="000000">
                   <a:alpha val="100000"/>
@@ -2969,14 +2969,14 @@
         </p:sp>
         <p:sp>
           <p:nvSpPr>
-            <p:cNvPr name="rc9" id="9"/>
+            <p:cNvPr id="9" name="rc9"/>
             <p:cNvSpPr/>
             <p:nvPr/>
           </p:nvSpPr>
           <p:spPr>
             <a:xfrm>
-              <a:off y="2512948" x="4460038"/>
-              <a:ext cy="2094368" cx="467279"/>
+              <a:off x="4460038" y="2512948"/>
+              <a:ext cx="467279" cy="2094368"/>
             </a:xfrm>
             <a:prstGeom prst="rect">
               <a:avLst/>
@@ -2986,7 +2986,7 @@
                 <a:alpha val="100000"/>
               </a:srgbClr>
             </a:solidFill>
-            <a:ln cap="rnd" w="9525">
+            <a:ln w="9525" cap="rnd">
               <a:solidFill>
                 <a:srgbClr val="000000">
                   <a:alpha val="100000"/>
@@ -3004,29 +3004,29 @@
         </p:sp>
         <p:sp>
           <p:nvSpPr>
-            <p:cNvPr name="pl10" id="10"/>
+            <p:cNvPr id="10" name="pl10"/>
             <p:cNvSpPr/>
             <p:nvPr/>
           </p:nvSpPr>
           <p:spPr>
             <a:xfrm>
-              <a:off y="2512948" x="1525524"/>
-              <a:ext cy="2094368" cx="0"/>
+              <a:off x="1525524" y="2512948"/>
+              <a:ext cx="0" cy="2094368"/>
             </a:xfrm>
             <a:custGeom>
               <a:avLst/>
               <a:pathLst>
-                <a:path h="2094368" w="0">
+                <a:path w="0" h="2094368">
                   <a:moveTo>
-                    <a:pt y="2094368" x="0"/>
+                    <a:pt x="0" y="2094368"/>
                   </a:moveTo>
                   <a:lnTo>
-                    <a:pt y="0" x="0"/>
+                    <a:pt x="0" y="0"/>
                   </a:lnTo>
                 </a:path>
               </a:pathLst>
             </a:custGeom>
-            <a:ln cap="rnd" w="9525">
+            <a:ln w="9525" cap="rnd">
               <a:solidFill>
                 <a:srgbClr val="000000">
                   <a:alpha val="100000"/>
@@ -3044,29 +3044,29 @@
         </p:sp>
         <p:sp>
           <p:nvSpPr>
-            <p:cNvPr name="pl11" id="11"/>
+            <p:cNvPr id="11" name="pl11"/>
             <p:cNvSpPr/>
             <p:nvPr/>
           </p:nvSpPr>
           <p:spPr>
             <a:xfrm>
-              <a:off y="4607317" x="1441703"/>
-              <a:ext cy="0" cx="83820"/>
+              <a:off x="1441703" y="4607317"/>
+              <a:ext cx="83820" cy="0"/>
             </a:xfrm>
             <a:custGeom>
               <a:avLst/>
               <a:pathLst>
-                <a:path h="0" w="83820">
+                <a:path w="83820" h="0">
                   <a:moveTo>
-                    <a:pt y="0" x="83820"/>
+                    <a:pt x="83820" y="0"/>
                   </a:moveTo>
                   <a:lnTo>
-                    <a:pt y="0" x="0"/>
+                    <a:pt x="0" y="0"/>
                   </a:lnTo>
                 </a:path>
               </a:pathLst>
             </a:custGeom>
-            <a:ln cap="rnd" w="9525">
+            <a:ln w="9525" cap="rnd">
               <a:solidFill>
                 <a:srgbClr val="000000">
                   <a:alpha val="100000"/>
@@ -3084,29 +3084,29 @@
         </p:sp>
         <p:sp>
           <p:nvSpPr>
-            <p:cNvPr name="pl12" id="12"/>
+            <p:cNvPr id="12" name="pl12"/>
             <p:cNvSpPr/>
             <p:nvPr/>
           </p:nvSpPr>
           <p:spPr>
             <a:xfrm>
-              <a:off y="4258255" x="1441703"/>
-              <a:ext cy="0" cx="83820"/>
+              <a:off x="1441703" y="4258255"/>
+              <a:ext cx="83820" cy="0"/>
             </a:xfrm>
             <a:custGeom>
               <a:avLst/>
               <a:pathLst>
-                <a:path h="0" w="83820">
+                <a:path w="83820" h="0">
                   <a:moveTo>
-                    <a:pt y="0" x="83820"/>
+                    <a:pt x="83820" y="0"/>
                   </a:moveTo>
                   <a:lnTo>
-                    <a:pt y="0" x="0"/>
+                    <a:pt x="0" y="0"/>
                   </a:lnTo>
                 </a:path>
               </a:pathLst>
             </a:custGeom>
-            <a:ln cap="rnd" w="9525">
+            <a:ln w="9525" cap="rnd">
               <a:solidFill>
                 <a:srgbClr val="000000">
                   <a:alpha val="100000"/>
@@ -3124,29 +3124,29 @@
         </p:sp>
         <p:sp>
           <p:nvSpPr>
-            <p:cNvPr name="pl13" id="13"/>
+            <p:cNvPr id="13" name="pl13"/>
             <p:cNvSpPr/>
             <p:nvPr/>
           </p:nvSpPr>
           <p:spPr>
             <a:xfrm>
-              <a:off y="3909194" x="1441703"/>
-              <a:ext cy="0" cx="83820"/>
+              <a:off x="1441703" y="3909194"/>
+              <a:ext cx="83820" cy="0"/>
             </a:xfrm>
             <a:custGeom>
               <a:avLst/>
               <a:pathLst>
-                <a:path h="0" w="83820">
+                <a:path w="83820" h="0">
                   <a:moveTo>
-                    <a:pt y="0" x="83820"/>
+                    <a:pt x="83820" y="0"/>
                   </a:moveTo>
                   <a:lnTo>
-                    <a:pt y="0" x="0"/>
+                    <a:pt x="0" y="0"/>
                   </a:lnTo>
                 </a:path>
               </a:pathLst>
             </a:custGeom>
-            <a:ln cap="rnd" w="9525">
+            <a:ln w="9525" cap="rnd">
               <a:solidFill>
                 <a:srgbClr val="000000">
                   <a:alpha val="100000"/>
@@ -3164,29 +3164,29 @@
         </p:sp>
         <p:sp>
           <p:nvSpPr>
-            <p:cNvPr name="pl14" id="14"/>
+            <p:cNvPr id="14" name="pl14"/>
             <p:cNvSpPr/>
             <p:nvPr/>
           </p:nvSpPr>
           <p:spPr>
             <a:xfrm>
-              <a:off y="3560133" x="1441703"/>
-              <a:ext cy="0" cx="83820"/>
+              <a:off x="1441703" y="3560133"/>
+              <a:ext cx="83820" cy="0"/>
             </a:xfrm>
             <a:custGeom>
               <a:avLst/>
               <a:pathLst>
-                <a:path h="0" w="83820">
+                <a:path w="83820" h="0">
                   <a:moveTo>
-                    <a:pt y="0" x="83820"/>
+                    <a:pt x="83820" y="0"/>
                   </a:moveTo>
                   <a:lnTo>
-                    <a:pt y="0" x="0"/>
+                    <a:pt x="0" y="0"/>
                   </a:lnTo>
                 </a:path>
               </a:pathLst>
             </a:custGeom>
-            <a:ln cap="rnd" w="9525">
+            <a:ln w="9525" cap="rnd">
               <a:solidFill>
                 <a:srgbClr val="000000">
                   <a:alpha val="100000"/>
@@ -3204,29 +3204,29 @@
         </p:sp>
         <p:sp>
           <p:nvSpPr>
-            <p:cNvPr name="pl15" id="15"/>
+            <p:cNvPr id="15" name="pl15"/>
             <p:cNvSpPr/>
             <p:nvPr/>
           </p:nvSpPr>
           <p:spPr>
             <a:xfrm>
-              <a:off y="3211071" x="1441703"/>
-              <a:ext cy="0" cx="83820"/>
+              <a:off x="1441703" y="3211071"/>
+              <a:ext cx="83820" cy="0"/>
             </a:xfrm>
             <a:custGeom>
               <a:avLst/>
               <a:pathLst>
-                <a:path h="0" w="83820">
+                <a:path w="83820" h="0">
                   <a:moveTo>
-                    <a:pt y="0" x="83820"/>
+                    <a:pt x="83820" y="0"/>
                   </a:moveTo>
                   <a:lnTo>
-                    <a:pt y="0" x="0"/>
+                    <a:pt x="0" y="0"/>
                   </a:lnTo>
                 </a:path>
               </a:pathLst>
             </a:custGeom>
-            <a:ln cap="rnd" w="9525">
+            <a:ln w="9525" cap="rnd">
               <a:solidFill>
                 <a:srgbClr val="000000">
                   <a:alpha val="100000"/>
@@ -3244,29 +3244,29 @@
         </p:sp>
         <p:sp>
           <p:nvSpPr>
-            <p:cNvPr name="pl16" id="16"/>
+            <p:cNvPr id="16" name="pl16"/>
             <p:cNvSpPr/>
             <p:nvPr/>
           </p:nvSpPr>
           <p:spPr>
             <a:xfrm>
-              <a:off y="2862010" x="1441703"/>
-              <a:ext cy="0" cx="83820"/>
+              <a:off x="1441703" y="2862010"/>
+              <a:ext cx="83820" cy="0"/>
             </a:xfrm>
             <a:custGeom>
               <a:avLst/>
               <a:pathLst>
-                <a:path h="0" w="83820">
+                <a:path w="83820" h="0">
                   <a:moveTo>
-                    <a:pt y="0" x="83820"/>
+                    <a:pt x="83820" y="0"/>
                   </a:moveTo>
                   <a:lnTo>
-                    <a:pt y="0" x="0"/>
+                    <a:pt x="0" y="0"/>
                   </a:lnTo>
                 </a:path>
               </a:pathLst>
             </a:custGeom>
-            <a:ln cap="rnd" w="9525">
+            <a:ln w="9525" cap="rnd">
               <a:solidFill>
                 <a:srgbClr val="000000">
                   <a:alpha val="100000"/>
@@ -3284,29 +3284,29 @@
         </p:sp>
         <p:sp>
           <p:nvSpPr>
-            <p:cNvPr name="pl17" id="17"/>
+            <p:cNvPr id="17" name="pl17"/>
             <p:cNvSpPr/>
             <p:nvPr/>
           </p:nvSpPr>
           <p:spPr>
             <a:xfrm>
-              <a:off y="2512948" x="1441703"/>
-              <a:ext cy="0" cx="83820"/>
+              <a:off x="1441703" y="2512948"/>
+              <a:ext cx="83820" cy="0"/>
             </a:xfrm>
             <a:custGeom>
               <a:avLst/>
               <a:pathLst>
-                <a:path h="0" w="83820">
+                <a:path w="83820" h="0">
                   <a:moveTo>
-                    <a:pt y="0" x="83820"/>
+                    <a:pt x="83820" y="0"/>
                   </a:moveTo>
                   <a:lnTo>
-                    <a:pt y="0" x="0"/>
+                    <a:pt x="0" y="0"/>
                   </a:lnTo>
                 </a:path>
               </a:pathLst>
             </a:custGeom>
-            <a:ln cap="rnd" w="9525">
+            <a:ln w="9525" cap="rnd">
               <a:solidFill>
                 <a:srgbClr val="000000">
                   <a:alpha val="100000"/>
@@ -3324,14 +3324,14 @@
         </p:sp>
         <p:sp>
           <p:nvSpPr>
-            <p:cNvPr name="tx18" id="18"/>
+            <p:cNvPr id="18" name="tx18"/>
             <p:cNvSpPr/>
             <p:nvPr/>
           </p:nvSpPr>
           <p:spPr>
             <a:xfrm rot="-5400000">
-              <a:off y="4561875" x="1243511"/>
-              <a:ext cy="90884" cx="70804"/>
+              <a:off x="1243511" y="4561875"/>
+              <a:ext cx="70804" cy="90884"/>
             </a:xfrm>
             <a:prstGeom prst="rect">
               <a:avLst/>
@@ -3339,10 +3339,10 @@
             <a:noFill/>
           </p:spPr>
           <p:txBody>
-            <a:bodyPr anchorCtr="true" anchor="ctr" bIns="0" rIns="0" tIns="0" lIns="0" wrap="none"/>
+            <a:bodyPr wrap="none" lIns="0" tIns="0" rIns="0" bIns="0" anchor="ctr" anchorCtr="true"/>
             <a:lstStyle/>
             <a:p>
-              <a:pPr algn="l" indent="0" marR="0" marL="0">
+              <a:pPr marL="0" marR="0" indent="0" algn="l">
                 <a:lnSpc>
                   <a:spcPts val="1100"/>
                 </a:lnSpc>
@@ -3370,14 +3370,14 @@
         </p:sp>
         <p:sp>
           <p:nvSpPr>
-            <p:cNvPr name="tx19" id="19"/>
+            <p:cNvPr id="19" name="tx19"/>
             <p:cNvSpPr/>
             <p:nvPr/>
           </p:nvSpPr>
           <p:spPr>
             <a:xfrm rot="-5400000">
-              <a:off y="4213805" x="1244503"/>
-              <a:ext cy="88900" cx="70804"/>
+              <a:off x="1244503" y="4213805"/>
+              <a:ext cx="70804" cy="88900"/>
             </a:xfrm>
             <a:prstGeom prst="rect">
               <a:avLst/>
@@ -3385,10 +3385,10 @@
             <a:noFill/>
           </p:spPr>
           <p:txBody>
-            <a:bodyPr anchorCtr="true" anchor="ctr" bIns="0" rIns="0" tIns="0" lIns="0" wrap="none"/>
+            <a:bodyPr wrap="none" lIns="0" tIns="0" rIns="0" bIns="0" anchor="ctr" anchorCtr="true"/>
             <a:lstStyle/>
             <a:p>
-              <a:pPr algn="l" indent="0" marR="0" marL="0">
+              <a:pPr marL="0" marR="0" indent="0" algn="l">
                 <a:lnSpc>
                   <a:spcPts val="1100"/>
                 </a:lnSpc>
@@ -3416,14 +3416,14 @@
         </p:sp>
         <p:sp>
           <p:nvSpPr>
-            <p:cNvPr name="tx20" id="20"/>
+            <p:cNvPr id="20" name="tx20"/>
             <p:cNvSpPr/>
             <p:nvPr/>
           </p:nvSpPr>
           <p:spPr>
             <a:xfrm rot="-5400000">
-              <a:off y="3864446" x="1244205"/>
-              <a:ext cy="89495" cx="70804"/>
+              <a:off x="1244205" y="3864446"/>
+              <a:ext cx="70804" cy="89495"/>
             </a:xfrm>
             <a:prstGeom prst="rect">
               <a:avLst/>
@@ -3431,10 +3431,10 @@
             <a:noFill/>
           </p:spPr>
           <p:txBody>
-            <a:bodyPr anchorCtr="true" anchor="ctr" bIns="0" rIns="0" tIns="0" lIns="0" wrap="none"/>
+            <a:bodyPr wrap="none" lIns="0" tIns="0" rIns="0" bIns="0" anchor="ctr" anchorCtr="true"/>
             <a:lstStyle/>
             <a:p>
-              <a:pPr algn="l" indent="0" marR="0" marL="0">
+              <a:pPr marL="0" marR="0" indent="0" algn="l">
                 <a:lnSpc>
                   <a:spcPts val="1100"/>
                 </a:lnSpc>
@@ -3462,14 +3462,14 @@
         </p:sp>
         <p:sp>
           <p:nvSpPr>
-            <p:cNvPr name="tx21" id="21"/>
+            <p:cNvPr id="21" name="tx21"/>
             <p:cNvSpPr/>
             <p:nvPr/>
           </p:nvSpPr>
           <p:spPr>
             <a:xfrm rot="-5400000">
-              <a:off y="3514690" x="1243511"/>
-              <a:ext cy="90884" cx="70804"/>
+              <a:off x="1243511" y="3514690"/>
+              <a:ext cx="70804" cy="90884"/>
             </a:xfrm>
             <a:prstGeom prst="rect">
               <a:avLst/>
@@ -3477,10 +3477,10 @@
             <a:noFill/>
           </p:spPr>
           <p:txBody>
-            <a:bodyPr anchorCtr="true" anchor="ctr" bIns="0" rIns="0" tIns="0" lIns="0" wrap="none"/>
+            <a:bodyPr wrap="none" lIns="0" tIns="0" rIns="0" bIns="0" anchor="ctr" anchorCtr="true"/>
             <a:lstStyle/>
             <a:p>
-              <a:pPr algn="l" indent="0" marR="0" marL="0">
+              <a:pPr marL="0" marR="0" indent="0" algn="l">
                 <a:lnSpc>
                   <a:spcPts val="1100"/>
                 </a:lnSpc>
@@ -3508,14 +3508,14 @@
         </p:sp>
         <p:sp>
           <p:nvSpPr>
-            <p:cNvPr name="tx22" id="22"/>
+            <p:cNvPr id="22" name="tx22"/>
             <p:cNvSpPr/>
             <p:nvPr/>
           </p:nvSpPr>
           <p:spPr>
             <a:xfrm rot="-5400000">
-              <a:off y="3166522" x="1244404"/>
-              <a:ext cy="89098" cx="70804"/>
+              <a:off x="1244404" y="3166522"/>
+              <a:ext cx="70804" cy="89098"/>
             </a:xfrm>
             <a:prstGeom prst="rect">
               <a:avLst/>
@@ -3523,10 +3523,10 @@
             <a:noFill/>
           </p:spPr>
           <p:txBody>
-            <a:bodyPr anchorCtr="true" anchor="ctr" bIns="0" rIns="0" tIns="0" lIns="0" wrap="none"/>
+            <a:bodyPr wrap="none" lIns="0" tIns="0" rIns="0" bIns="0" anchor="ctr" anchorCtr="true"/>
             <a:lstStyle/>
             <a:p>
-              <a:pPr algn="l" indent="0" marR="0" marL="0">
+              <a:pPr marL="0" marR="0" indent="0" algn="l">
                 <a:lnSpc>
                   <a:spcPts val="1100"/>
                 </a:lnSpc>
@@ -3554,14 +3554,14 @@
         </p:sp>
         <p:sp>
           <p:nvSpPr>
-            <p:cNvPr name="tx23" id="23"/>
+            <p:cNvPr id="23" name="tx23"/>
             <p:cNvSpPr/>
             <p:nvPr/>
           </p:nvSpPr>
           <p:spPr>
             <a:xfrm rot="-5400000">
-              <a:off y="2817163" x="1244106"/>
-              <a:ext cy="89693" cx="70804"/>
+              <a:off x="1244106" y="2817163"/>
+              <a:ext cx="70804" cy="89693"/>
             </a:xfrm>
             <a:prstGeom prst="rect">
               <a:avLst/>
@@ -3569,10 +3569,10 @@
             <a:noFill/>
           </p:spPr>
           <p:txBody>
-            <a:bodyPr anchorCtr="true" anchor="ctr" bIns="0" rIns="0" tIns="0" lIns="0" wrap="none"/>
+            <a:bodyPr wrap="none" lIns="0" tIns="0" rIns="0" bIns="0" anchor="ctr" anchorCtr="true"/>
             <a:lstStyle/>
             <a:p>
-              <a:pPr algn="l" indent="0" marR="0" marL="0">
+              <a:pPr marL="0" marR="0" indent="0" algn="l">
                 <a:lnSpc>
                   <a:spcPts val="1100"/>
                 </a:lnSpc>
@@ -3600,14 +3600,14 @@
         </p:sp>
         <p:sp>
           <p:nvSpPr>
-            <p:cNvPr name="tx24" id="24"/>
+            <p:cNvPr id="24" name="tx24"/>
             <p:cNvSpPr/>
             <p:nvPr/>
           </p:nvSpPr>
           <p:spPr>
             <a:xfrm rot="-5400000">
-              <a:off y="2467506" x="1243511"/>
-              <a:ext cy="90884" cx="70804"/>
+              <a:off x="1243511" y="2467506"/>
+              <a:ext cx="70804" cy="90884"/>
             </a:xfrm>
             <a:prstGeom prst="rect">
               <a:avLst/>
@@ -3615,10 +3615,10 @@
             <a:noFill/>
           </p:spPr>
           <p:txBody>
-            <a:bodyPr anchorCtr="true" anchor="ctr" bIns="0" rIns="0" tIns="0" lIns="0" wrap="none"/>
+            <a:bodyPr wrap="none" lIns="0" tIns="0" rIns="0" bIns="0" anchor="ctr" anchorCtr="true"/>
             <a:lstStyle/>
             <a:p>
-              <a:pPr algn="l" indent="0" marR="0" marL="0">
+              <a:pPr marL="0" marR="0" indent="0" algn="l">
                 <a:lnSpc>
                   <a:spcPts val="1100"/>
                 </a:lnSpc>
@@ -3647,7 +3647,7 @@
       </p:grpSp>
       <p:pic>
         <p:nvPicPr>
-          <p:cNvPr name="Picture 2" id="2"/>
+          <p:cNvPr id="2" name="Picture 2"/>
           <p:cNvPicPr>
             <a:picLocks noChangeAspect="true"/>
           </p:cNvPicPr>
@@ -3656,15 +3656,15 @@
           </p:nvPr>
         </p:nvPicPr>
         <p:blipFill>
-          <a:blip r:embed="rId3" cstate="print"/>
+          <a:blip cstate="print" r:embed="rId2"/>
           <a:stretch>
             <a:fillRect/>
           </a:stretch>
         </p:blipFill>
         <p:spPr>
           <a:xfrm>
-            <a:off y="0" x="6400800"/>
-            <a:ext cy="1828800" cx="2743200"/>
+            <a:off x="6400800" y="0"/>
+            <a:ext cx="2743200" cy="1828800"/>
           </a:xfrm>
           <a:prstGeom prst="rect">
             <a:avLst/>

--- a/reference/ex_plot.pptx
+++ b/reference/ex_plot.pptx
@@ -1,11 +1,11 @@
 
 <file path=ppt/presentation.xml><?xml version="1.0" encoding="utf-8"?>
-<p:presentation xmlns:p="http://schemas.openxmlformats.org/presentationml/2006/main" xmlns:a="http://schemas.openxmlformats.org/drawingml/2006/main" xmlns:r="http://schemas.openxmlformats.org/officeDocument/2006/relationships" xmlns:mc="http://schemas.openxmlformats.org/markup-compatibility/2006" xmlns:c="http://schemas.openxmlformats.org/drawingml/2006/chart" xmlns:ns6="http://schemas.openxmlformats.org/drawingml/2006/chartDrawing" xmlns:dgm="http://schemas.openxmlformats.org/drawingml/2006/diagram" xmlns:pic="http://schemas.openxmlformats.org/drawingml/2006/picture" xmlns:wp="http://schemas.openxmlformats.org/drawingml/2006/wordprocessingDrawing" xmlns:xdr="http://schemas.openxmlformats.org/drawingml/2006/spreadsheetDrawing" xmlns:ns11="http://schemas.openxmlformats.org/drawingml/2006/compatibility" xmlns:ns12="http://schemas.openxmlformats.org/drawingml/2006/lockedCanvas" saveSubsetFonts="true">
+<p:presentation xmlns:p="http://schemas.openxmlformats.org/presentationml/2006/main" xmlns:r="http://schemas.openxmlformats.org/officeDocument/2006/relationships" xmlns:a="http://schemas.openxmlformats.org/drawingml/2006/main" xmlns:mc="http://schemas.openxmlformats.org/markup-compatibility/2006" xmlns:c="http://schemas.openxmlformats.org/drawingml/2006/chart" xmlns:ns6="http://schemas.openxmlformats.org/drawingml/2006/chartDrawing" xmlns:dgm="http://schemas.openxmlformats.org/drawingml/2006/diagram" xmlns:pic="http://schemas.openxmlformats.org/drawingml/2006/picture" xmlns:wp="http://schemas.openxmlformats.org/drawingml/2006/wordprocessingDrawing" xmlns:xdr="http://schemas.openxmlformats.org/drawingml/2006/spreadsheetDrawing" xmlns:ns11="http://schemas.openxmlformats.org/drawingml/2006/compatibility" xmlns:ns12="http://schemas.openxmlformats.org/drawingml/2006/lockedCanvas" saveSubsetFonts="true">
   <p:sldMasterIdLst>
     <p:sldMasterId id="2147483648" r:id="rId1"/>
   </p:sldMasterIdLst>
   <p:sldIdLst>
-    <p:sldId id="27934680" r:id="rId6"/>
+    <p:sldId id="1500998022" r:id="rId6"/>
   </p:sldIdLst>
   <p:sldSz cx="12192000" cy="6858000"/>
   <p:notesSz cx="6858000" cy="9144000"/>
@@ -113,7 +113,7 @@
 </file>
 
 <file path=ppt/slideLayouts/slideLayout1.xml><?xml version="1.0" encoding="utf-8"?>
-<p:sldLayout xmlns:p="http://schemas.openxmlformats.org/presentationml/2006/main" xmlns:a="http://schemas.openxmlformats.org/drawingml/2006/main" xmlns:r="http://schemas.openxmlformats.org/officeDocument/2006/relationships" xmlns:mc="http://schemas.openxmlformats.org/markup-compatibility/2006" xmlns:c="http://schemas.openxmlformats.org/drawingml/2006/chart" xmlns:ns6="http://schemas.openxmlformats.org/drawingml/2006/chartDrawing" xmlns:dgm="http://schemas.openxmlformats.org/drawingml/2006/diagram" xmlns:pic="http://schemas.openxmlformats.org/drawingml/2006/picture" xmlns:wp="http://schemas.openxmlformats.org/drawingml/2006/wordprocessingDrawing" xmlns:xdr="http://schemas.openxmlformats.org/drawingml/2006/spreadsheetDrawing" xmlns:ns11="http://schemas.openxmlformats.org/drawingml/2006/compatibility" xmlns:ns12="http://schemas.openxmlformats.org/drawingml/2006/lockedCanvas" type="title" preserve="true">
+<p:sldLayout xmlns:p="http://schemas.openxmlformats.org/presentationml/2006/main" xmlns:r="http://schemas.openxmlformats.org/officeDocument/2006/relationships" xmlns:a="http://schemas.openxmlformats.org/drawingml/2006/main" xmlns:mc="http://schemas.openxmlformats.org/markup-compatibility/2006" xmlns:c="http://schemas.openxmlformats.org/drawingml/2006/chart" xmlns:ns6="http://schemas.openxmlformats.org/drawingml/2006/chartDrawing" xmlns:dgm="http://schemas.openxmlformats.org/drawingml/2006/diagram" xmlns:pic="http://schemas.openxmlformats.org/drawingml/2006/picture" xmlns:wp="http://schemas.openxmlformats.org/drawingml/2006/wordprocessingDrawing" xmlns:xdr="http://schemas.openxmlformats.org/drawingml/2006/spreadsheetDrawing" xmlns:ns11="http://schemas.openxmlformats.org/drawingml/2006/compatibility" xmlns:ns12="http://schemas.openxmlformats.org/drawingml/2006/lockedCanvas" type="title" preserve="true">
   <p:cSld name="Title Slide">
     <p:spTree>
       <p:nvGrpSpPr>
@@ -312,7 +312,7 @@
 </file>
 
 <file path=ppt/slideLayouts/slideLayout10.xml><?xml version="1.0" encoding="utf-8"?>
-<p:sldLayout xmlns:p="http://schemas.openxmlformats.org/presentationml/2006/main" xmlns:a="http://schemas.openxmlformats.org/drawingml/2006/main" xmlns:r="http://schemas.openxmlformats.org/officeDocument/2006/relationships" xmlns:mc="http://schemas.openxmlformats.org/markup-compatibility/2006" xmlns:c="http://schemas.openxmlformats.org/drawingml/2006/chart" xmlns:ns6="http://schemas.openxmlformats.org/drawingml/2006/chartDrawing" xmlns:dgm="http://schemas.openxmlformats.org/drawingml/2006/diagram" xmlns:pic="http://schemas.openxmlformats.org/drawingml/2006/picture" xmlns:wp="http://schemas.openxmlformats.org/drawingml/2006/wordprocessingDrawing" xmlns:xdr="http://schemas.openxmlformats.org/drawingml/2006/spreadsheetDrawing" xmlns:ns11="http://schemas.openxmlformats.org/drawingml/2006/compatibility" xmlns:ns12="http://schemas.openxmlformats.org/drawingml/2006/lockedCanvas" type="vertTitleAndTx" preserve="true">
+<p:sldLayout xmlns:p="http://schemas.openxmlformats.org/presentationml/2006/main" xmlns:r="http://schemas.openxmlformats.org/officeDocument/2006/relationships" xmlns:a="http://schemas.openxmlformats.org/drawingml/2006/main" xmlns:mc="http://schemas.openxmlformats.org/markup-compatibility/2006" xmlns:c="http://schemas.openxmlformats.org/drawingml/2006/chart" xmlns:ns6="http://schemas.openxmlformats.org/drawingml/2006/chartDrawing" xmlns:dgm="http://schemas.openxmlformats.org/drawingml/2006/diagram" xmlns:pic="http://schemas.openxmlformats.org/drawingml/2006/picture" xmlns:wp="http://schemas.openxmlformats.org/drawingml/2006/wordprocessingDrawing" xmlns:xdr="http://schemas.openxmlformats.org/drawingml/2006/spreadsheetDrawing" xmlns:ns11="http://schemas.openxmlformats.org/drawingml/2006/compatibility" xmlns:ns12="http://schemas.openxmlformats.org/drawingml/2006/lockedCanvas" type="vertTitleAndTx" preserve="true">
   <p:cSld name="Vertical Title and Text">
     <p:spTree>
       <p:nvGrpSpPr>
@@ -499,7 +499,7 @@
 </file>
 
 <file path=ppt/slideLayouts/slideLayout2.xml><?xml version="1.0" encoding="utf-8"?>
-<p:sldLayout xmlns:p="http://schemas.openxmlformats.org/presentationml/2006/main" xmlns:a="http://schemas.openxmlformats.org/drawingml/2006/main" xmlns:r="http://schemas.openxmlformats.org/officeDocument/2006/relationships" xmlns:mc="http://schemas.openxmlformats.org/markup-compatibility/2006" xmlns:c="http://schemas.openxmlformats.org/drawingml/2006/chart" xmlns:ns6="http://schemas.openxmlformats.org/drawingml/2006/chartDrawing" xmlns:dgm="http://schemas.openxmlformats.org/drawingml/2006/diagram" xmlns:pic="http://schemas.openxmlformats.org/drawingml/2006/picture" xmlns:wp="http://schemas.openxmlformats.org/drawingml/2006/wordprocessingDrawing" xmlns:xdr="http://schemas.openxmlformats.org/drawingml/2006/spreadsheetDrawing" xmlns:ns11="http://schemas.openxmlformats.org/drawingml/2006/compatibility" xmlns:ns12="http://schemas.openxmlformats.org/drawingml/2006/lockedCanvas" type="obj" preserve="true">
+<p:sldLayout xmlns:p="http://schemas.openxmlformats.org/presentationml/2006/main" xmlns:r="http://schemas.openxmlformats.org/officeDocument/2006/relationships" xmlns:a="http://schemas.openxmlformats.org/drawingml/2006/main" xmlns:mc="http://schemas.openxmlformats.org/markup-compatibility/2006" xmlns:c="http://schemas.openxmlformats.org/drawingml/2006/chart" xmlns:ns6="http://schemas.openxmlformats.org/drawingml/2006/chartDrawing" xmlns:dgm="http://schemas.openxmlformats.org/drawingml/2006/diagram" xmlns:pic="http://schemas.openxmlformats.org/drawingml/2006/picture" xmlns:wp="http://schemas.openxmlformats.org/drawingml/2006/wordprocessingDrawing" xmlns:xdr="http://schemas.openxmlformats.org/drawingml/2006/spreadsheetDrawing" xmlns:ns11="http://schemas.openxmlformats.org/drawingml/2006/compatibility" xmlns:ns12="http://schemas.openxmlformats.org/drawingml/2006/lockedCanvas" type="obj" preserve="true">
   <p:cSld name="Title and Content">
     <p:spTree>
       <p:nvGrpSpPr>
@@ -681,7 +681,7 @@
 </file>
 
 <file path=ppt/slideLayouts/slideLayout3.xml><?xml version="1.0" encoding="utf-8"?>
-<p:sldLayout xmlns:p="http://schemas.openxmlformats.org/presentationml/2006/main" xmlns:a="http://schemas.openxmlformats.org/drawingml/2006/main" xmlns:r="http://schemas.openxmlformats.org/officeDocument/2006/relationships" xmlns:mc="http://schemas.openxmlformats.org/markup-compatibility/2006" xmlns:c="http://schemas.openxmlformats.org/drawingml/2006/chart" xmlns:ns6="http://schemas.openxmlformats.org/drawingml/2006/chartDrawing" xmlns:dgm="http://schemas.openxmlformats.org/drawingml/2006/diagram" xmlns:pic="http://schemas.openxmlformats.org/drawingml/2006/picture" xmlns:wp="http://schemas.openxmlformats.org/drawingml/2006/wordprocessingDrawing" xmlns:xdr="http://schemas.openxmlformats.org/drawingml/2006/spreadsheetDrawing" xmlns:ns11="http://schemas.openxmlformats.org/drawingml/2006/compatibility" xmlns:ns12="http://schemas.openxmlformats.org/drawingml/2006/lockedCanvas" type="secHead" preserve="true">
+<p:sldLayout xmlns:p="http://schemas.openxmlformats.org/presentationml/2006/main" xmlns:r="http://schemas.openxmlformats.org/officeDocument/2006/relationships" xmlns:a="http://schemas.openxmlformats.org/drawingml/2006/main" xmlns:mc="http://schemas.openxmlformats.org/markup-compatibility/2006" xmlns:c="http://schemas.openxmlformats.org/drawingml/2006/chart" xmlns:ns6="http://schemas.openxmlformats.org/drawingml/2006/chartDrawing" xmlns:dgm="http://schemas.openxmlformats.org/drawingml/2006/diagram" xmlns:pic="http://schemas.openxmlformats.org/drawingml/2006/picture" xmlns:wp="http://schemas.openxmlformats.org/drawingml/2006/wordprocessingDrawing" xmlns:xdr="http://schemas.openxmlformats.org/drawingml/2006/spreadsheetDrawing" xmlns:ns11="http://schemas.openxmlformats.org/drawingml/2006/compatibility" xmlns:ns12="http://schemas.openxmlformats.org/drawingml/2006/lockedCanvas" type="secHead" preserve="true">
   <p:cSld name="Section Header">
     <p:spTree>
       <p:nvGrpSpPr>
@@ -934,7 +934,7 @@
 </file>
 
 <file path=ppt/slideLayouts/slideLayout4.xml><?xml version="1.0" encoding="utf-8"?>
-<p:sldLayout xmlns:p="http://schemas.openxmlformats.org/presentationml/2006/main" xmlns:a="http://schemas.openxmlformats.org/drawingml/2006/main" xmlns:r="http://schemas.openxmlformats.org/officeDocument/2006/relationships" xmlns:mc="http://schemas.openxmlformats.org/markup-compatibility/2006" xmlns:c="http://schemas.openxmlformats.org/drawingml/2006/chart" xmlns:ns6="http://schemas.openxmlformats.org/drawingml/2006/chartDrawing" xmlns:dgm="http://schemas.openxmlformats.org/drawingml/2006/diagram" xmlns:pic="http://schemas.openxmlformats.org/drawingml/2006/picture" xmlns:wp="http://schemas.openxmlformats.org/drawingml/2006/wordprocessingDrawing" xmlns:xdr="http://schemas.openxmlformats.org/drawingml/2006/spreadsheetDrawing" xmlns:ns11="http://schemas.openxmlformats.org/drawingml/2006/compatibility" xmlns:ns12="http://schemas.openxmlformats.org/drawingml/2006/lockedCanvas" type="twoObj" preserve="true">
+<p:sldLayout xmlns:p="http://schemas.openxmlformats.org/presentationml/2006/main" xmlns:r="http://schemas.openxmlformats.org/officeDocument/2006/relationships" xmlns:a="http://schemas.openxmlformats.org/drawingml/2006/main" xmlns:mc="http://schemas.openxmlformats.org/markup-compatibility/2006" xmlns:c="http://schemas.openxmlformats.org/drawingml/2006/chart" xmlns:ns6="http://schemas.openxmlformats.org/drawingml/2006/chartDrawing" xmlns:dgm="http://schemas.openxmlformats.org/drawingml/2006/diagram" xmlns:pic="http://schemas.openxmlformats.org/drawingml/2006/picture" xmlns:wp="http://schemas.openxmlformats.org/drawingml/2006/wordprocessingDrawing" xmlns:xdr="http://schemas.openxmlformats.org/drawingml/2006/spreadsheetDrawing" xmlns:ns11="http://schemas.openxmlformats.org/drawingml/2006/compatibility" xmlns:ns12="http://schemas.openxmlformats.org/drawingml/2006/lockedCanvas" type="twoObj" preserve="true">
   <p:cSld name="Two Content">
     <p:spTree>
       <p:nvGrpSpPr>
@@ -1173,7 +1173,7 @@
 </file>
 
 <file path=ppt/slideLayouts/slideLayout5.xml><?xml version="1.0" encoding="utf-8"?>
-<p:sldLayout xmlns:p="http://schemas.openxmlformats.org/presentationml/2006/main" xmlns:a="http://schemas.openxmlformats.org/drawingml/2006/main" xmlns:r="http://schemas.openxmlformats.org/officeDocument/2006/relationships" xmlns:mc="http://schemas.openxmlformats.org/markup-compatibility/2006" xmlns:c="http://schemas.openxmlformats.org/drawingml/2006/chart" xmlns:ns6="http://schemas.openxmlformats.org/drawingml/2006/chartDrawing" xmlns:dgm="http://schemas.openxmlformats.org/drawingml/2006/diagram" xmlns:pic="http://schemas.openxmlformats.org/drawingml/2006/picture" xmlns:wp="http://schemas.openxmlformats.org/drawingml/2006/wordprocessingDrawing" xmlns:xdr="http://schemas.openxmlformats.org/drawingml/2006/spreadsheetDrawing" xmlns:ns11="http://schemas.openxmlformats.org/drawingml/2006/compatibility" xmlns:ns12="http://schemas.openxmlformats.org/drawingml/2006/lockedCanvas" type="twoTxTwoObj" preserve="true">
+<p:sldLayout xmlns:p="http://schemas.openxmlformats.org/presentationml/2006/main" xmlns:r="http://schemas.openxmlformats.org/officeDocument/2006/relationships" xmlns:a="http://schemas.openxmlformats.org/drawingml/2006/main" xmlns:mc="http://schemas.openxmlformats.org/markup-compatibility/2006" xmlns:c="http://schemas.openxmlformats.org/drawingml/2006/chart" xmlns:ns6="http://schemas.openxmlformats.org/drawingml/2006/chartDrawing" xmlns:dgm="http://schemas.openxmlformats.org/drawingml/2006/diagram" xmlns:pic="http://schemas.openxmlformats.org/drawingml/2006/picture" xmlns:wp="http://schemas.openxmlformats.org/drawingml/2006/wordprocessingDrawing" xmlns:xdr="http://schemas.openxmlformats.org/drawingml/2006/spreadsheetDrawing" xmlns:ns11="http://schemas.openxmlformats.org/drawingml/2006/compatibility" xmlns:ns12="http://schemas.openxmlformats.org/drawingml/2006/lockedCanvas" type="twoTxTwoObj" preserve="true">
   <p:cSld name="Comparison">
     <p:spTree>
       <p:nvGrpSpPr>
@@ -1528,7 +1528,7 @@
 </file>
 
 <file path=ppt/slideLayouts/slideLayout6.xml><?xml version="1.0" encoding="utf-8"?>
-<p:sldLayout xmlns:p="http://schemas.openxmlformats.org/presentationml/2006/main" xmlns:a="http://schemas.openxmlformats.org/drawingml/2006/main" xmlns:r="http://schemas.openxmlformats.org/officeDocument/2006/relationships" xmlns:mc="http://schemas.openxmlformats.org/markup-compatibility/2006" xmlns:c="http://schemas.openxmlformats.org/drawingml/2006/chart" xmlns:ns6="http://schemas.openxmlformats.org/drawingml/2006/chartDrawing" xmlns:dgm="http://schemas.openxmlformats.org/drawingml/2006/diagram" xmlns:pic="http://schemas.openxmlformats.org/drawingml/2006/picture" xmlns:wp="http://schemas.openxmlformats.org/drawingml/2006/wordprocessingDrawing" xmlns:xdr="http://schemas.openxmlformats.org/drawingml/2006/spreadsheetDrawing" xmlns:ns11="http://schemas.openxmlformats.org/drawingml/2006/compatibility" xmlns:ns12="http://schemas.openxmlformats.org/drawingml/2006/lockedCanvas" type="titleOnly" preserve="true">
+<p:sldLayout xmlns:p="http://schemas.openxmlformats.org/presentationml/2006/main" xmlns:r="http://schemas.openxmlformats.org/officeDocument/2006/relationships" xmlns:a="http://schemas.openxmlformats.org/drawingml/2006/main" xmlns:mc="http://schemas.openxmlformats.org/markup-compatibility/2006" xmlns:c="http://schemas.openxmlformats.org/drawingml/2006/chart" xmlns:ns6="http://schemas.openxmlformats.org/drawingml/2006/chartDrawing" xmlns:dgm="http://schemas.openxmlformats.org/drawingml/2006/diagram" xmlns:pic="http://schemas.openxmlformats.org/drawingml/2006/picture" xmlns:wp="http://schemas.openxmlformats.org/drawingml/2006/wordprocessingDrawing" xmlns:xdr="http://schemas.openxmlformats.org/drawingml/2006/spreadsheetDrawing" xmlns:ns11="http://schemas.openxmlformats.org/drawingml/2006/compatibility" xmlns:ns12="http://schemas.openxmlformats.org/drawingml/2006/lockedCanvas" type="titleOnly" preserve="true">
   <p:cSld name="Title Only">
     <p:spTree>
       <p:nvGrpSpPr>
@@ -1653,7 +1653,7 @@
 </file>
 
 <file path=ppt/slideLayouts/slideLayout7.xml><?xml version="1.0" encoding="utf-8"?>
-<p:sldLayout xmlns:p="http://schemas.openxmlformats.org/presentationml/2006/main" xmlns:a="http://schemas.openxmlformats.org/drawingml/2006/main" xmlns:r="http://schemas.openxmlformats.org/officeDocument/2006/relationships" xmlns:mc="http://schemas.openxmlformats.org/markup-compatibility/2006" xmlns:c="http://schemas.openxmlformats.org/drawingml/2006/chart" xmlns:ns6="http://schemas.openxmlformats.org/drawingml/2006/chartDrawing" xmlns:dgm="http://schemas.openxmlformats.org/drawingml/2006/diagram" xmlns:pic="http://schemas.openxmlformats.org/drawingml/2006/picture" xmlns:wp="http://schemas.openxmlformats.org/drawingml/2006/wordprocessingDrawing" xmlns:xdr="http://schemas.openxmlformats.org/drawingml/2006/spreadsheetDrawing" xmlns:ns11="http://schemas.openxmlformats.org/drawingml/2006/compatibility" xmlns:ns12="http://schemas.openxmlformats.org/drawingml/2006/lockedCanvas" type="blank" preserve="true">
+<p:sldLayout xmlns:p="http://schemas.openxmlformats.org/presentationml/2006/main" xmlns:r="http://schemas.openxmlformats.org/officeDocument/2006/relationships" xmlns:a="http://schemas.openxmlformats.org/drawingml/2006/main" xmlns:mc="http://schemas.openxmlformats.org/markup-compatibility/2006" xmlns:c="http://schemas.openxmlformats.org/drawingml/2006/chart" xmlns:ns6="http://schemas.openxmlformats.org/drawingml/2006/chartDrawing" xmlns:dgm="http://schemas.openxmlformats.org/drawingml/2006/diagram" xmlns:pic="http://schemas.openxmlformats.org/drawingml/2006/picture" xmlns:wp="http://schemas.openxmlformats.org/drawingml/2006/wordprocessingDrawing" xmlns:xdr="http://schemas.openxmlformats.org/drawingml/2006/spreadsheetDrawing" xmlns:ns11="http://schemas.openxmlformats.org/drawingml/2006/compatibility" xmlns:ns12="http://schemas.openxmlformats.org/drawingml/2006/lockedCanvas" type="blank" preserve="true">
   <p:cSld name="Blank">
     <p:spTree>
       <p:nvGrpSpPr>
@@ -1755,7 +1755,7 @@
 </file>
 
 <file path=ppt/slideLayouts/slideLayout8.xml><?xml version="1.0" encoding="utf-8"?>
-<p:sldLayout xmlns:p="http://schemas.openxmlformats.org/presentationml/2006/main" xmlns:a="http://schemas.openxmlformats.org/drawingml/2006/main" xmlns:r="http://schemas.openxmlformats.org/officeDocument/2006/relationships" xmlns:mc="http://schemas.openxmlformats.org/markup-compatibility/2006" xmlns:c="http://schemas.openxmlformats.org/drawingml/2006/chart" xmlns:ns6="http://schemas.openxmlformats.org/drawingml/2006/chartDrawing" xmlns:dgm="http://schemas.openxmlformats.org/drawingml/2006/diagram" xmlns:pic="http://schemas.openxmlformats.org/drawingml/2006/picture" xmlns:wp="http://schemas.openxmlformats.org/drawingml/2006/wordprocessingDrawing" xmlns:xdr="http://schemas.openxmlformats.org/drawingml/2006/spreadsheetDrawing" xmlns:ns11="http://schemas.openxmlformats.org/drawingml/2006/compatibility" xmlns:ns12="http://schemas.openxmlformats.org/drawingml/2006/lockedCanvas" type="objTx" preserve="true">
+<p:sldLayout xmlns:p="http://schemas.openxmlformats.org/presentationml/2006/main" xmlns:r="http://schemas.openxmlformats.org/officeDocument/2006/relationships" xmlns:a="http://schemas.openxmlformats.org/drawingml/2006/main" xmlns:mc="http://schemas.openxmlformats.org/markup-compatibility/2006" xmlns:c="http://schemas.openxmlformats.org/drawingml/2006/chart" xmlns:ns6="http://schemas.openxmlformats.org/drawingml/2006/chartDrawing" xmlns:dgm="http://schemas.openxmlformats.org/drawingml/2006/diagram" xmlns:pic="http://schemas.openxmlformats.org/drawingml/2006/picture" xmlns:wp="http://schemas.openxmlformats.org/drawingml/2006/wordprocessingDrawing" xmlns:xdr="http://schemas.openxmlformats.org/drawingml/2006/spreadsheetDrawing" xmlns:ns11="http://schemas.openxmlformats.org/drawingml/2006/compatibility" xmlns:ns12="http://schemas.openxmlformats.org/drawingml/2006/lockedCanvas" type="objTx" preserve="true">
   <p:cSld name="Content with Caption">
     <p:spTree>
       <p:nvGrpSpPr>
@@ -2039,7 +2039,7 @@
 </file>
 
 <file path=ppt/slideLayouts/slideLayout9.xml><?xml version="1.0" encoding="utf-8"?>
-<p:sldLayout xmlns:p="http://schemas.openxmlformats.org/presentationml/2006/main" xmlns:a="http://schemas.openxmlformats.org/drawingml/2006/main" xmlns:r="http://schemas.openxmlformats.org/officeDocument/2006/relationships" xmlns:mc="http://schemas.openxmlformats.org/markup-compatibility/2006" xmlns:c="http://schemas.openxmlformats.org/drawingml/2006/chart" xmlns:ns6="http://schemas.openxmlformats.org/drawingml/2006/chartDrawing" xmlns:dgm="http://schemas.openxmlformats.org/drawingml/2006/diagram" xmlns:pic="http://schemas.openxmlformats.org/drawingml/2006/picture" xmlns:wp="http://schemas.openxmlformats.org/drawingml/2006/wordprocessingDrawing" xmlns:xdr="http://schemas.openxmlformats.org/drawingml/2006/spreadsheetDrawing" xmlns:ns11="http://schemas.openxmlformats.org/drawingml/2006/compatibility" xmlns:ns12="http://schemas.openxmlformats.org/drawingml/2006/lockedCanvas" type="vertTx" preserve="true">
+<p:sldLayout xmlns:p="http://schemas.openxmlformats.org/presentationml/2006/main" xmlns:r="http://schemas.openxmlformats.org/officeDocument/2006/relationships" xmlns:a="http://schemas.openxmlformats.org/drawingml/2006/main" xmlns:mc="http://schemas.openxmlformats.org/markup-compatibility/2006" xmlns:c="http://schemas.openxmlformats.org/drawingml/2006/chart" xmlns:ns6="http://schemas.openxmlformats.org/drawingml/2006/chartDrawing" xmlns:dgm="http://schemas.openxmlformats.org/drawingml/2006/diagram" xmlns:pic="http://schemas.openxmlformats.org/drawingml/2006/picture" xmlns:wp="http://schemas.openxmlformats.org/drawingml/2006/wordprocessingDrawing" xmlns:xdr="http://schemas.openxmlformats.org/drawingml/2006/spreadsheetDrawing" xmlns:ns11="http://schemas.openxmlformats.org/drawingml/2006/compatibility" xmlns:ns12="http://schemas.openxmlformats.org/drawingml/2006/lockedCanvas" type="vertTx" preserve="true">
   <p:cSld name="Title and Vertical Text">
     <p:spTree>
       <p:nvGrpSpPr>
@@ -2216,7 +2216,7 @@
 </file>
 
 <file path=ppt/slideMasters/slideMaster1.xml><?xml version="1.0" encoding="utf-8"?>
-<p:sldMaster xmlns:p="http://schemas.openxmlformats.org/presentationml/2006/main" xmlns:a="http://schemas.openxmlformats.org/drawingml/2006/main" xmlns:r="http://schemas.openxmlformats.org/officeDocument/2006/relationships" xmlns:mc="http://schemas.openxmlformats.org/markup-compatibility/2006" xmlns:c="http://schemas.openxmlformats.org/drawingml/2006/chart" xmlns:ns6="http://schemas.openxmlformats.org/drawingml/2006/chartDrawing" xmlns:dgm="http://schemas.openxmlformats.org/drawingml/2006/diagram" xmlns:pic="http://schemas.openxmlformats.org/drawingml/2006/picture" xmlns:wp="http://schemas.openxmlformats.org/drawingml/2006/wordprocessingDrawing" xmlns:xdr="http://schemas.openxmlformats.org/drawingml/2006/spreadsheetDrawing" xmlns:ns11="http://schemas.openxmlformats.org/drawingml/2006/compatibility" xmlns:ns12="http://schemas.openxmlformats.org/drawingml/2006/lockedCanvas">
+<p:sldMaster xmlns:p="http://schemas.openxmlformats.org/presentationml/2006/main" xmlns:r="http://schemas.openxmlformats.org/officeDocument/2006/relationships" xmlns:a="http://schemas.openxmlformats.org/drawingml/2006/main" xmlns:mc="http://schemas.openxmlformats.org/markup-compatibility/2006" xmlns:c="http://schemas.openxmlformats.org/drawingml/2006/chart" xmlns:ns6="http://schemas.openxmlformats.org/drawingml/2006/chartDrawing" xmlns:dgm="http://schemas.openxmlformats.org/drawingml/2006/diagram" xmlns:pic="http://schemas.openxmlformats.org/drawingml/2006/picture" xmlns:wp="http://schemas.openxmlformats.org/drawingml/2006/wordprocessingDrawing" xmlns:xdr="http://schemas.openxmlformats.org/drawingml/2006/spreadsheetDrawing" xmlns:ns11="http://schemas.openxmlformats.org/drawingml/2006/compatibility" xmlns:ns12="http://schemas.openxmlformats.org/drawingml/2006/lockedCanvas">
   <p:cSld>
     <p:bg>
       <p:bgRef idx="1001">
@@ -2762,7 +2762,7 @@
 </file>
 
 <file path=ppt/slides/slide1.xml><?xml version="1.0" encoding="utf-8"?>
-<p:sld xmlns:p="http://schemas.openxmlformats.org/presentationml/2006/main" xmlns:a="http://schemas.openxmlformats.org/drawingml/2006/main" xmlns:r="http://schemas.openxmlformats.org/officeDocument/2006/relationships" xmlns:mc="http://schemas.openxmlformats.org/markup-compatibility/2006" xmlns:c="http://schemas.openxmlformats.org/drawingml/2006/chart" xmlns:ns6="http://schemas.openxmlformats.org/drawingml/2006/chartDrawing" xmlns:dgm="http://schemas.openxmlformats.org/drawingml/2006/diagram" xmlns:pic="http://schemas.openxmlformats.org/drawingml/2006/picture" xmlns:wp="http://schemas.openxmlformats.org/drawingml/2006/wordprocessingDrawing" xmlns:xdr="http://schemas.openxmlformats.org/drawingml/2006/spreadsheetDrawing" xmlns:ns11="http://schemas.openxmlformats.org/drawingml/2006/compatibility" xmlns:ns12="http://schemas.openxmlformats.org/drawingml/2006/lockedCanvas">
+<p:sld xmlns:p="http://schemas.openxmlformats.org/presentationml/2006/main" xmlns:r="http://schemas.openxmlformats.org/officeDocument/2006/relationships" xmlns:a="http://schemas.openxmlformats.org/drawingml/2006/main" xmlns:mc="http://schemas.openxmlformats.org/markup-compatibility/2006" xmlns:c="http://schemas.openxmlformats.org/drawingml/2006/chart" xmlns:ns6="http://schemas.openxmlformats.org/drawingml/2006/chartDrawing" xmlns:dgm="http://schemas.openxmlformats.org/drawingml/2006/diagram" xmlns:pic="http://schemas.openxmlformats.org/drawingml/2006/picture" xmlns:wp="http://schemas.openxmlformats.org/drawingml/2006/wordprocessingDrawing" xmlns:xdr="http://schemas.openxmlformats.org/drawingml/2006/spreadsheetDrawing" xmlns:ns11="http://schemas.openxmlformats.org/drawingml/2006/compatibility" xmlns:ns12="http://schemas.openxmlformats.org/drawingml/2006/lockedCanvas">
   <p:cSld>
     <p:spTree>
       <p:nvGrpSpPr>

--- a/reference/ex_plot.pptx
+++ b/reference/ex_plot.pptx
@@ -1,11 +1,11 @@
 
 <file path=ppt/presentation.xml><?xml version="1.0" encoding="utf-8"?>
-<p:presentation xmlns:p="http://schemas.openxmlformats.org/presentationml/2006/main" xmlns:r="http://schemas.openxmlformats.org/officeDocument/2006/relationships" xmlns:a="http://schemas.openxmlformats.org/drawingml/2006/main" xmlns:mc="http://schemas.openxmlformats.org/markup-compatibility/2006" xmlns:c="http://schemas.openxmlformats.org/drawingml/2006/chart" xmlns:ns6="http://schemas.openxmlformats.org/drawingml/2006/chartDrawing" xmlns:dgm="http://schemas.openxmlformats.org/drawingml/2006/diagram" xmlns:pic="http://schemas.openxmlformats.org/drawingml/2006/picture" xmlns:wp="http://schemas.openxmlformats.org/drawingml/2006/wordprocessingDrawing" xmlns:xdr="http://schemas.openxmlformats.org/drawingml/2006/spreadsheetDrawing" xmlns:ns11="http://schemas.openxmlformats.org/drawingml/2006/compatibility" xmlns:ns12="http://schemas.openxmlformats.org/drawingml/2006/lockedCanvas" saveSubsetFonts="true">
+<p:presentation xmlns:p="http://schemas.openxmlformats.org/presentationml/2006/main" xmlns:a="http://schemas.openxmlformats.org/drawingml/2006/main" xmlns:r="http://schemas.openxmlformats.org/officeDocument/2006/relationships" xmlns:mc="http://schemas.openxmlformats.org/markup-compatibility/2006" xmlns:c="http://schemas.openxmlformats.org/drawingml/2006/chart" xmlns:ns6="http://schemas.openxmlformats.org/drawingml/2006/chartDrawing" xmlns:dgm="http://schemas.openxmlformats.org/drawingml/2006/diagram" xmlns:pic="http://schemas.openxmlformats.org/drawingml/2006/picture" xmlns:wp="http://schemas.openxmlformats.org/drawingml/2006/wordprocessingDrawing" xmlns:xdr="http://schemas.openxmlformats.org/drawingml/2006/spreadsheetDrawing" xmlns:ns11="http://schemas.openxmlformats.org/drawingml/2006/compatibility" xmlns:ns12="http://schemas.openxmlformats.org/drawingml/2006/lockedCanvas" saveSubsetFonts="true">
   <p:sldMasterIdLst>
     <p:sldMasterId id="2147483648" r:id="rId1"/>
   </p:sldMasterIdLst>
   <p:sldIdLst>
-    <p:sldId id="1500998022" r:id="rId6"/>
+    <p:sldId id="1916114158" r:id="rId6"/>
   </p:sldIdLst>
   <p:sldSz cx="12192000" cy="6858000"/>
   <p:notesSz cx="6858000" cy="9144000"/>
@@ -113,7 +113,7 @@
 </file>
 
 <file path=ppt/slideLayouts/slideLayout1.xml><?xml version="1.0" encoding="utf-8"?>
-<p:sldLayout xmlns:p="http://schemas.openxmlformats.org/presentationml/2006/main" xmlns:r="http://schemas.openxmlformats.org/officeDocument/2006/relationships" xmlns:a="http://schemas.openxmlformats.org/drawingml/2006/main" xmlns:mc="http://schemas.openxmlformats.org/markup-compatibility/2006" xmlns:c="http://schemas.openxmlformats.org/drawingml/2006/chart" xmlns:ns6="http://schemas.openxmlformats.org/drawingml/2006/chartDrawing" xmlns:dgm="http://schemas.openxmlformats.org/drawingml/2006/diagram" xmlns:pic="http://schemas.openxmlformats.org/drawingml/2006/picture" xmlns:wp="http://schemas.openxmlformats.org/drawingml/2006/wordprocessingDrawing" xmlns:xdr="http://schemas.openxmlformats.org/drawingml/2006/spreadsheetDrawing" xmlns:ns11="http://schemas.openxmlformats.org/drawingml/2006/compatibility" xmlns:ns12="http://schemas.openxmlformats.org/drawingml/2006/lockedCanvas" type="title" preserve="true">
+<p:sldLayout xmlns:p="http://schemas.openxmlformats.org/presentationml/2006/main" xmlns:a="http://schemas.openxmlformats.org/drawingml/2006/main" xmlns:r="http://schemas.openxmlformats.org/officeDocument/2006/relationships" xmlns:mc="http://schemas.openxmlformats.org/markup-compatibility/2006" xmlns:c="http://schemas.openxmlformats.org/drawingml/2006/chart" xmlns:ns6="http://schemas.openxmlformats.org/drawingml/2006/chartDrawing" xmlns:dgm="http://schemas.openxmlformats.org/drawingml/2006/diagram" xmlns:pic="http://schemas.openxmlformats.org/drawingml/2006/picture" xmlns:wp="http://schemas.openxmlformats.org/drawingml/2006/wordprocessingDrawing" xmlns:xdr="http://schemas.openxmlformats.org/drawingml/2006/spreadsheetDrawing" xmlns:ns11="http://schemas.openxmlformats.org/drawingml/2006/compatibility" xmlns:ns12="http://schemas.openxmlformats.org/drawingml/2006/lockedCanvas" type="title" preserve="true">
   <p:cSld name="Title Slide">
     <p:spTree>
       <p:nvGrpSpPr>
@@ -312,7 +312,7 @@
 </file>
 
 <file path=ppt/slideLayouts/slideLayout10.xml><?xml version="1.0" encoding="utf-8"?>
-<p:sldLayout xmlns:p="http://schemas.openxmlformats.org/presentationml/2006/main" xmlns:r="http://schemas.openxmlformats.org/officeDocument/2006/relationships" xmlns:a="http://schemas.openxmlformats.org/drawingml/2006/main" xmlns:mc="http://schemas.openxmlformats.org/markup-compatibility/2006" xmlns:c="http://schemas.openxmlformats.org/drawingml/2006/chart" xmlns:ns6="http://schemas.openxmlformats.org/drawingml/2006/chartDrawing" xmlns:dgm="http://schemas.openxmlformats.org/drawingml/2006/diagram" xmlns:pic="http://schemas.openxmlformats.org/drawingml/2006/picture" xmlns:wp="http://schemas.openxmlformats.org/drawingml/2006/wordprocessingDrawing" xmlns:xdr="http://schemas.openxmlformats.org/drawingml/2006/spreadsheetDrawing" xmlns:ns11="http://schemas.openxmlformats.org/drawingml/2006/compatibility" xmlns:ns12="http://schemas.openxmlformats.org/drawingml/2006/lockedCanvas" type="vertTitleAndTx" preserve="true">
+<p:sldLayout xmlns:p="http://schemas.openxmlformats.org/presentationml/2006/main" xmlns:a="http://schemas.openxmlformats.org/drawingml/2006/main" xmlns:r="http://schemas.openxmlformats.org/officeDocument/2006/relationships" xmlns:mc="http://schemas.openxmlformats.org/markup-compatibility/2006" xmlns:c="http://schemas.openxmlformats.org/drawingml/2006/chart" xmlns:ns6="http://schemas.openxmlformats.org/drawingml/2006/chartDrawing" xmlns:dgm="http://schemas.openxmlformats.org/drawingml/2006/diagram" xmlns:pic="http://schemas.openxmlformats.org/drawingml/2006/picture" xmlns:wp="http://schemas.openxmlformats.org/drawingml/2006/wordprocessingDrawing" xmlns:xdr="http://schemas.openxmlformats.org/drawingml/2006/spreadsheetDrawing" xmlns:ns11="http://schemas.openxmlformats.org/drawingml/2006/compatibility" xmlns:ns12="http://schemas.openxmlformats.org/drawingml/2006/lockedCanvas" type="vertTitleAndTx" preserve="true">
   <p:cSld name="Vertical Title and Text">
     <p:spTree>
       <p:nvGrpSpPr>
@@ -499,7 +499,7 @@
 </file>
 
 <file path=ppt/slideLayouts/slideLayout2.xml><?xml version="1.0" encoding="utf-8"?>
-<p:sldLayout xmlns:p="http://schemas.openxmlformats.org/presentationml/2006/main" xmlns:r="http://schemas.openxmlformats.org/officeDocument/2006/relationships" xmlns:a="http://schemas.openxmlformats.org/drawingml/2006/main" xmlns:mc="http://schemas.openxmlformats.org/markup-compatibility/2006" xmlns:c="http://schemas.openxmlformats.org/drawingml/2006/chart" xmlns:ns6="http://schemas.openxmlformats.org/drawingml/2006/chartDrawing" xmlns:dgm="http://schemas.openxmlformats.org/drawingml/2006/diagram" xmlns:pic="http://schemas.openxmlformats.org/drawingml/2006/picture" xmlns:wp="http://schemas.openxmlformats.org/drawingml/2006/wordprocessingDrawing" xmlns:xdr="http://schemas.openxmlformats.org/drawingml/2006/spreadsheetDrawing" xmlns:ns11="http://schemas.openxmlformats.org/drawingml/2006/compatibility" xmlns:ns12="http://schemas.openxmlformats.org/drawingml/2006/lockedCanvas" type="obj" preserve="true">
+<p:sldLayout xmlns:p="http://schemas.openxmlformats.org/presentationml/2006/main" xmlns:a="http://schemas.openxmlformats.org/drawingml/2006/main" xmlns:r="http://schemas.openxmlformats.org/officeDocument/2006/relationships" xmlns:mc="http://schemas.openxmlformats.org/markup-compatibility/2006" xmlns:c="http://schemas.openxmlformats.org/drawingml/2006/chart" xmlns:ns6="http://schemas.openxmlformats.org/drawingml/2006/chartDrawing" xmlns:dgm="http://schemas.openxmlformats.org/drawingml/2006/diagram" xmlns:pic="http://schemas.openxmlformats.org/drawingml/2006/picture" xmlns:wp="http://schemas.openxmlformats.org/drawingml/2006/wordprocessingDrawing" xmlns:xdr="http://schemas.openxmlformats.org/drawingml/2006/spreadsheetDrawing" xmlns:ns11="http://schemas.openxmlformats.org/drawingml/2006/compatibility" xmlns:ns12="http://schemas.openxmlformats.org/drawingml/2006/lockedCanvas" type="obj" preserve="true">
   <p:cSld name="Title and Content">
     <p:spTree>
       <p:nvGrpSpPr>
@@ -681,7 +681,7 @@
 </file>
 
 <file path=ppt/slideLayouts/slideLayout3.xml><?xml version="1.0" encoding="utf-8"?>
-<p:sldLayout xmlns:p="http://schemas.openxmlformats.org/presentationml/2006/main" xmlns:r="http://schemas.openxmlformats.org/officeDocument/2006/relationships" xmlns:a="http://schemas.openxmlformats.org/drawingml/2006/main" xmlns:mc="http://schemas.openxmlformats.org/markup-compatibility/2006" xmlns:c="http://schemas.openxmlformats.org/drawingml/2006/chart" xmlns:ns6="http://schemas.openxmlformats.org/drawingml/2006/chartDrawing" xmlns:dgm="http://schemas.openxmlformats.org/drawingml/2006/diagram" xmlns:pic="http://schemas.openxmlformats.org/drawingml/2006/picture" xmlns:wp="http://schemas.openxmlformats.org/drawingml/2006/wordprocessingDrawing" xmlns:xdr="http://schemas.openxmlformats.org/drawingml/2006/spreadsheetDrawing" xmlns:ns11="http://schemas.openxmlformats.org/drawingml/2006/compatibility" xmlns:ns12="http://schemas.openxmlformats.org/drawingml/2006/lockedCanvas" type="secHead" preserve="true">
+<p:sldLayout xmlns:p="http://schemas.openxmlformats.org/presentationml/2006/main" xmlns:a="http://schemas.openxmlformats.org/drawingml/2006/main" xmlns:r="http://schemas.openxmlformats.org/officeDocument/2006/relationships" xmlns:mc="http://schemas.openxmlformats.org/markup-compatibility/2006" xmlns:c="http://schemas.openxmlformats.org/drawingml/2006/chart" xmlns:ns6="http://schemas.openxmlformats.org/drawingml/2006/chartDrawing" xmlns:dgm="http://schemas.openxmlformats.org/drawingml/2006/diagram" xmlns:pic="http://schemas.openxmlformats.org/drawingml/2006/picture" xmlns:wp="http://schemas.openxmlformats.org/drawingml/2006/wordprocessingDrawing" xmlns:xdr="http://schemas.openxmlformats.org/drawingml/2006/spreadsheetDrawing" xmlns:ns11="http://schemas.openxmlformats.org/drawingml/2006/compatibility" xmlns:ns12="http://schemas.openxmlformats.org/drawingml/2006/lockedCanvas" type="secHead" preserve="true">
   <p:cSld name="Section Header">
     <p:spTree>
       <p:nvGrpSpPr>
@@ -934,7 +934,7 @@
 </file>
 
 <file path=ppt/slideLayouts/slideLayout4.xml><?xml version="1.0" encoding="utf-8"?>
-<p:sldLayout xmlns:p="http://schemas.openxmlformats.org/presentationml/2006/main" xmlns:r="http://schemas.openxmlformats.org/officeDocument/2006/relationships" xmlns:a="http://schemas.openxmlformats.org/drawingml/2006/main" xmlns:mc="http://schemas.openxmlformats.org/markup-compatibility/2006" xmlns:c="http://schemas.openxmlformats.org/drawingml/2006/chart" xmlns:ns6="http://schemas.openxmlformats.org/drawingml/2006/chartDrawing" xmlns:dgm="http://schemas.openxmlformats.org/drawingml/2006/diagram" xmlns:pic="http://schemas.openxmlformats.org/drawingml/2006/picture" xmlns:wp="http://schemas.openxmlformats.org/drawingml/2006/wordprocessingDrawing" xmlns:xdr="http://schemas.openxmlformats.org/drawingml/2006/spreadsheetDrawing" xmlns:ns11="http://schemas.openxmlformats.org/drawingml/2006/compatibility" xmlns:ns12="http://schemas.openxmlformats.org/drawingml/2006/lockedCanvas" type="twoObj" preserve="true">
+<p:sldLayout xmlns:p="http://schemas.openxmlformats.org/presentationml/2006/main" xmlns:a="http://schemas.openxmlformats.org/drawingml/2006/main" xmlns:r="http://schemas.openxmlformats.org/officeDocument/2006/relationships" xmlns:mc="http://schemas.openxmlformats.org/markup-compatibility/2006" xmlns:c="http://schemas.openxmlformats.org/drawingml/2006/chart" xmlns:ns6="http://schemas.openxmlformats.org/drawingml/2006/chartDrawing" xmlns:dgm="http://schemas.openxmlformats.org/drawingml/2006/diagram" xmlns:pic="http://schemas.openxmlformats.org/drawingml/2006/picture" xmlns:wp="http://schemas.openxmlformats.org/drawingml/2006/wordprocessingDrawing" xmlns:xdr="http://schemas.openxmlformats.org/drawingml/2006/spreadsheetDrawing" xmlns:ns11="http://schemas.openxmlformats.org/drawingml/2006/compatibility" xmlns:ns12="http://schemas.openxmlformats.org/drawingml/2006/lockedCanvas" type="twoObj" preserve="true">
   <p:cSld name="Two Content">
     <p:spTree>
       <p:nvGrpSpPr>
@@ -1173,7 +1173,7 @@
 </file>
 
 <file path=ppt/slideLayouts/slideLayout5.xml><?xml version="1.0" encoding="utf-8"?>
-<p:sldLayout xmlns:p="http://schemas.openxmlformats.org/presentationml/2006/main" xmlns:r="http://schemas.openxmlformats.org/officeDocument/2006/relationships" xmlns:a="http://schemas.openxmlformats.org/drawingml/2006/main" xmlns:mc="http://schemas.openxmlformats.org/markup-compatibility/2006" xmlns:c="http://schemas.openxmlformats.org/drawingml/2006/chart" xmlns:ns6="http://schemas.openxmlformats.org/drawingml/2006/chartDrawing" xmlns:dgm="http://schemas.openxmlformats.org/drawingml/2006/diagram" xmlns:pic="http://schemas.openxmlformats.org/drawingml/2006/picture" xmlns:wp="http://schemas.openxmlformats.org/drawingml/2006/wordprocessingDrawing" xmlns:xdr="http://schemas.openxmlformats.org/drawingml/2006/spreadsheetDrawing" xmlns:ns11="http://schemas.openxmlformats.org/drawingml/2006/compatibility" xmlns:ns12="http://schemas.openxmlformats.org/drawingml/2006/lockedCanvas" type="twoTxTwoObj" preserve="true">
+<p:sldLayout xmlns:p="http://schemas.openxmlformats.org/presentationml/2006/main" xmlns:a="http://schemas.openxmlformats.org/drawingml/2006/main" xmlns:r="http://schemas.openxmlformats.org/officeDocument/2006/relationships" xmlns:mc="http://schemas.openxmlformats.org/markup-compatibility/2006" xmlns:c="http://schemas.openxmlformats.org/drawingml/2006/chart" xmlns:ns6="http://schemas.openxmlformats.org/drawingml/2006/chartDrawing" xmlns:dgm="http://schemas.openxmlformats.org/drawingml/2006/diagram" xmlns:pic="http://schemas.openxmlformats.org/drawingml/2006/picture" xmlns:wp="http://schemas.openxmlformats.org/drawingml/2006/wordprocessingDrawing" xmlns:xdr="http://schemas.openxmlformats.org/drawingml/2006/spreadsheetDrawing" xmlns:ns11="http://schemas.openxmlformats.org/drawingml/2006/compatibility" xmlns:ns12="http://schemas.openxmlformats.org/drawingml/2006/lockedCanvas" type="twoTxTwoObj" preserve="true">
   <p:cSld name="Comparison">
     <p:spTree>
       <p:nvGrpSpPr>
@@ -1528,7 +1528,7 @@
 </file>
 
 <file path=ppt/slideLayouts/slideLayout6.xml><?xml version="1.0" encoding="utf-8"?>
-<p:sldLayout xmlns:p="http://schemas.openxmlformats.org/presentationml/2006/main" xmlns:r="http://schemas.openxmlformats.org/officeDocument/2006/relationships" xmlns:a="http://schemas.openxmlformats.org/drawingml/2006/main" xmlns:mc="http://schemas.openxmlformats.org/markup-compatibility/2006" xmlns:c="http://schemas.openxmlformats.org/drawingml/2006/chart" xmlns:ns6="http://schemas.openxmlformats.org/drawingml/2006/chartDrawing" xmlns:dgm="http://schemas.openxmlformats.org/drawingml/2006/diagram" xmlns:pic="http://schemas.openxmlformats.org/drawingml/2006/picture" xmlns:wp="http://schemas.openxmlformats.org/drawingml/2006/wordprocessingDrawing" xmlns:xdr="http://schemas.openxmlformats.org/drawingml/2006/spreadsheetDrawing" xmlns:ns11="http://schemas.openxmlformats.org/drawingml/2006/compatibility" xmlns:ns12="http://schemas.openxmlformats.org/drawingml/2006/lockedCanvas" type="titleOnly" preserve="true">
+<p:sldLayout xmlns:p="http://schemas.openxmlformats.org/presentationml/2006/main" xmlns:a="http://schemas.openxmlformats.org/drawingml/2006/main" xmlns:r="http://schemas.openxmlformats.org/officeDocument/2006/relationships" xmlns:mc="http://schemas.openxmlformats.org/markup-compatibility/2006" xmlns:c="http://schemas.openxmlformats.org/drawingml/2006/chart" xmlns:ns6="http://schemas.openxmlformats.org/drawingml/2006/chartDrawing" xmlns:dgm="http://schemas.openxmlformats.org/drawingml/2006/diagram" xmlns:pic="http://schemas.openxmlformats.org/drawingml/2006/picture" xmlns:wp="http://schemas.openxmlformats.org/drawingml/2006/wordprocessingDrawing" xmlns:xdr="http://schemas.openxmlformats.org/drawingml/2006/spreadsheetDrawing" xmlns:ns11="http://schemas.openxmlformats.org/drawingml/2006/compatibility" xmlns:ns12="http://schemas.openxmlformats.org/drawingml/2006/lockedCanvas" type="titleOnly" preserve="true">
   <p:cSld name="Title Only">
     <p:spTree>
       <p:nvGrpSpPr>
@@ -1653,7 +1653,7 @@
 </file>
 
 <file path=ppt/slideLayouts/slideLayout7.xml><?xml version="1.0" encoding="utf-8"?>
-<p:sldLayout xmlns:p="http://schemas.openxmlformats.org/presentationml/2006/main" xmlns:r="http://schemas.openxmlformats.org/officeDocument/2006/relationships" xmlns:a="http://schemas.openxmlformats.org/drawingml/2006/main" xmlns:mc="http://schemas.openxmlformats.org/markup-compatibility/2006" xmlns:c="http://schemas.openxmlformats.org/drawingml/2006/chart" xmlns:ns6="http://schemas.openxmlformats.org/drawingml/2006/chartDrawing" xmlns:dgm="http://schemas.openxmlformats.org/drawingml/2006/diagram" xmlns:pic="http://schemas.openxmlformats.org/drawingml/2006/picture" xmlns:wp="http://schemas.openxmlformats.org/drawingml/2006/wordprocessingDrawing" xmlns:xdr="http://schemas.openxmlformats.org/drawingml/2006/spreadsheetDrawing" xmlns:ns11="http://schemas.openxmlformats.org/drawingml/2006/compatibility" xmlns:ns12="http://schemas.openxmlformats.org/drawingml/2006/lockedCanvas" type="blank" preserve="true">
+<p:sldLayout xmlns:p="http://schemas.openxmlformats.org/presentationml/2006/main" xmlns:a="http://schemas.openxmlformats.org/drawingml/2006/main" xmlns:r="http://schemas.openxmlformats.org/officeDocument/2006/relationships" xmlns:mc="http://schemas.openxmlformats.org/markup-compatibility/2006" xmlns:c="http://schemas.openxmlformats.org/drawingml/2006/chart" xmlns:ns6="http://schemas.openxmlformats.org/drawingml/2006/chartDrawing" xmlns:dgm="http://schemas.openxmlformats.org/drawingml/2006/diagram" xmlns:pic="http://schemas.openxmlformats.org/drawingml/2006/picture" xmlns:wp="http://schemas.openxmlformats.org/drawingml/2006/wordprocessingDrawing" xmlns:xdr="http://schemas.openxmlformats.org/drawingml/2006/spreadsheetDrawing" xmlns:ns11="http://schemas.openxmlformats.org/drawingml/2006/compatibility" xmlns:ns12="http://schemas.openxmlformats.org/drawingml/2006/lockedCanvas" type="blank" preserve="true">
   <p:cSld name="Blank">
     <p:spTree>
       <p:nvGrpSpPr>
@@ -1755,7 +1755,7 @@
 </file>
 
 <file path=ppt/slideLayouts/slideLayout8.xml><?xml version="1.0" encoding="utf-8"?>
-<p:sldLayout xmlns:p="http://schemas.openxmlformats.org/presentationml/2006/main" xmlns:r="http://schemas.openxmlformats.org/officeDocument/2006/relationships" xmlns:a="http://schemas.openxmlformats.org/drawingml/2006/main" xmlns:mc="http://schemas.openxmlformats.org/markup-compatibility/2006" xmlns:c="http://schemas.openxmlformats.org/drawingml/2006/chart" xmlns:ns6="http://schemas.openxmlformats.org/drawingml/2006/chartDrawing" xmlns:dgm="http://schemas.openxmlformats.org/drawingml/2006/diagram" xmlns:pic="http://schemas.openxmlformats.org/drawingml/2006/picture" xmlns:wp="http://schemas.openxmlformats.org/drawingml/2006/wordprocessingDrawing" xmlns:xdr="http://schemas.openxmlformats.org/drawingml/2006/spreadsheetDrawing" xmlns:ns11="http://schemas.openxmlformats.org/drawingml/2006/compatibility" xmlns:ns12="http://schemas.openxmlformats.org/drawingml/2006/lockedCanvas" type="objTx" preserve="true">
+<p:sldLayout xmlns:p="http://schemas.openxmlformats.org/presentationml/2006/main" xmlns:a="http://schemas.openxmlformats.org/drawingml/2006/main" xmlns:r="http://schemas.openxmlformats.org/officeDocument/2006/relationships" xmlns:mc="http://schemas.openxmlformats.org/markup-compatibility/2006" xmlns:c="http://schemas.openxmlformats.org/drawingml/2006/chart" xmlns:ns6="http://schemas.openxmlformats.org/drawingml/2006/chartDrawing" xmlns:dgm="http://schemas.openxmlformats.org/drawingml/2006/diagram" xmlns:pic="http://schemas.openxmlformats.org/drawingml/2006/picture" xmlns:wp="http://schemas.openxmlformats.org/drawingml/2006/wordprocessingDrawing" xmlns:xdr="http://schemas.openxmlformats.org/drawingml/2006/spreadsheetDrawing" xmlns:ns11="http://schemas.openxmlformats.org/drawingml/2006/compatibility" xmlns:ns12="http://schemas.openxmlformats.org/drawingml/2006/lockedCanvas" type="objTx" preserve="true">
   <p:cSld name="Content with Caption">
     <p:spTree>
       <p:nvGrpSpPr>
@@ -2039,7 +2039,7 @@
 </file>
 
 <file path=ppt/slideLayouts/slideLayout9.xml><?xml version="1.0" encoding="utf-8"?>
-<p:sldLayout xmlns:p="http://schemas.openxmlformats.org/presentationml/2006/main" xmlns:r="http://schemas.openxmlformats.org/officeDocument/2006/relationships" xmlns:a="http://schemas.openxmlformats.org/drawingml/2006/main" xmlns:mc="http://schemas.openxmlformats.org/markup-compatibility/2006" xmlns:c="http://schemas.openxmlformats.org/drawingml/2006/chart" xmlns:ns6="http://schemas.openxmlformats.org/drawingml/2006/chartDrawing" xmlns:dgm="http://schemas.openxmlformats.org/drawingml/2006/diagram" xmlns:pic="http://schemas.openxmlformats.org/drawingml/2006/picture" xmlns:wp="http://schemas.openxmlformats.org/drawingml/2006/wordprocessingDrawing" xmlns:xdr="http://schemas.openxmlformats.org/drawingml/2006/spreadsheetDrawing" xmlns:ns11="http://schemas.openxmlformats.org/drawingml/2006/compatibility" xmlns:ns12="http://schemas.openxmlformats.org/drawingml/2006/lockedCanvas" type="vertTx" preserve="true">
+<p:sldLayout xmlns:p="http://schemas.openxmlformats.org/presentationml/2006/main" xmlns:a="http://schemas.openxmlformats.org/drawingml/2006/main" xmlns:r="http://schemas.openxmlformats.org/officeDocument/2006/relationships" xmlns:mc="http://schemas.openxmlformats.org/markup-compatibility/2006" xmlns:c="http://schemas.openxmlformats.org/drawingml/2006/chart" xmlns:ns6="http://schemas.openxmlformats.org/drawingml/2006/chartDrawing" xmlns:dgm="http://schemas.openxmlformats.org/drawingml/2006/diagram" xmlns:pic="http://schemas.openxmlformats.org/drawingml/2006/picture" xmlns:wp="http://schemas.openxmlformats.org/drawingml/2006/wordprocessingDrawing" xmlns:xdr="http://schemas.openxmlformats.org/drawingml/2006/spreadsheetDrawing" xmlns:ns11="http://schemas.openxmlformats.org/drawingml/2006/compatibility" xmlns:ns12="http://schemas.openxmlformats.org/drawingml/2006/lockedCanvas" type="vertTx" preserve="true">
   <p:cSld name="Title and Vertical Text">
     <p:spTree>
       <p:nvGrpSpPr>
@@ -2216,7 +2216,7 @@
 </file>
 
 <file path=ppt/slideMasters/slideMaster1.xml><?xml version="1.0" encoding="utf-8"?>
-<p:sldMaster xmlns:p="http://schemas.openxmlformats.org/presentationml/2006/main" xmlns:r="http://schemas.openxmlformats.org/officeDocument/2006/relationships" xmlns:a="http://schemas.openxmlformats.org/drawingml/2006/main" xmlns:mc="http://schemas.openxmlformats.org/markup-compatibility/2006" xmlns:c="http://schemas.openxmlformats.org/drawingml/2006/chart" xmlns:ns6="http://schemas.openxmlformats.org/drawingml/2006/chartDrawing" xmlns:dgm="http://schemas.openxmlformats.org/drawingml/2006/diagram" xmlns:pic="http://schemas.openxmlformats.org/drawingml/2006/picture" xmlns:wp="http://schemas.openxmlformats.org/drawingml/2006/wordprocessingDrawing" xmlns:xdr="http://schemas.openxmlformats.org/drawingml/2006/spreadsheetDrawing" xmlns:ns11="http://schemas.openxmlformats.org/drawingml/2006/compatibility" xmlns:ns12="http://schemas.openxmlformats.org/drawingml/2006/lockedCanvas">
+<p:sldMaster xmlns:p="http://schemas.openxmlformats.org/presentationml/2006/main" xmlns:a="http://schemas.openxmlformats.org/drawingml/2006/main" xmlns:r="http://schemas.openxmlformats.org/officeDocument/2006/relationships" xmlns:mc="http://schemas.openxmlformats.org/markup-compatibility/2006" xmlns:c="http://schemas.openxmlformats.org/drawingml/2006/chart" xmlns:ns6="http://schemas.openxmlformats.org/drawingml/2006/chartDrawing" xmlns:dgm="http://schemas.openxmlformats.org/drawingml/2006/diagram" xmlns:pic="http://schemas.openxmlformats.org/drawingml/2006/picture" xmlns:wp="http://schemas.openxmlformats.org/drawingml/2006/wordprocessingDrawing" xmlns:xdr="http://schemas.openxmlformats.org/drawingml/2006/spreadsheetDrawing" xmlns:ns11="http://schemas.openxmlformats.org/drawingml/2006/compatibility" xmlns:ns12="http://schemas.openxmlformats.org/drawingml/2006/lockedCanvas">
   <p:cSld>
     <p:bg>
       <p:bgRef idx="1001">
@@ -2762,7 +2762,7 @@
 </file>
 
 <file path=ppt/slides/slide1.xml><?xml version="1.0" encoding="utf-8"?>
-<p:sld xmlns:p="http://schemas.openxmlformats.org/presentationml/2006/main" xmlns:r="http://schemas.openxmlformats.org/officeDocument/2006/relationships" xmlns:a="http://schemas.openxmlformats.org/drawingml/2006/main" xmlns:mc="http://schemas.openxmlformats.org/markup-compatibility/2006" xmlns:c="http://schemas.openxmlformats.org/drawingml/2006/chart" xmlns:ns6="http://schemas.openxmlformats.org/drawingml/2006/chartDrawing" xmlns:dgm="http://schemas.openxmlformats.org/drawingml/2006/diagram" xmlns:pic="http://schemas.openxmlformats.org/drawingml/2006/picture" xmlns:wp="http://schemas.openxmlformats.org/drawingml/2006/wordprocessingDrawing" xmlns:xdr="http://schemas.openxmlformats.org/drawingml/2006/spreadsheetDrawing" xmlns:ns11="http://schemas.openxmlformats.org/drawingml/2006/compatibility" xmlns:ns12="http://schemas.openxmlformats.org/drawingml/2006/lockedCanvas">
+<p:sld xmlns:p="http://schemas.openxmlformats.org/presentationml/2006/main" xmlns:a="http://schemas.openxmlformats.org/drawingml/2006/main" xmlns:r="http://schemas.openxmlformats.org/officeDocument/2006/relationships" xmlns:mc="http://schemas.openxmlformats.org/markup-compatibility/2006" xmlns:c="http://schemas.openxmlformats.org/drawingml/2006/chart" xmlns:ns6="http://schemas.openxmlformats.org/drawingml/2006/chartDrawing" xmlns:dgm="http://schemas.openxmlformats.org/drawingml/2006/diagram" xmlns:pic="http://schemas.openxmlformats.org/drawingml/2006/picture" xmlns:wp="http://schemas.openxmlformats.org/drawingml/2006/wordprocessingDrawing" xmlns:xdr="http://schemas.openxmlformats.org/drawingml/2006/spreadsheetDrawing" xmlns:ns11="http://schemas.openxmlformats.org/drawingml/2006/compatibility" xmlns:ns12="http://schemas.openxmlformats.org/drawingml/2006/lockedCanvas">
   <p:cSld>
     <p:spTree>
       <p:nvGrpSpPr>

--- a/reference/ex_plot.pptx
+++ b/reference/ex_plot.pptx
@@ -1,11 +1,11 @@
 
 <file path=ppt/presentation.xml><?xml version="1.0" encoding="utf-8"?>
-<p:presentation xmlns:p="http://schemas.openxmlformats.org/presentationml/2006/main" xmlns:a="http://schemas.openxmlformats.org/drawingml/2006/main" xmlns:r="http://schemas.openxmlformats.org/officeDocument/2006/relationships" xmlns:mc="http://schemas.openxmlformats.org/markup-compatibility/2006" xmlns:c="http://schemas.openxmlformats.org/drawingml/2006/chart" xmlns:ns6="http://schemas.openxmlformats.org/drawingml/2006/chartDrawing" xmlns:dgm="http://schemas.openxmlformats.org/drawingml/2006/diagram" xmlns:pic="http://schemas.openxmlformats.org/drawingml/2006/picture" xmlns:wp="http://schemas.openxmlformats.org/drawingml/2006/wordprocessingDrawing" xmlns:xdr="http://schemas.openxmlformats.org/drawingml/2006/spreadsheetDrawing" xmlns:ns11="http://schemas.openxmlformats.org/drawingml/2006/compatibility" xmlns:ns12="http://schemas.openxmlformats.org/drawingml/2006/lockedCanvas" saveSubsetFonts="true">
+<p:presentation xmlns:r="http://schemas.openxmlformats.org/officeDocument/2006/relationships" xmlns:a="http://schemas.openxmlformats.org/drawingml/2006/main" xmlns:p="http://schemas.openxmlformats.org/presentationml/2006/main" xmlns:mc="http://schemas.openxmlformats.org/markup-compatibility/2006" xmlns:c="http://schemas.openxmlformats.org/drawingml/2006/chart" xmlns:ns6="http://schemas.openxmlformats.org/drawingml/2006/chartDrawing" xmlns:dgm="http://schemas.openxmlformats.org/drawingml/2006/diagram" xmlns:pic="http://schemas.openxmlformats.org/drawingml/2006/picture" xmlns:wp="http://schemas.openxmlformats.org/drawingml/2006/wordprocessingDrawing" xmlns:xdr="http://schemas.openxmlformats.org/drawingml/2006/spreadsheetDrawing" xmlns:ns11="http://schemas.openxmlformats.org/drawingml/2006/compatibility" xmlns:ns12="http://schemas.openxmlformats.org/drawingml/2006/lockedCanvas" saveSubsetFonts="true">
   <p:sldMasterIdLst>
     <p:sldMasterId id="2147483648" r:id="rId1"/>
   </p:sldMasterIdLst>
   <p:sldIdLst>
-    <p:sldId id="1916114158" r:id="rId6"/>
+    <p:sldId id="1080941209" r:id="rId6"/>
   </p:sldIdLst>
   <p:sldSz cx="12192000" cy="6858000"/>
   <p:notesSz cx="6858000" cy="9144000"/>
@@ -113,7 +113,7 @@
 </file>
 
 <file path=ppt/slideLayouts/slideLayout1.xml><?xml version="1.0" encoding="utf-8"?>
-<p:sldLayout xmlns:p="http://schemas.openxmlformats.org/presentationml/2006/main" xmlns:a="http://schemas.openxmlformats.org/drawingml/2006/main" xmlns:r="http://schemas.openxmlformats.org/officeDocument/2006/relationships" xmlns:mc="http://schemas.openxmlformats.org/markup-compatibility/2006" xmlns:c="http://schemas.openxmlformats.org/drawingml/2006/chart" xmlns:ns6="http://schemas.openxmlformats.org/drawingml/2006/chartDrawing" xmlns:dgm="http://schemas.openxmlformats.org/drawingml/2006/diagram" xmlns:pic="http://schemas.openxmlformats.org/drawingml/2006/picture" xmlns:wp="http://schemas.openxmlformats.org/drawingml/2006/wordprocessingDrawing" xmlns:xdr="http://schemas.openxmlformats.org/drawingml/2006/spreadsheetDrawing" xmlns:ns11="http://schemas.openxmlformats.org/drawingml/2006/compatibility" xmlns:ns12="http://schemas.openxmlformats.org/drawingml/2006/lockedCanvas" type="title" preserve="true">
+<p:sldLayout xmlns:r="http://schemas.openxmlformats.org/officeDocument/2006/relationships" xmlns:a="http://schemas.openxmlformats.org/drawingml/2006/main" xmlns:p="http://schemas.openxmlformats.org/presentationml/2006/main" xmlns:mc="http://schemas.openxmlformats.org/markup-compatibility/2006" xmlns:c="http://schemas.openxmlformats.org/drawingml/2006/chart" xmlns:ns6="http://schemas.openxmlformats.org/drawingml/2006/chartDrawing" xmlns:dgm="http://schemas.openxmlformats.org/drawingml/2006/diagram" xmlns:pic="http://schemas.openxmlformats.org/drawingml/2006/picture" xmlns:wp="http://schemas.openxmlformats.org/drawingml/2006/wordprocessingDrawing" xmlns:xdr="http://schemas.openxmlformats.org/drawingml/2006/spreadsheetDrawing" xmlns:ns11="http://schemas.openxmlformats.org/drawingml/2006/compatibility" xmlns:ns12="http://schemas.openxmlformats.org/drawingml/2006/lockedCanvas" type="title" preserve="true">
   <p:cSld name="Title Slide">
     <p:spTree>
       <p:nvGrpSpPr>
@@ -312,7 +312,7 @@
 </file>
 
 <file path=ppt/slideLayouts/slideLayout10.xml><?xml version="1.0" encoding="utf-8"?>
-<p:sldLayout xmlns:p="http://schemas.openxmlformats.org/presentationml/2006/main" xmlns:a="http://schemas.openxmlformats.org/drawingml/2006/main" xmlns:r="http://schemas.openxmlformats.org/officeDocument/2006/relationships" xmlns:mc="http://schemas.openxmlformats.org/markup-compatibility/2006" xmlns:c="http://schemas.openxmlformats.org/drawingml/2006/chart" xmlns:ns6="http://schemas.openxmlformats.org/drawingml/2006/chartDrawing" xmlns:dgm="http://schemas.openxmlformats.org/drawingml/2006/diagram" xmlns:pic="http://schemas.openxmlformats.org/drawingml/2006/picture" xmlns:wp="http://schemas.openxmlformats.org/drawingml/2006/wordprocessingDrawing" xmlns:xdr="http://schemas.openxmlformats.org/drawingml/2006/spreadsheetDrawing" xmlns:ns11="http://schemas.openxmlformats.org/drawingml/2006/compatibility" xmlns:ns12="http://schemas.openxmlformats.org/drawingml/2006/lockedCanvas" type="vertTitleAndTx" preserve="true">
+<p:sldLayout xmlns:r="http://schemas.openxmlformats.org/officeDocument/2006/relationships" xmlns:a="http://schemas.openxmlformats.org/drawingml/2006/main" xmlns:p="http://schemas.openxmlformats.org/presentationml/2006/main" xmlns:mc="http://schemas.openxmlformats.org/markup-compatibility/2006" xmlns:c="http://schemas.openxmlformats.org/drawingml/2006/chart" xmlns:ns6="http://schemas.openxmlformats.org/drawingml/2006/chartDrawing" xmlns:dgm="http://schemas.openxmlformats.org/drawingml/2006/diagram" xmlns:pic="http://schemas.openxmlformats.org/drawingml/2006/picture" xmlns:wp="http://schemas.openxmlformats.org/drawingml/2006/wordprocessingDrawing" xmlns:xdr="http://schemas.openxmlformats.org/drawingml/2006/spreadsheetDrawing" xmlns:ns11="http://schemas.openxmlformats.org/drawingml/2006/compatibility" xmlns:ns12="http://schemas.openxmlformats.org/drawingml/2006/lockedCanvas" type="vertTitleAndTx" preserve="true">
   <p:cSld name="Vertical Title and Text">
     <p:spTree>
       <p:nvGrpSpPr>
@@ -499,7 +499,7 @@
 </file>
 
 <file path=ppt/slideLayouts/slideLayout2.xml><?xml version="1.0" encoding="utf-8"?>
-<p:sldLayout xmlns:p="http://schemas.openxmlformats.org/presentationml/2006/main" xmlns:a="http://schemas.openxmlformats.org/drawingml/2006/main" xmlns:r="http://schemas.openxmlformats.org/officeDocument/2006/relationships" xmlns:mc="http://schemas.openxmlformats.org/markup-compatibility/2006" xmlns:c="http://schemas.openxmlformats.org/drawingml/2006/chart" xmlns:ns6="http://schemas.openxmlformats.org/drawingml/2006/chartDrawing" xmlns:dgm="http://schemas.openxmlformats.org/drawingml/2006/diagram" xmlns:pic="http://schemas.openxmlformats.org/drawingml/2006/picture" xmlns:wp="http://schemas.openxmlformats.org/drawingml/2006/wordprocessingDrawing" xmlns:xdr="http://schemas.openxmlformats.org/drawingml/2006/spreadsheetDrawing" xmlns:ns11="http://schemas.openxmlformats.org/drawingml/2006/compatibility" xmlns:ns12="http://schemas.openxmlformats.org/drawingml/2006/lockedCanvas" type="obj" preserve="true">
+<p:sldLayout xmlns:r="http://schemas.openxmlformats.org/officeDocument/2006/relationships" xmlns:a="http://schemas.openxmlformats.org/drawingml/2006/main" xmlns:p="http://schemas.openxmlformats.org/presentationml/2006/main" xmlns:mc="http://schemas.openxmlformats.org/markup-compatibility/2006" xmlns:c="http://schemas.openxmlformats.org/drawingml/2006/chart" xmlns:ns6="http://schemas.openxmlformats.org/drawingml/2006/chartDrawing" xmlns:dgm="http://schemas.openxmlformats.org/drawingml/2006/diagram" xmlns:pic="http://schemas.openxmlformats.org/drawingml/2006/picture" xmlns:wp="http://schemas.openxmlformats.org/drawingml/2006/wordprocessingDrawing" xmlns:xdr="http://schemas.openxmlformats.org/drawingml/2006/spreadsheetDrawing" xmlns:ns11="http://schemas.openxmlformats.org/drawingml/2006/compatibility" xmlns:ns12="http://schemas.openxmlformats.org/drawingml/2006/lockedCanvas" type="obj" preserve="true">
   <p:cSld name="Title and Content">
     <p:spTree>
       <p:nvGrpSpPr>
@@ -681,7 +681,7 @@
 </file>
 
 <file path=ppt/slideLayouts/slideLayout3.xml><?xml version="1.0" encoding="utf-8"?>
-<p:sldLayout xmlns:p="http://schemas.openxmlformats.org/presentationml/2006/main" xmlns:a="http://schemas.openxmlformats.org/drawingml/2006/main" xmlns:r="http://schemas.openxmlformats.org/officeDocument/2006/relationships" xmlns:mc="http://schemas.openxmlformats.org/markup-compatibility/2006" xmlns:c="http://schemas.openxmlformats.org/drawingml/2006/chart" xmlns:ns6="http://schemas.openxmlformats.org/drawingml/2006/chartDrawing" xmlns:dgm="http://schemas.openxmlformats.org/drawingml/2006/diagram" xmlns:pic="http://schemas.openxmlformats.org/drawingml/2006/picture" xmlns:wp="http://schemas.openxmlformats.org/drawingml/2006/wordprocessingDrawing" xmlns:xdr="http://schemas.openxmlformats.org/drawingml/2006/spreadsheetDrawing" xmlns:ns11="http://schemas.openxmlformats.org/drawingml/2006/compatibility" xmlns:ns12="http://schemas.openxmlformats.org/drawingml/2006/lockedCanvas" type="secHead" preserve="true">
+<p:sldLayout xmlns:r="http://schemas.openxmlformats.org/officeDocument/2006/relationships" xmlns:a="http://schemas.openxmlformats.org/drawingml/2006/main" xmlns:p="http://schemas.openxmlformats.org/presentationml/2006/main" xmlns:mc="http://schemas.openxmlformats.org/markup-compatibility/2006" xmlns:c="http://schemas.openxmlformats.org/drawingml/2006/chart" xmlns:ns6="http://schemas.openxmlformats.org/drawingml/2006/chartDrawing" xmlns:dgm="http://schemas.openxmlformats.org/drawingml/2006/diagram" xmlns:pic="http://schemas.openxmlformats.org/drawingml/2006/picture" xmlns:wp="http://schemas.openxmlformats.org/drawingml/2006/wordprocessingDrawing" xmlns:xdr="http://schemas.openxmlformats.org/drawingml/2006/spreadsheetDrawing" xmlns:ns11="http://schemas.openxmlformats.org/drawingml/2006/compatibility" xmlns:ns12="http://schemas.openxmlformats.org/drawingml/2006/lockedCanvas" type="secHead" preserve="true">
   <p:cSld name="Section Header">
     <p:spTree>
       <p:nvGrpSpPr>
@@ -934,7 +934,7 @@
 </file>
 
 <file path=ppt/slideLayouts/slideLayout4.xml><?xml version="1.0" encoding="utf-8"?>
-<p:sldLayout xmlns:p="http://schemas.openxmlformats.org/presentationml/2006/main" xmlns:a="http://schemas.openxmlformats.org/drawingml/2006/main" xmlns:r="http://schemas.openxmlformats.org/officeDocument/2006/relationships" xmlns:mc="http://schemas.openxmlformats.org/markup-compatibility/2006" xmlns:c="http://schemas.openxmlformats.org/drawingml/2006/chart" xmlns:ns6="http://schemas.openxmlformats.org/drawingml/2006/chartDrawing" xmlns:dgm="http://schemas.openxmlformats.org/drawingml/2006/diagram" xmlns:pic="http://schemas.openxmlformats.org/drawingml/2006/picture" xmlns:wp="http://schemas.openxmlformats.org/drawingml/2006/wordprocessingDrawing" xmlns:xdr="http://schemas.openxmlformats.org/drawingml/2006/spreadsheetDrawing" xmlns:ns11="http://schemas.openxmlformats.org/drawingml/2006/compatibility" xmlns:ns12="http://schemas.openxmlformats.org/drawingml/2006/lockedCanvas" type="twoObj" preserve="true">
+<p:sldLayout xmlns:r="http://schemas.openxmlformats.org/officeDocument/2006/relationships" xmlns:a="http://schemas.openxmlformats.org/drawingml/2006/main" xmlns:p="http://schemas.openxmlformats.org/presentationml/2006/main" xmlns:mc="http://schemas.openxmlformats.org/markup-compatibility/2006" xmlns:c="http://schemas.openxmlformats.org/drawingml/2006/chart" xmlns:ns6="http://schemas.openxmlformats.org/drawingml/2006/chartDrawing" xmlns:dgm="http://schemas.openxmlformats.org/drawingml/2006/diagram" xmlns:pic="http://schemas.openxmlformats.org/drawingml/2006/picture" xmlns:wp="http://schemas.openxmlformats.org/drawingml/2006/wordprocessingDrawing" xmlns:xdr="http://schemas.openxmlformats.org/drawingml/2006/spreadsheetDrawing" xmlns:ns11="http://schemas.openxmlformats.org/drawingml/2006/compatibility" xmlns:ns12="http://schemas.openxmlformats.org/drawingml/2006/lockedCanvas" type="twoObj" preserve="true">
   <p:cSld name="Two Content">
     <p:spTree>
       <p:nvGrpSpPr>
@@ -1173,7 +1173,7 @@
 </file>
 
 <file path=ppt/slideLayouts/slideLayout5.xml><?xml version="1.0" encoding="utf-8"?>
-<p:sldLayout xmlns:p="http://schemas.openxmlformats.org/presentationml/2006/main" xmlns:a="http://schemas.openxmlformats.org/drawingml/2006/main" xmlns:r="http://schemas.openxmlformats.org/officeDocument/2006/relationships" xmlns:mc="http://schemas.openxmlformats.org/markup-compatibility/2006" xmlns:c="http://schemas.openxmlformats.org/drawingml/2006/chart" xmlns:ns6="http://schemas.openxmlformats.org/drawingml/2006/chartDrawing" xmlns:dgm="http://schemas.openxmlformats.org/drawingml/2006/diagram" xmlns:pic="http://schemas.openxmlformats.org/drawingml/2006/picture" xmlns:wp="http://schemas.openxmlformats.org/drawingml/2006/wordprocessingDrawing" xmlns:xdr="http://schemas.openxmlformats.org/drawingml/2006/spreadsheetDrawing" xmlns:ns11="http://schemas.openxmlformats.org/drawingml/2006/compatibility" xmlns:ns12="http://schemas.openxmlformats.org/drawingml/2006/lockedCanvas" type="twoTxTwoObj" preserve="true">
+<p:sldLayout xmlns:r="http://schemas.openxmlformats.org/officeDocument/2006/relationships" xmlns:a="http://schemas.openxmlformats.org/drawingml/2006/main" xmlns:p="http://schemas.openxmlformats.org/presentationml/2006/main" xmlns:mc="http://schemas.openxmlformats.org/markup-compatibility/2006" xmlns:c="http://schemas.openxmlformats.org/drawingml/2006/chart" xmlns:ns6="http://schemas.openxmlformats.org/drawingml/2006/chartDrawing" xmlns:dgm="http://schemas.openxmlformats.org/drawingml/2006/diagram" xmlns:pic="http://schemas.openxmlformats.org/drawingml/2006/picture" xmlns:wp="http://schemas.openxmlformats.org/drawingml/2006/wordprocessingDrawing" xmlns:xdr="http://schemas.openxmlformats.org/drawingml/2006/spreadsheetDrawing" xmlns:ns11="http://schemas.openxmlformats.org/drawingml/2006/compatibility" xmlns:ns12="http://schemas.openxmlformats.org/drawingml/2006/lockedCanvas" type="twoTxTwoObj" preserve="true">
   <p:cSld name="Comparison">
     <p:spTree>
       <p:nvGrpSpPr>
@@ -1528,7 +1528,7 @@
 </file>
 
 <file path=ppt/slideLayouts/slideLayout6.xml><?xml version="1.0" encoding="utf-8"?>
-<p:sldLayout xmlns:p="http://schemas.openxmlformats.org/presentationml/2006/main" xmlns:a="http://schemas.openxmlformats.org/drawingml/2006/main" xmlns:r="http://schemas.openxmlformats.org/officeDocument/2006/relationships" xmlns:mc="http://schemas.openxmlformats.org/markup-compatibility/2006" xmlns:c="http://schemas.openxmlformats.org/drawingml/2006/chart" xmlns:ns6="http://schemas.openxmlformats.org/drawingml/2006/chartDrawing" xmlns:dgm="http://schemas.openxmlformats.org/drawingml/2006/diagram" xmlns:pic="http://schemas.openxmlformats.org/drawingml/2006/picture" xmlns:wp="http://schemas.openxmlformats.org/drawingml/2006/wordprocessingDrawing" xmlns:xdr="http://schemas.openxmlformats.org/drawingml/2006/spreadsheetDrawing" xmlns:ns11="http://schemas.openxmlformats.org/drawingml/2006/compatibility" xmlns:ns12="http://schemas.openxmlformats.org/drawingml/2006/lockedCanvas" type="titleOnly" preserve="true">
+<p:sldLayout xmlns:r="http://schemas.openxmlformats.org/officeDocument/2006/relationships" xmlns:a="http://schemas.openxmlformats.org/drawingml/2006/main" xmlns:p="http://schemas.openxmlformats.org/presentationml/2006/main" xmlns:mc="http://schemas.openxmlformats.org/markup-compatibility/2006" xmlns:c="http://schemas.openxmlformats.org/drawingml/2006/chart" xmlns:ns6="http://schemas.openxmlformats.org/drawingml/2006/chartDrawing" xmlns:dgm="http://schemas.openxmlformats.org/drawingml/2006/diagram" xmlns:pic="http://schemas.openxmlformats.org/drawingml/2006/picture" xmlns:wp="http://schemas.openxmlformats.org/drawingml/2006/wordprocessingDrawing" xmlns:xdr="http://schemas.openxmlformats.org/drawingml/2006/spreadsheetDrawing" xmlns:ns11="http://schemas.openxmlformats.org/drawingml/2006/compatibility" xmlns:ns12="http://schemas.openxmlformats.org/drawingml/2006/lockedCanvas" type="titleOnly" preserve="true">
   <p:cSld name="Title Only">
     <p:spTree>
       <p:nvGrpSpPr>
@@ -1653,7 +1653,7 @@
 </file>
 
 <file path=ppt/slideLayouts/slideLayout7.xml><?xml version="1.0" encoding="utf-8"?>
-<p:sldLayout xmlns:p="http://schemas.openxmlformats.org/presentationml/2006/main" xmlns:a="http://schemas.openxmlformats.org/drawingml/2006/main" xmlns:r="http://schemas.openxmlformats.org/officeDocument/2006/relationships" xmlns:mc="http://schemas.openxmlformats.org/markup-compatibility/2006" xmlns:c="http://schemas.openxmlformats.org/drawingml/2006/chart" xmlns:ns6="http://schemas.openxmlformats.org/drawingml/2006/chartDrawing" xmlns:dgm="http://schemas.openxmlformats.org/drawingml/2006/diagram" xmlns:pic="http://schemas.openxmlformats.org/drawingml/2006/picture" xmlns:wp="http://schemas.openxmlformats.org/drawingml/2006/wordprocessingDrawing" xmlns:xdr="http://schemas.openxmlformats.org/drawingml/2006/spreadsheetDrawing" xmlns:ns11="http://schemas.openxmlformats.org/drawingml/2006/compatibility" xmlns:ns12="http://schemas.openxmlformats.org/drawingml/2006/lockedCanvas" type="blank" preserve="true">
+<p:sldLayout xmlns:r="http://schemas.openxmlformats.org/officeDocument/2006/relationships" xmlns:a="http://schemas.openxmlformats.org/drawingml/2006/main" xmlns:p="http://schemas.openxmlformats.org/presentationml/2006/main" xmlns:mc="http://schemas.openxmlformats.org/markup-compatibility/2006" xmlns:c="http://schemas.openxmlformats.org/drawingml/2006/chart" xmlns:ns6="http://schemas.openxmlformats.org/drawingml/2006/chartDrawing" xmlns:dgm="http://schemas.openxmlformats.org/drawingml/2006/diagram" xmlns:pic="http://schemas.openxmlformats.org/drawingml/2006/picture" xmlns:wp="http://schemas.openxmlformats.org/drawingml/2006/wordprocessingDrawing" xmlns:xdr="http://schemas.openxmlformats.org/drawingml/2006/spreadsheetDrawing" xmlns:ns11="http://schemas.openxmlformats.org/drawingml/2006/compatibility" xmlns:ns12="http://schemas.openxmlformats.org/drawingml/2006/lockedCanvas" type="blank" preserve="true">
   <p:cSld name="Blank">
     <p:spTree>
       <p:nvGrpSpPr>
@@ -1755,7 +1755,7 @@
 </file>
 
 <file path=ppt/slideLayouts/slideLayout8.xml><?xml version="1.0" encoding="utf-8"?>
-<p:sldLayout xmlns:p="http://schemas.openxmlformats.org/presentationml/2006/main" xmlns:a="http://schemas.openxmlformats.org/drawingml/2006/main" xmlns:r="http://schemas.openxmlformats.org/officeDocument/2006/relationships" xmlns:mc="http://schemas.openxmlformats.org/markup-compatibility/2006" xmlns:c="http://schemas.openxmlformats.org/drawingml/2006/chart" xmlns:ns6="http://schemas.openxmlformats.org/drawingml/2006/chartDrawing" xmlns:dgm="http://schemas.openxmlformats.org/drawingml/2006/diagram" xmlns:pic="http://schemas.openxmlformats.org/drawingml/2006/picture" xmlns:wp="http://schemas.openxmlformats.org/drawingml/2006/wordprocessingDrawing" xmlns:xdr="http://schemas.openxmlformats.org/drawingml/2006/spreadsheetDrawing" xmlns:ns11="http://schemas.openxmlformats.org/drawingml/2006/compatibility" xmlns:ns12="http://schemas.openxmlformats.org/drawingml/2006/lockedCanvas" type="objTx" preserve="true">
+<p:sldLayout xmlns:r="http://schemas.openxmlformats.org/officeDocument/2006/relationships" xmlns:a="http://schemas.openxmlformats.org/drawingml/2006/main" xmlns:p="http://schemas.openxmlformats.org/presentationml/2006/main" xmlns:mc="http://schemas.openxmlformats.org/markup-compatibility/2006" xmlns:c="http://schemas.openxmlformats.org/drawingml/2006/chart" xmlns:ns6="http://schemas.openxmlformats.org/drawingml/2006/chartDrawing" xmlns:dgm="http://schemas.openxmlformats.org/drawingml/2006/diagram" xmlns:pic="http://schemas.openxmlformats.org/drawingml/2006/picture" xmlns:wp="http://schemas.openxmlformats.org/drawingml/2006/wordprocessingDrawing" xmlns:xdr="http://schemas.openxmlformats.org/drawingml/2006/spreadsheetDrawing" xmlns:ns11="http://schemas.openxmlformats.org/drawingml/2006/compatibility" xmlns:ns12="http://schemas.openxmlformats.org/drawingml/2006/lockedCanvas" type="objTx" preserve="true">
   <p:cSld name="Content with Caption">
     <p:spTree>
       <p:nvGrpSpPr>
@@ -2039,7 +2039,7 @@
 </file>
 
 <file path=ppt/slideLayouts/slideLayout9.xml><?xml version="1.0" encoding="utf-8"?>
-<p:sldLayout xmlns:p="http://schemas.openxmlformats.org/presentationml/2006/main" xmlns:a="http://schemas.openxmlformats.org/drawingml/2006/main" xmlns:r="http://schemas.openxmlformats.org/officeDocument/2006/relationships" xmlns:mc="http://schemas.openxmlformats.org/markup-compatibility/2006" xmlns:c="http://schemas.openxmlformats.org/drawingml/2006/chart" xmlns:ns6="http://schemas.openxmlformats.org/drawingml/2006/chartDrawing" xmlns:dgm="http://schemas.openxmlformats.org/drawingml/2006/diagram" xmlns:pic="http://schemas.openxmlformats.org/drawingml/2006/picture" xmlns:wp="http://schemas.openxmlformats.org/drawingml/2006/wordprocessingDrawing" xmlns:xdr="http://schemas.openxmlformats.org/drawingml/2006/spreadsheetDrawing" xmlns:ns11="http://schemas.openxmlformats.org/drawingml/2006/compatibility" xmlns:ns12="http://schemas.openxmlformats.org/drawingml/2006/lockedCanvas" type="vertTx" preserve="true">
+<p:sldLayout xmlns:r="http://schemas.openxmlformats.org/officeDocument/2006/relationships" xmlns:a="http://schemas.openxmlformats.org/drawingml/2006/main" xmlns:p="http://schemas.openxmlformats.org/presentationml/2006/main" xmlns:mc="http://schemas.openxmlformats.org/markup-compatibility/2006" xmlns:c="http://schemas.openxmlformats.org/drawingml/2006/chart" xmlns:ns6="http://schemas.openxmlformats.org/drawingml/2006/chartDrawing" xmlns:dgm="http://schemas.openxmlformats.org/drawingml/2006/diagram" xmlns:pic="http://schemas.openxmlformats.org/drawingml/2006/picture" xmlns:wp="http://schemas.openxmlformats.org/drawingml/2006/wordprocessingDrawing" xmlns:xdr="http://schemas.openxmlformats.org/drawingml/2006/spreadsheetDrawing" xmlns:ns11="http://schemas.openxmlformats.org/drawingml/2006/compatibility" xmlns:ns12="http://schemas.openxmlformats.org/drawingml/2006/lockedCanvas" type="vertTx" preserve="true">
   <p:cSld name="Title and Vertical Text">
     <p:spTree>
       <p:nvGrpSpPr>
@@ -2216,7 +2216,7 @@
 </file>
 
 <file path=ppt/slideMasters/slideMaster1.xml><?xml version="1.0" encoding="utf-8"?>
-<p:sldMaster xmlns:p="http://schemas.openxmlformats.org/presentationml/2006/main" xmlns:a="http://schemas.openxmlformats.org/drawingml/2006/main" xmlns:r="http://schemas.openxmlformats.org/officeDocument/2006/relationships" xmlns:mc="http://schemas.openxmlformats.org/markup-compatibility/2006" xmlns:c="http://schemas.openxmlformats.org/drawingml/2006/chart" xmlns:ns6="http://schemas.openxmlformats.org/drawingml/2006/chartDrawing" xmlns:dgm="http://schemas.openxmlformats.org/drawingml/2006/diagram" xmlns:pic="http://schemas.openxmlformats.org/drawingml/2006/picture" xmlns:wp="http://schemas.openxmlformats.org/drawingml/2006/wordprocessingDrawing" xmlns:xdr="http://schemas.openxmlformats.org/drawingml/2006/spreadsheetDrawing" xmlns:ns11="http://schemas.openxmlformats.org/drawingml/2006/compatibility" xmlns:ns12="http://schemas.openxmlformats.org/drawingml/2006/lockedCanvas">
+<p:sldMaster xmlns:r="http://schemas.openxmlformats.org/officeDocument/2006/relationships" xmlns:a="http://schemas.openxmlformats.org/drawingml/2006/main" xmlns:p="http://schemas.openxmlformats.org/presentationml/2006/main" xmlns:mc="http://schemas.openxmlformats.org/markup-compatibility/2006" xmlns:c="http://schemas.openxmlformats.org/drawingml/2006/chart" xmlns:ns6="http://schemas.openxmlformats.org/drawingml/2006/chartDrawing" xmlns:dgm="http://schemas.openxmlformats.org/drawingml/2006/diagram" xmlns:pic="http://schemas.openxmlformats.org/drawingml/2006/picture" xmlns:wp="http://schemas.openxmlformats.org/drawingml/2006/wordprocessingDrawing" xmlns:xdr="http://schemas.openxmlformats.org/drawingml/2006/spreadsheetDrawing" xmlns:ns11="http://schemas.openxmlformats.org/drawingml/2006/compatibility" xmlns:ns12="http://schemas.openxmlformats.org/drawingml/2006/lockedCanvas">
   <p:cSld>
     <p:bg>
       <p:bgRef idx="1001">
@@ -2762,7 +2762,7 @@
 </file>
 
 <file path=ppt/slides/slide1.xml><?xml version="1.0" encoding="utf-8"?>
-<p:sld xmlns:p="http://schemas.openxmlformats.org/presentationml/2006/main" xmlns:a="http://schemas.openxmlformats.org/drawingml/2006/main" xmlns:r="http://schemas.openxmlformats.org/officeDocument/2006/relationships" xmlns:mc="http://schemas.openxmlformats.org/markup-compatibility/2006" xmlns:c="http://schemas.openxmlformats.org/drawingml/2006/chart" xmlns:ns6="http://schemas.openxmlformats.org/drawingml/2006/chartDrawing" xmlns:dgm="http://schemas.openxmlformats.org/drawingml/2006/diagram" xmlns:pic="http://schemas.openxmlformats.org/drawingml/2006/picture" xmlns:wp="http://schemas.openxmlformats.org/drawingml/2006/wordprocessingDrawing" xmlns:xdr="http://schemas.openxmlformats.org/drawingml/2006/spreadsheetDrawing" xmlns:ns11="http://schemas.openxmlformats.org/drawingml/2006/compatibility" xmlns:ns12="http://schemas.openxmlformats.org/drawingml/2006/lockedCanvas">
+<p:sld xmlns:r="http://schemas.openxmlformats.org/officeDocument/2006/relationships" xmlns:a="http://schemas.openxmlformats.org/drawingml/2006/main" xmlns:p="http://schemas.openxmlformats.org/presentationml/2006/main" xmlns:mc="http://schemas.openxmlformats.org/markup-compatibility/2006" xmlns:c="http://schemas.openxmlformats.org/drawingml/2006/chart" xmlns:ns6="http://schemas.openxmlformats.org/drawingml/2006/chartDrawing" xmlns:dgm="http://schemas.openxmlformats.org/drawingml/2006/diagram" xmlns:pic="http://schemas.openxmlformats.org/drawingml/2006/picture" xmlns:wp="http://schemas.openxmlformats.org/drawingml/2006/wordprocessingDrawing" xmlns:xdr="http://schemas.openxmlformats.org/drawingml/2006/spreadsheetDrawing" xmlns:ns11="http://schemas.openxmlformats.org/drawingml/2006/compatibility" xmlns:ns12="http://schemas.openxmlformats.org/drawingml/2006/lockedCanvas">
   <p:cSld>
     <p:spTree>
       <p:nvGrpSpPr>

--- a/reference/ex_plot.pptx
+++ b/reference/ex_plot.pptx
@@ -1,11 +1,11 @@
 
 <file path=ppt/presentation.xml><?xml version="1.0" encoding="utf-8"?>
-<p:presentation xmlns:r="http://schemas.openxmlformats.org/officeDocument/2006/relationships" xmlns:a="http://schemas.openxmlformats.org/drawingml/2006/main" xmlns:p="http://schemas.openxmlformats.org/presentationml/2006/main" xmlns:mc="http://schemas.openxmlformats.org/markup-compatibility/2006" xmlns:c="http://schemas.openxmlformats.org/drawingml/2006/chart" xmlns:ns6="http://schemas.openxmlformats.org/drawingml/2006/chartDrawing" xmlns:dgm="http://schemas.openxmlformats.org/drawingml/2006/diagram" xmlns:pic="http://schemas.openxmlformats.org/drawingml/2006/picture" xmlns:wp="http://schemas.openxmlformats.org/drawingml/2006/wordprocessingDrawing" xmlns:xdr="http://schemas.openxmlformats.org/drawingml/2006/spreadsheetDrawing" xmlns:ns11="http://schemas.openxmlformats.org/drawingml/2006/compatibility" xmlns:ns12="http://schemas.openxmlformats.org/drawingml/2006/lockedCanvas" saveSubsetFonts="true">
+<p:presentation xmlns:a="http://schemas.openxmlformats.org/drawingml/2006/main" xmlns:r="http://schemas.openxmlformats.org/officeDocument/2006/relationships" xmlns:p="http://schemas.openxmlformats.org/presentationml/2006/main" xmlns:mc="http://schemas.openxmlformats.org/markup-compatibility/2006" xmlns:c="http://schemas.openxmlformats.org/drawingml/2006/chart" xmlns:ns6="http://schemas.openxmlformats.org/drawingml/2006/chartDrawing" xmlns:dgm="http://schemas.openxmlformats.org/drawingml/2006/diagram" xmlns:pic="http://schemas.openxmlformats.org/drawingml/2006/picture" xmlns:wp="http://schemas.openxmlformats.org/drawingml/2006/wordprocessingDrawing" xmlns:xdr="http://schemas.openxmlformats.org/drawingml/2006/spreadsheetDrawing" xmlns:ns11="http://schemas.openxmlformats.org/drawingml/2006/compatibility" xmlns:ns12="http://schemas.openxmlformats.org/drawingml/2006/lockedCanvas" saveSubsetFonts="true">
   <p:sldMasterIdLst>
     <p:sldMasterId id="2147483648" r:id="rId1"/>
   </p:sldMasterIdLst>
   <p:sldIdLst>
-    <p:sldId id="1080941209" r:id="rId6"/>
+    <p:sldId id="444601806" r:id="rId6"/>
   </p:sldIdLst>
   <p:sldSz cx="12192000" cy="6858000"/>
   <p:notesSz cx="6858000" cy="9144000"/>
@@ -113,7 +113,7 @@
 </file>
 
 <file path=ppt/slideLayouts/slideLayout1.xml><?xml version="1.0" encoding="utf-8"?>
-<p:sldLayout xmlns:r="http://schemas.openxmlformats.org/officeDocument/2006/relationships" xmlns:a="http://schemas.openxmlformats.org/drawingml/2006/main" xmlns:p="http://schemas.openxmlformats.org/presentationml/2006/main" xmlns:mc="http://schemas.openxmlformats.org/markup-compatibility/2006" xmlns:c="http://schemas.openxmlformats.org/drawingml/2006/chart" xmlns:ns6="http://schemas.openxmlformats.org/drawingml/2006/chartDrawing" xmlns:dgm="http://schemas.openxmlformats.org/drawingml/2006/diagram" xmlns:pic="http://schemas.openxmlformats.org/drawingml/2006/picture" xmlns:wp="http://schemas.openxmlformats.org/drawingml/2006/wordprocessingDrawing" xmlns:xdr="http://schemas.openxmlformats.org/drawingml/2006/spreadsheetDrawing" xmlns:ns11="http://schemas.openxmlformats.org/drawingml/2006/compatibility" xmlns:ns12="http://schemas.openxmlformats.org/drawingml/2006/lockedCanvas" type="title" preserve="true">
+<p:sldLayout xmlns:a="http://schemas.openxmlformats.org/drawingml/2006/main" xmlns:r="http://schemas.openxmlformats.org/officeDocument/2006/relationships" xmlns:p="http://schemas.openxmlformats.org/presentationml/2006/main" xmlns:mc="http://schemas.openxmlformats.org/markup-compatibility/2006" xmlns:c="http://schemas.openxmlformats.org/drawingml/2006/chart" xmlns:ns6="http://schemas.openxmlformats.org/drawingml/2006/chartDrawing" xmlns:dgm="http://schemas.openxmlformats.org/drawingml/2006/diagram" xmlns:pic="http://schemas.openxmlformats.org/drawingml/2006/picture" xmlns:wp="http://schemas.openxmlformats.org/drawingml/2006/wordprocessingDrawing" xmlns:xdr="http://schemas.openxmlformats.org/drawingml/2006/spreadsheetDrawing" xmlns:ns11="http://schemas.openxmlformats.org/drawingml/2006/compatibility" xmlns:ns12="http://schemas.openxmlformats.org/drawingml/2006/lockedCanvas" type="title" preserve="true">
   <p:cSld name="Title Slide">
     <p:spTree>
       <p:nvGrpSpPr>
@@ -312,7 +312,7 @@
 </file>
 
 <file path=ppt/slideLayouts/slideLayout10.xml><?xml version="1.0" encoding="utf-8"?>
-<p:sldLayout xmlns:r="http://schemas.openxmlformats.org/officeDocument/2006/relationships" xmlns:a="http://schemas.openxmlformats.org/drawingml/2006/main" xmlns:p="http://schemas.openxmlformats.org/presentationml/2006/main" xmlns:mc="http://schemas.openxmlformats.org/markup-compatibility/2006" xmlns:c="http://schemas.openxmlformats.org/drawingml/2006/chart" xmlns:ns6="http://schemas.openxmlformats.org/drawingml/2006/chartDrawing" xmlns:dgm="http://schemas.openxmlformats.org/drawingml/2006/diagram" xmlns:pic="http://schemas.openxmlformats.org/drawingml/2006/picture" xmlns:wp="http://schemas.openxmlformats.org/drawingml/2006/wordprocessingDrawing" xmlns:xdr="http://schemas.openxmlformats.org/drawingml/2006/spreadsheetDrawing" xmlns:ns11="http://schemas.openxmlformats.org/drawingml/2006/compatibility" xmlns:ns12="http://schemas.openxmlformats.org/drawingml/2006/lockedCanvas" type="vertTitleAndTx" preserve="true">
+<p:sldLayout xmlns:a="http://schemas.openxmlformats.org/drawingml/2006/main" xmlns:r="http://schemas.openxmlformats.org/officeDocument/2006/relationships" xmlns:p="http://schemas.openxmlformats.org/presentationml/2006/main" xmlns:mc="http://schemas.openxmlformats.org/markup-compatibility/2006" xmlns:c="http://schemas.openxmlformats.org/drawingml/2006/chart" xmlns:ns6="http://schemas.openxmlformats.org/drawingml/2006/chartDrawing" xmlns:dgm="http://schemas.openxmlformats.org/drawingml/2006/diagram" xmlns:pic="http://schemas.openxmlformats.org/drawingml/2006/picture" xmlns:wp="http://schemas.openxmlformats.org/drawingml/2006/wordprocessingDrawing" xmlns:xdr="http://schemas.openxmlformats.org/drawingml/2006/spreadsheetDrawing" xmlns:ns11="http://schemas.openxmlformats.org/drawingml/2006/compatibility" xmlns:ns12="http://schemas.openxmlformats.org/drawingml/2006/lockedCanvas" type="vertTitleAndTx" preserve="true">
   <p:cSld name="Vertical Title and Text">
     <p:spTree>
       <p:nvGrpSpPr>
@@ -499,7 +499,7 @@
 </file>
 
 <file path=ppt/slideLayouts/slideLayout2.xml><?xml version="1.0" encoding="utf-8"?>
-<p:sldLayout xmlns:r="http://schemas.openxmlformats.org/officeDocument/2006/relationships" xmlns:a="http://schemas.openxmlformats.org/drawingml/2006/main" xmlns:p="http://schemas.openxmlformats.org/presentationml/2006/main" xmlns:mc="http://schemas.openxmlformats.org/markup-compatibility/2006" xmlns:c="http://schemas.openxmlformats.org/drawingml/2006/chart" xmlns:ns6="http://schemas.openxmlformats.org/drawingml/2006/chartDrawing" xmlns:dgm="http://schemas.openxmlformats.org/drawingml/2006/diagram" xmlns:pic="http://schemas.openxmlformats.org/drawingml/2006/picture" xmlns:wp="http://schemas.openxmlformats.org/drawingml/2006/wordprocessingDrawing" xmlns:xdr="http://schemas.openxmlformats.org/drawingml/2006/spreadsheetDrawing" xmlns:ns11="http://schemas.openxmlformats.org/drawingml/2006/compatibility" xmlns:ns12="http://schemas.openxmlformats.org/drawingml/2006/lockedCanvas" type="obj" preserve="true">
+<p:sldLayout xmlns:a="http://schemas.openxmlformats.org/drawingml/2006/main" xmlns:r="http://schemas.openxmlformats.org/officeDocument/2006/relationships" xmlns:p="http://schemas.openxmlformats.org/presentationml/2006/main" xmlns:mc="http://schemas.openxmlformats.org/markup-compatibility/2006" xmlns:c="http://schemas.openxmlformats.org/drawingml/2006/chart" xmlns:ns6="http://schemas.openxmlformats.org/drawingml/2006/chartDrawing" xmlns:dgm="http://schemas.openxmlformats.org/drawingml/2006/diagram" xmlns:pic="http://schemas.openxmlformats.org/drawingml/2006/picture" xmlns:wp="http://schemas.openxmlformats.org/drawingml/2006/wordprocessingDrawing" xmlns:xdr="http://schemas.openxmlformats.org/drawingml/2006/spreadsheetDrawing" xmlns:ns11="http://schemas.openxmlformats.org/drawingml/2006/compatibility" xmlns:ns12="http://schemas.openxmlformats.org/drawingml/2006/lockedCanvas" type="obj" preserve="true">
   <p:cSld name="Title and Content">
     <p:spTree>
       <p:nvGrpSpPr>
@@ -681,7 +681,7 @@
 </file>
 
 <file path=ppt/slideLayouts/slideLayout3.xml><?xml version="1.0" encoding="utf-8"?>
-<p:sldLayout xmlns:r="http://schemas.openxmlformats.org/officeDocument/2006/relationships" xmlns:a="http://schemas.openxmlformats.org/drawingml/2006/main" xmlns:p="http://schemas.openxmlformats.org/presentationml/2006/main" xmlns:mc="http://schemas.openxmlformats.org/markup-compatibility/2006" xmlns:c="http://schemas.openxmlformats.org/drawingml/2006/chart" xmlns:ns6="http://schemas.openxmlformats.org/drawingml/2006/chartDrawing" xmlns:dgm="http://schemas.openxmlformats.org/drawingml/2006/diagram" xmlns:pic="http://schemas.openxmlformats.org/drawingml/2006/picture" xmlns:wp="http://schemas.openxmlformats.org/drawingml/2006/wordprocessingDrawing" xmlns:xdr="http://schemas.openxmlformats.org/drawingml/2006/spreadsheetDrawing" xmlns:ns11="http://schemas.openxmlformats.org/drawingml/2006/compatibility" xmlns:ns12="http://schemas.openxmlformats.org/drawingml/2006/lockedCanvas" type="secHead" preserve="true">
+<p:sldLayout xmlns:a="http://schemas.openxmlformats.org/drawingml/2006/main" xmlns:r="http://schemas.openxmlformats.org/officeDocument/2006/relationships" xmlns:p="http://schemas.openxmlformats.org/presentationml/2006/main" xmlns:mc="http://schemas.openxmlformats.org/markup-compatibility/2006" xmlns:c="http://schemas.openxmlformats.org/drawingml/2006/chart" xmlns:ns6="http://schemas.openxmlformats.org/drawingml/2006/chartDrawing" xmlns:dgm="http://schemas.openxmlformats.org/drawingml/2006/diagram" xmlns:pic="http://schemas.openxmlformats.org/drawingml/2006/picture" xmlns:wp="http://schemas.openxmlformats.org/drawingml/2006/wordprocessingDrawing" xmlns:xdr="http://schemas.openxmlformats.org/drawingml/2006/spreadsheetDrawing" xmlns:ns11="http://schemas.openxmlformats.org/drawingml/2006/compatibility" xmlns:ns12="http://schemas.openxmlformats.org/drawingml/2006/lockedCanvas" type="secHead" preserve="true">
   <p:cSld name="Section Header">
     <p:spTree>
       <p:nvGrpSpPr>
@@ -934,7 +934,7 @@
 </file>
 
 <file path=ppt/slideLayouts/slideLayout4.xml><?xml version="1.0" encoding="utf-8"?>
-<p:sldLayout xmlns:r="http://schemas.openxmlformats.org/officeDocument/2006/relationships" xmlns:a="http://schemas.openxmlformats.org/drawingml/2006/main" xmlns:p="http://schemas.openxmlformats.org/presentationml/2006/main" xmlns:mc="http://schemas.openxmlformats.org/markup-compatibility/2006" xmlns:c="http://schemas.openxmlformats.org/drawingml/2006/chart" xmlns:ns6="http://schemas.openxmlformats.org/drawingml/2006/chartDrawing" xmlns:dgm="http://schemas.openxmlformats.org/drawingml/2006/diagram" xmlns:pic="http://schemas.openxmlformats.org/drawingml/2006/picture" xmlns:wp="http://schemas.openxmlformats.org/drawingml/2006/wordprocessingDrawing" xmlns:xdr="http://schemas.openxmlformats.org/drawingml/2006/spreadsheetDrawing" xmlns:ns11="http://schemas.openxmlformats.org/drawingml/2006/compatibility" xmlns:ns12="http://schemas.openxmlformats.org/drawingml/2006/lockedCanvas" type="twoObj" preserve="true">
+<p:sldLayout xmlns:a="http://schemas.openxmlformats.org/drawingml/2006/main" xmlns:r="http://schemas.openxmlformats.org/officeDocument/2006/relationships" xmlns:p="http://schemas.openxmlformats.org/presentationml/2006/main" xmlns:mc="http://schemas.openxmlformats.org/markup-compatibility/2006" xmlns:c="http://schemas.openxmlformats.org/drawingml/2006/chart" xmlns:ns6="http://schemas.openxmlformats.org/drawingml/2006/chartDrawing" xmlns:dgm="http://schemas.openxmlformats.org/drawingml/2006/diagram" xmlns:pic="http://schemas.openxmlformats.org/drawingml/2006/picture" xmlns:wp="http://schemas.openxmlformats.org/drawingml/2006/wordprocessingDrawing" xmlns:xdr="http://schemas.openxmlformats.org/drawingml/2006/spreadsheetDrawing" xmlns:ns11="http://schemas.openxmlformats.org/drawingml/2006/compatibility" xmlns:ns12="http://schemas.openxmlformats.org/drawingml/2006/lockedCanvas" type="twoObj" preserve="true">
   <p:cSld name="Two Content">
     <p:spTree>
       <p:nvGrpSpPr>
@@ -1173,7 +1173,7 @@
 </file>
 
 <file path=ppt/slideLayouts/slideLayout5.xml><?xml version="1.0" encoding="utf-8"?>
-<p:sldLayout xmlns:r="http://schemas.openxmlformats.org/officeDocument/2006/relationships" xmlns:a="http://schemas.openxmlformats.org/drawingml/2006/main" xmlns:p="http://schemas.openxmlformats.org/presentationml/2006/main" xmlns:mc="http://schemas.openxmlformats.org/markup-compatibility/2006" xmlns:c="http://schemas.openxmlformats.org/drawingml/2006/chart" xmlns:ns6="http://schemas.openxmlformats.org/drawingml/2006/chartDrawing" xmlns:dgm="http://schemas.openxmlformats.org/drawingml/2006/diagram" xmlns:pic="http://schemas.openxmlformats.org/drawingml/2006/picture" xmlns:wp="http://schemas.openxmlformats.org/drawingml/2006/wordprocessingDrawing" xmlns:xdr="http://schemas.openxmlformats.org/drawingml/2006/spreadsheetDrawing" xmlns:ns11="http://schemas.openxmlformats.org/drawingml/2006/compatibility" xmlns:ns12="http://schemas.openxmlformats.org/drawingml/2006/lockedCanvas" type="twoTxTwoObj" preserve="true">
+<p:sldLayout xmlns:a="http://schemas.openxmlformats.org/drawingml/2006/main" xmlns:r="http://schemas.openxmlformats.org/officeDocument/2006/relationships" xmlns:p="http://schemas.openxmlformats.org/presentationml/2006/main" xmlns:mc="http://schemas.openxmlformats.org/markup-compatibility/2006" xmlns:c="http://schemas.openxmlformats.org/drawingml/2006/chart" xmlns:ns6="http://schemas.openxmlformats.org/drawingml/2006/chartDrawing" xmlns:dgm="http://schemas.openxmlformats.org/drawingml/2006/diagram" xmlns:pic="http://schemas.openxmlformats.org/drawingml/2006/picture" xmlns:wp="http://schemas.openxmlformats.org/drawingml/2006/wordprocessingDrawing" xmlns:xdr="http://schemas.openxmlformats.org/drawingml/2006/spreadsheetDrawing" xmlns:ns11="http://schemas.openxmlformats.org/drawingml/2006/compatibility" xmlns:ns12="http://schemas.openxmlformats.org/drawingml/2006/lockedCanvas" type="twoTxTwoObj" preserve="true">
   <p:cSld name="Comparison">
     <p:spTree>
       <p:nvGrpSpPr>
@@ -1528,7 +1528,7 @@
 </file>
 
 <file path=ppt/slideLayouts/slideLayout6.xml><?xml version="1.0" encoding="utf-8"?>
-<p:sldLayout xmlns:r="http://schemas.openxmlformats.org/officeDocument/2006/relationships" xmlns:a="http://schemas.openxmlformats.org/drawingml/2006/main" xmlns:p="http://schemas.openxmlformats.org/presentationml/2006/main" xmlns:mc="http://schemas.openxmlformats.org/markup-compatibility/2006" xmlns:c="http://schemas.openxmlformats.org/drawingml/2006/chart" xmlns:ns6="http://schemas.openxmlformats.org/drawingml/2006/chartDrawing" xmlns:dgm="http://schemas.openxmlformats.org/drawingml/2006/diagram" xmlns:pic="http://schemas.openxmlformats.org/drawingml/2006/picture" xmlns:wp="http://schemas.openxmlformats.org/drawingml/2006/wordprocessingDrawing" xmlns:xdr="http://schemas.openxmlformats.org/drawingml/2006/spreadsheetDrawing" xmlns:ns11="http://schemas.openxmlformats.org/drawingml/2006/compatibility" xmlns:ns12="http://schemas.openxmlformats.org/drawingml/2006/lockedCanvas" type="titleOnly" preserve="true">
+<p:sldLayout xmlns:a="http://schemas.openxmlformats.org/drawingml/2006/main" xmlns:r="http://schemas.openxmlformats.org/officeDocument/2006/relationships" xmlns:p="http://schemas.openxmlformats.org/presentationml/2006/main" xmlns:mc="http://schemas.openxmlformats.org/markup-compatibility/2006" xmlns:c="http://schemas.openxmlformats.org/drawingml/2006/chart" xmlns:ns6="http://schemas.openxmlformats.org/drawingml/2006/chartDrawing" xmlns:dgm="http://schemas.openxmlformats.org/drawingml/2006/diagram" xmlns:pic="http://schemas.openxmlformats.org/drawingml/2006/picture" xmlns:wp="http://schemas.openxmlformats.org/drawingml/2006/wordprocessingDrawing" xmlns:xdr="http://schemas.openxmlformats.org/drawingml/2006/spreadsheetDrawing" xmlns:ns11="http://schemas.openxmlformats.org/drawingml/2006/compatibility" xmlns:ns12="http://schemas.openxmlformats.org/drawingml/2006/lockedCanvas" type="titleOnly" preserve="true">
   <p:cSld name="Title Only">
     <p:spTree>
       <p:nvGrpSpPr>
@@ -1653,7 +1653,7 @@
 </file>
 
 <file path=ppt/slideLayouts/slideLayout7.xml><?xml version="1.0" encoding="utf-8"?>
-<p:sldLayout xmlns:r="http://schemas.openxmlformats.org/officeDocument/2006/relationships" xmlns:a="http://schemas.openxmlformats.org/drawingml/2006/main" xmlns:p="http://schemas.openxmlformats.org/presentationml/2006/main" xmlns:mc="http://schemas.openxmlformats.org/markup-compatibility/2006" xmlns:c="http://schemas.openxmlformats.org/drawingml/2006/chart" xmlns:ns6="http://schemas.openxmlformats.org/drawingml/2006/chartDrawing" xmlns:dgm="http://schemas.openxmlformats.org/drawingml/2006/diagram" xmlns:pic="http://schemas.openxmlformats.org/drawingml/2006/picture" xmlns:wp="http://schemas.openxmlformats.org/drawingml/2006/wordprocessingDrawing" xmlns:xdr="http://schemas.openxmlformats.org/drawingml/2006/spreadsheetDrawing" xmlns:ns11="http://schemas.openxmlformats.org/drawingml/2006/compatibility" xmlns:ns12="http://schemas.openxmlformats.org/drawingml/2006/lockedCanvas" type="blank" preserve="true">
+<p:sldLayout xmlns:a="http://schemas.openxmlformats.org/drawingml/2006/main" xmlns:r="http://schemas.openxmlformats.org/officeDocument/2006/relationships" xmlns:p="http://schemas.openxmlformats.org/presentationml/2006/main" xmlns:mc="http://schemas.openxmlformats.org/markup-compatibility/2006" xmlns:c="http://schemas.openxmlformats.org/drawingml/2006/chart" xmlns:ns6="http://schemas.openxmlformats.org/drawingml/2006/chartDrawing" xmlns:dgm="http://schemas.openxmlformats.org/drawingml/2006/diagram" xmlns:pic="http://schemas.openxmlformats.org/drawingml/2006/picture" xmlns:wp="http://schemas.openxmlformats.org/drawingml/2006/wordprocessingDrawing" xmlns:xdr="http://schemas.openxmlformats.org/drawingml/2006/spreadsheetDrawing" xmlns:ns11="http://schemas.openxmlformats.org/drawingml/2006/compatibility" xmlns:ns12="http://schemas.openxmlformats.org/drawingml/2006/lockedCanvas" type="blank" preserve="true">
   <p:cSld name="Blank">
     <p:spTree>
       <p:nvGrpSpPr>
@@ -1755,7 +1755,7 @@
 </file>
 
 <file path=ppt/slideLayouts/slideLayout8.xml><?xml version="1.0" encoding="utf-8"?>
-<p:sldLayout xmlns:r="http://schemas.openxmlformats.org/officeDocument/2006/relationships" xmlns:a="http://schemas.openxmlformats.org/drawingml/2006/main" xmlns:p="http://schemas.openxmlformats.org/presentationml/2006/main" xmlns:mc="http://schemas.openxmlformats.org/markup-compatibility/2006" xmlns:c="http://schemas.openxmlformats.org/drawingml/2006/chart" xmlns:ns6="http://schemas.openxmlformats.org/drawingml/2006/chartDrawing" xmlns:dgm="http://schemas.openxmlformats.org/drawingml/2006/diagram" xmlns:pic="http://schemas.openxmlformats.org/drawingml/2006/picture" xmlns:wp="http://schemas.openxmlformats.org/drawingml/2006/wordprocessingDrawing" xmlns:xdr="http://schemas.openxmlformats.org/drawingml/2006/spreadsheetDrawing" xmlns:ns11="http://schemas.openxmlformats.org/drawingml/2006/compatibility" xmlns:ns12="http://schemas.openxmlformats.org/drawingml/2006/lockedCanvas" type="objTx" preserve="true">
+<p:sldLayout xmlns:a="http://schemas.openxmlformats.org/drawingml/2006/main" xmlns:r="http://schemas.openxmlformats.org/officeDocument/2006/relationships" xmlns:p="http://schemas.openxmlformats.org/presentationml/2006/main" xmlns:mc="http://schemas.openxmlformats.org/markup-compatibility/2006" xmlns:c="http://schemas.openxmlformats.org/drawingml/2006/chart" xmlns:ns6="http://schemas.openxmlformats.org/drawingml/2006/chartDrawing" xmlns:dgm="http://schemas.openxmlformats.org/drawingml/2006/diagram" xmlns:pic="http://schemas.openxmlformats.org/drawingml/2006/picture" xmlns:wp="http://schemas.openxmlformats.org/drawingml/2006/wordprocessingDrawing" xmlns:xdr="http://schemas.openxmlformats.org/drawingml/2006/spreadsheetDrawing" xmlns:ns11="http://schemas.openxmlformats.org/drawingml/2006/compatibility" xmlns:ns12="http://schemas.openxmlformats.org/drawingml/2006/lockedCanvas" type="objTx" preserve="true">
   <p:cSld name="Content with Caption">
     <p:spTree>
       <p:nvGrpSpPr>
@@ -2039,7 +2039,7 @@
 </file>
 
 <file path=ppt/slideLayouts/slideLayout9.xml><?xml version="1.0" encoding="utf-8"?>
-<p:sldLayout xmlns:r="http://schemas.openxmlformats.org/officeDocument/2006/relationships" xmlns:a="http://schemas.openxmlformats.org/drawingml/2006/main" xmlns:p="http://schemas.openxmlformats.org/presentationml/2006/main" xmlns:mc="http://schemas.openxmlformats.org/markup-compatibility/2006" xmlns:c="http://schemas.openxmlformats.org/drawingml/2006/chart" xmlns:ns6="http://schemas.openxmlformats.org/drawingml/2006/chartDrawing" xmlns:dgm="http://schemas.openxmlformats.org/drawingml/2006/diagram" xmlns:pic="http://schemas.openxmlformats.org/drawingml/2006/picture" xmlns:wp="http://schemas.openxmlformats.org/drawingml/2006/wordprocessingDrawing" xmlns:xdr="http://schemas.openxmlformats.org/drawingml/2006/spreadsheetDrawing" xmlns:ns11="http://schemas.openxmlformats.org/drawingml/2006/compatibility" xmlns:ns12="http://schemas.openxmlformats.org/drawingml/2006/lockedCanvas" type="vertTx" preserve="true">
+<p:sldLayout xmlns:a="http://schemas.openxmlformats.org/drawingml/2006/main" xmlns:r="http://schemas.openxmlformats.org/officeDocument/2006/relationships" xmlns:p="http://schemas.openxmlformats.org/presentationml/2006/main" xmlns:mc="http://schemas.openxmlformats.org/markup-compatibility/2006" xmlns:c="http://schemas.openxmlformats.org/drawingml/2006/chart" xmlns:ns6="http://schemas.openxmlformats.org/drawingml/2006/chartDrawing" xmlns:dgm="http://schemas.openxmlformats.org/drawingml/2006/diagram" xmlns:pic="http://schemas.openxmlformats.org/drawingml/2006/picture" xmlns:wp="http://schemas.openxmlformats.org/drawingml/2006/wordprocessingDrawing" xmlns:xdr="http://schemas.openxmlformats.org/drawingml/2006/spreadsheetDrawing" xmlns:ns11="http://schemas.openxmlformats.org/drawingml/2006/compatibility" xmlns:ns12="http://schemas.openxmlformats.org/drawingml/2006/lockedCanvas" type="vertTx" preserve="true">
   <p:cSld name="Title and Vertical Text">
     <p:spTree>
       <p:nvGrpSpPr>
@@ -2216,7 +2216,7 @@
 </file>
 
 <file path=ppt/slideMasters/slideMaster1.xml><?xml version="1.0" encoding="utf-8"?>
-<p:sldMaster xmlns:r="http://schemas.openxmlformats.org/officeDocument/2006/relationships" xmlns:a="http://schemas.openxmlformats.org/drawingml/2006/main" xmlns:p="http://schemas.openxmlformats.org/presentationml/2006/main" xmlns:mc="http://schemas.openxmlformats.org/markup-compatibility/2006" xmlns:c="http://schemas.openxmlformats.org/drawingml/2006/chart" xmlns:ns6="http://schemas.openxmlformats.org/drawingml/2006/chartDrawing" xmlns:dgm="http://schemas.openxmlformats.org/drawingml/2006/diagram" xmlns:pic="http://schemas.openxmlformats.org/drawingml/2006/picture" xmlns:wp="http://schemas.openxmlformats.org/drawingml/2006/wordprocessingDrawing" xmlns:xdr="http://schemas.openxmlformats.org/drawingml/2006/spreadsheetDrawing" xmlns:ns11="http://schemas.openxmlformats.org/drawingml/2006/compatibility" xmlns:ns12="http://schemas.openxmlformats.org/drawingml/2006/lockedCanvas">
+<p:sldMaster xmlns:a="http://schemas.openxmlformats.org/drawingml/2006/main" xmlns:r="http://schemas.openxmlformats.org/officeDocument/2006/relationships" xmlns:p="http://schemas.openxmlformats.org/presentationml/2006/main" xmlns:mc="http://schemas.openxmlformats.org/markup-compatibility/2006" xmlns:c="http://schemas.openxmlformats.org/drawingml/2006/chart" xmlns:ns6="http://schemas.openxmlformats.org/drawingml/2006/chartDrawing" xmlns:dgm="http://schemas.openxmlformats.org/drawingml/2006/diagram" xmlns:pic="http://schemas.openxmlformats.org/drawingml/2006/picture" xmlns:wp="http://schemas.openxmlformats.org/drawingml/2006/wordprocessingDrawing" xmlns:xdr="http://schemas.openxmlformats.org/drawingml/2006/spreadsheetDrawing" xmlns:ns11="http://schemas.openxmlformats.org/drawingml/2006/compatibility" xmlns:ns12="http://schemas.openxmlformats.org/drawingml/2006/lockedCanvas">
   <p:cSld>
     <p:bg>
       <p:bgRef idx="1001">
@@ -2762,7 +2762,7 @@
 </file>
 
 <file path=ppt/slides/slide1.xml><?xml version="1.0" encoding="utf-8"?>
-<p:sld xmlns:r="http://schemas.openxmlformats.org/officeDocument/2006/relationships" xmlns:a="http://schemas.openxmlformats.org/drawingml/2006/main" xmlns:p="http://schemas.openxmlformats.org/presentationml/2006/main" xmlns:mc="http://schemas.openxmlformats.org/markup-compatibility/2006" xmlns:c="http://schemas.openxmlformats.org/drawingml/2006/chart" xmlns:ns6="http://schemas.openxmlformats.org/drawingml/2006/chartDrawing" xmlns:dgm="http://schemas.openxmlformats.org/drawingml/2006/diagram" xmlns:pic="http://schemas.openxmlformats.org/drawingml/2006/picture" xmlns:wp="http://schemas.openxmlformats.org/drawingml/2006/wordprocessingDrawing" xmlns:xdr="http://schemas.openxmlformats.org/drawingml/2006/spreadsheetDrawing" xmlns:ns11="http://schemas.openxmlformats.org/drawingml/2006/compatibility" xmlns:ns12="http://schemas.openxmlformats.org/drawingml/2006/lockedCanvas">
+<p:sld xmlns:a="http://schemas.openxmlformats.org/drawingml/2006/main" xmlns:r="http://schemas.openxmlformats.org/officeDocument/2006/relationships" xmlns:p="http://schemas.openxmlformats.org/presentationml/2006/main" xmlns:mc="http://schemas.openxmlformats.org/markup-compatibility/2006" xmlns:c="http://schemas.openxmlformats.org/drawingml/2006/chart" xmlns:ns6="http://schemas.openxmlformats.org/drawingml/2006/chartDrawing" xmlns:dgm="http://schemas.openxmlformats.org/drawingml/2006/diagram" xmlns:pic="http://schemas.openxmlformats.org/drawingml/2006/picture" xmlns:wp="http://schemas.openxmlformats.org/drawingml/2006/wordprocessingDrawing" xmlns:xdr="http://schemas.openxmlformats.org/drawingml/2006/spreadsheetDrawing" xmlns:ns11="http://schemas.openxmlformats.org/drawingml/2006/compatibility" xmlns:ns12="http://schemas.openxmlformats.org/drawingml/2006/lockedCanvas">
   <p:cSld>
     <p:spTree>
       <p:nvGrpSpPr>

--- a/reference/ex_plot.pptx
+++ b/reference/ex_plot.pptx
@@ -1,11 +1,11 @@
 
 <file path=ppt/presentation.xml><?xml version="1.0" encoding="utf-8"?>
-<p:presentation xmlns:a="http://schemas.openxmlformats.org/drawingml/2006/main" xmlns:r="http://schemas.openxmlformats.org/officeDocument/2006/relationships" xmlns:p="http://schemas.openxmlformats.org/presentationml/2006/main" xmlns:mc="http://schemas.openxmlformats.org/markup-compatibility/2006" xmlns:c="http://schemas.openxmlformats.org/drawingml/2006/chart" xmlns:ns6="http://schemas.openxmlformats.org/drawingml/2006/chartDrawing" xmlns:dgm="http://schemas.openxmlformats.org/drawingml/2006/diagram" xmlns:pic="http://schemas.openxmlformats.org/drawingml/2006/picture" xmlns:wp="http://schemas.openxmlformats.org/drawingml/2006/wordprocessingDrawing" xmlns:xdr="http://schemas.openxmlformats.org/drawingml/2006/spreadsheetDrawing" xmlns:ns11="http://schemas.openxmlformats.org/drawingml/2006/compatibility" xmlns:ns12="http://schemas.openxmlformats.org/drawingml/2006/lockedCanvas" saveSubsetFonts="true">
+<p:presentation xmlns:p="http://schemas.openxmlformats.org/presentationml/2006/main" xmlns:r="http://schemas.openxmlformats.org/officeDocument/2006/relationships" xmlns:a="http://schemas.openxmlformats.org/drawingml/2006/main" xmlns:mc="http://schemas.openxmlformats.org/markup-compatibility/2006" xmlns:c="http://schemas.openxmlformats.org/drawingml/2006/chart" xmlns:ns6="http://schemas.openxmlformats.org/drawingml/2006/chartDrawing" xmlns:dgm="http://schemas.openxmlformats.org/drawingml/2006/diagram" xmlns:pic="http://schemas.openxmlformats.org/drawingml/2006/picture" xmlns:wp="http://schemas.openxmlformats.org/drawingml/2006/wordprocessingDrawing" xmlns:xdr="http://schemas.openxmlformats.org/drawingml/2006/spreadsheetDrawing" xmlns:ns11="http://schemas.openxmlformats.org/drawingml/2006/compatibility" xmlns:ns12="http://schemas.openxmlformats.org/drawingml/2006/lockedCanvas" saveSubsetFonts="true">
   <p:sldMasterIdLst>
     <p:sldMasterId id="2147483648" r:id="rId1"/>
   </p:sldMasterIdLst>
   <p:sldIdLst>
-    <p:sldId id="444601806" r:id="rId6"/>
+    <p:sldId id="1741677485" r:id="rId6"/>
   </p:sldIdLst>
   <p:sldSz cx="12192000" cy="6858000"/>
   <p:notesSz cx="6858000" cy="9144000"/>
@@ -113,7 +113,7 @@
 </file>
 
 <file path=ppt/slideLayouts/slideLayout1.xml><?xml version="1.0" encoding="utf-8"?>
-<p:sldLayout xmlns:a="http://schemas.openxmlformats.org/drawingml/2006/main" xmlns:r="http://schemas.openxmlformats.org/officeDocument/2006/relationships" xmlns:p="http://schemas.openxmlformats.org/presentationml/2006/main" xmlns:mc="http://schemas.openxmlformats.org/markup-compatibility/2006" xmlns:c="http://schemas.openxmlformats.org/drawingml/2006/chart" xmlns:ns6="http://schemas.openxmlformats.org/drawingml/2006/chartDrawing" xmlns:dgm="http://schemas.openxmlformats.org/drawingml/2006/diagram" xmlns:pic="http://schemas.openxmlformats.org/drawingml/2006/picture" xmlns:wp="http://schemas.openxmlformats.org/drawingml/2006/wordprocessingDrawing" xmlns:xdr="http://schemas.openxmlformats.org/drawingml/2006/spreadsheetDrawing" xmlns:ns11="http://schemas.openxmlformats.org/drawingml/2006/compatibility" xmlns:ns12="http://schemas.openxmlformats.org/drawingml/2006/lockedCanvas" type="title" preserve="true">
+<p:sldLayout xmlns:p="http://schemas.openxmlformats.org/presentationml/2006/main" xmlns:r="http://schemas.openxmlformats.org/officeDocument/2006/relationships" xmlns:a="http://schemas.openxmlformats.org/drawingml/2006/main" xmlns:mc="http://schemas.openxmlformats.org/markup-compatibility/2006" xmlns:c="http://schemas.openxmlformats.org/drawingml/2006/chart" xmlns:ns6="http://schemas.openxmlformats.org/drawingml/2006/chartDrawing" xmlns:dgm="http://schemas.openxmlformats.org/drawingml/2006/diagram" xmlns:pic="http://schemas.openxmlformats.org/drawingml/2006/picture" xmlns:wp="http://schemas.openxmlformats.org/drawingml/2006/wordprocessingDrawing" xmlns:xdr="http://schemas.openxmlformats.org/drawingml/2006/spreadsheetDrawing" xmlns:ns11="http://schemas.openxmlformats.org/drawingml/2006/compatibility" xmlns:ns12="http://schemas.openxmlformats.org/drawingml/2006/lockedCanvas" type="title" preserve="true">
   <p:cSld name="Title Slide">
     <p:spTree>
       <p:nvGrpSpPr>
@@ -312,7 +312,7 @@
 </file>
 
 <file path=ppt/slideLayouts/slideLayout10.xml><?xml version="1.0" encoding="utf-8"?>
-<p:sldLayout xmlns:a="http://schemas.openxmlformats.org/drawingml/2006/main" xmlns:r="http://schemas.openxmlformats.org/officeDocument/2006/relationships" xmlns:p="http://schemas.openxmlformats.org/presentationml/2006/main" xmlns:mc="http://schemas.openxmlformats.org/markup-compatibility/2006" xmlns:c="http://schemas.openxmlformats.org/drawingml/2006/chart" xmlns:ns6="http://schemas.openxmlformats.org/drawingml/2006/chartDrawing" xmlns:dgm="http://schemas.openxmlformats.org/drawingml/2006/diagram" xmlns:pic="http://schemas.openxmlformats.org/drawingml/2006/picture" xmlns:wp="http://schemas.openxmlformats.org/drawingml/2006/wordprocessingDrawing" xmlns:xdr="http://schemas.openxmlformats.org/drawingml/2006/spreadsheetDrawing" xmlns:ns11="http://schemas.openxmlformats.org/drawingml/2006/compatibility" xmlns:ns12="http://schemas.openxmlformats.org/drawingml/2006/lockedCanvas" type="vertTitleAndTx" preserve="true">
+<p:sldLayout xmlns:p="http://schemas.openxmlformats.org/presentationml/2006/main" xmlns:r="http://schemas.openxmlformats.org/officeDocument/2006/relationships" xmlns:a="http://schemas.openxmlformats.org/drawingml/2006/main" xmlns:mc="http://schemas.openxmlformats.org/markup-compatibility/2006" xmlns:c="http://schemas.openxmlformats.org/drawingml/2006/chart" xmlns:ns6="http://schemas.openxmlformats.org/drawingml/2006/chartDrawing" xmlns:dgm="http://schemas.openxmlformats.org/drawingml/2006/diagram" xmlns:pic="http://schemas.openxmlformats.org/drawingml/2006/picture" xmlns:wp="http://schemas.openxmlformats.org/drawingml/2006/wordprocessingDrawing" xmlns:xdr="http://schemas.openxmlformats.org/drawingml/2006/spreadsheetDrawing" xmlns:ns11="http://schemas.openxmlformats.org/drawingml/2006/compatibility" xmlns:ns12="http://schemas.openxmlformats.org/drawingml/2006/lockedCanvas" type="vertTitleAndTx" preserve="true">
   <p:cSld name="Vertical Title and Text">
     <p:spTree>
       <p:nvGrpSpPr>
@@ -499,7 +499,7 @@
 </file>
 
 <file path=ppt/slideLayouts/slideLayout2.xml><?xml version="1.0" encoding="utf-8"?>
-<p:sldLayout xmlns:a="http://schemas.openxmlformats.org/drawingml/2006/main" xmlns:r="http://schemas.openxmlformats.org/officeDocument/2006/relationships" xmlns:p="http://schemas.openxmlformats.org/presentationml/2006/main" xmlns:mc="http://schemas.openxmlformats.org/markup-compatibility/2006" xmlns:c="http://schemas.openxmlformats.org/drawingml/2006/chart" xmlns:ns6="http://schemas.openxmlformats.org/drawingml/2006/chartDrawing" xmlns:dgm="http://schemas.openxmlformats.org/drawingml/2006/diagram" xmlns:pic="http://schemas.openxmlformats.org/drawingml/2006/picture" xmlns:wp="http://schemas.openxmlformats.org/drawingml/2006/wordprocessingDrawing" xmlns:xdr="http://schemas.openxmlformats.org/drawingml/2006/spreadsheetDrawing" xmlns:ns11="http://schemas.openxmlformats.org/drawingml/2006/compatibility" xmlns:ns12="http://schemas.openxmlformats.org/drawingml/2006/lockedCanvas" type="obj" preserve="true">
+<p:sldLayout xmlns:p="http://schemas.openxmlformats.org/presentationml/2006/main" xmlns:r="http://schemas.openxmlformats.org/officeDocument/2006/relationships" xmlns:a="http://schemas.openxmlformats.org/drawingml/2006/main" xmlns:mc="http://schemas.openxmlformats.org/markup-compatibility/2006" xmlns:c="http://schemas.openxmlformats.org/drawingml/2006/chart" xmlns:ns6="http://schemas.openxmlformats.org/drawingml/2006/chartDrawing" xmlns:dgm="http://schemas.openxmlformats.org/drawingml/2006/diagram" xmlns:pic="http://schemas.openxmlformats.org/drawingml/2006/picture" xmlns:wp="http://schemas.openxmlformats.org/drawingml/2006/wordprocessingDrawing" xmlns:xdr="http://schemas.openxmlformats.org/drawingml/2006/spreadsheetDrawing" xmlns:ns11="http://schemas.openxmlformats.org/drawingml/2006/compatibility" xmlns:ns12="http://schemas.openxmlformats.org/drawingml/2006/lockedCanvas" type="obj" preserve="true">
   <p:cSld name="Title and Content">
     <p:spTree>
       <p:nvGrpSpPr>
@@ -681,7 +681,7 @@
 </file>
 
 <file path=ppt/slideLayouts/slideLayout3.xml><?xml version="1.0" encoding="utf-8"?>
-<p:sldLayout xmlns:a="http://schemas.openxmlformats.org/drawingml/2006/main" xmlns:r="http://schemas.openxmlformats.org/officeDocument/2006/relationships" xmlns:p="http://schemas.openxmlformats.org/presentationml/2006/main" xmlns:mc="http://schemas.openxmlformats.org/markup-compatibility/2006" xmlns:c="http://schemas.openxmlformats.org/drawingml/2006/chart" xmlns:ns6="http://schemas.openxmlformats.org/drawingml/2006/chartDrawing" xmlns:dgm="http://schemas.openxmlformats.org/drawingml/2006/diagram" xmlns:pic="http://schemas.openxmlformats.org/drawingml/2006/picture" xmlns:wp="http://schemas.openxmlformats.org/drawingml/2006/wordprocessingDrawing" xmlns:xdr="http://schemas.openxmlformats.org/drawingml/2006/spreadsheetDrawing" xmlns:ns11="http://schemas.openxmlformats.org/drawingml/2006/compatibility" xmlns:ns12="http://schemas.openxmlformats.org/drawingml/2006/lockedCanvas" type="secHead" preserve="true">
+<p:sldLayout xmlns:p="http://schemas.openxmlformats.org/presentationml/2006/main" xmlns:r="http://schemas.openxmlformats.org/officeDocument/2006/relationships" xmlns:a="http://schemas.openxmlformats.org/drawingml/2006/main" xmlns:mc="http://schemas.openxmlformats.org/markup-compatibility/2006" xmlns:c="http://schemas.openxmlformats.org/drawingml/2006/chart" xmlns:ns6="http://schemas.openxmlformats.org/drawingml/2006/chartDrawing" xmlns:dgm="http://schemas.openxmlformats.org/drawingml/2006/diagram" xmlns:pic="http://schemas.openxmlformats.org/drawingml/2006/picture" xmlns:wp="http://schemas.openxmlformats.org/drawingml/2006/wordprocessingDrawing" xmlns:xdr="http://schemas.openxmlformats.org/drawingml/2006/spreadsheetDrawing" xmlns:ns11="http://schemas.openxmlformats.org/drawingml/2006/compatibility" xmlns:ns12="http://schemas.openxmlformats.org/drawingml/2006/lockedCanvas" type="secHead" preserve="true">
   <p:cSld name="Section Header">
     <p:spTree>
       <p:nvGrpSpPr>
@@ -934,7 +934,7 @@
 </file>
 
 <file path=ppt/slideLayouts/slideLayout4.xml><?xml version="1.0" encoding="utf-8"?>
-<p:sldLayout xmlns:a="http://schemas.openxmlformats.org/drawingml/2006/main" xmlns:r="http://schemas.openxmlformats.org/officeDocument/2006/relationships" xmlns:p="http://schemas.openxmlformats.org/presentationml/2006/main" xmlns:mc="http://schemas.openxmlformats.org/markup-compatibility/2006" xmlns:c="http://schemas.openxmlformats.org/drawingml/2006/chart" xmlns:ns6="http://schemas.openxmlformats.org/drawingml/2006/chartDrawing" xmlns:dgm="http://schemas.openxmlformats.org/drawingml/2006/diagram" xmlns:pic="http://schemas.openxmlformats.org/drawingml/2006/picture" xmlns:wp="http://schemas.openxmlformats.org/drawingml/2006/wordprocessingDrawing" xmlns:xdr="http://schemas.openxmlformats.org/drawingml/2006/spreadsheetDrawing" xmlns:ns11="http://schemas.openxmlformats.org/drawingml/2006/compatibility" xmlns:ns12="http://schemas.openxmlformats.org/drawingml/2006/lockedCanvas" type="twoObj" preserve="true">
+<p:sldLayout xmlns:p="http://schemas.openxmlformats.org/presentationml/2006/main" xmlns:r="http://schemas.openxmlformats.org/officeDocument/2006/relationships" xmlns:a="http://schemas.openxmlformats.org/drawingml/2006/main" xmlns:mc="http://schemas.openxmlformats.org/markup-compatibility/2006" xmlns:c="http://schemas.openxmlformats.org/drawingml/2006/chart" xmlns:ns6="http://schemas.openxmlformats.org/drawingml/2006/chartDrawing" xmlns:dgm="http://schemas.openxmlformats.org/drawingml/2006/diagram" xmlns:pic="http://schemas.openxmlformats.org/drawingml/2006/picture" xmlns:wp="http://schemas.openxmlformats.org/drawingml/2006/wordprocessingDrawing" xmlns:xdr="http://schemas.openxmlformats.org/drawingml/2006/spreadsheetDrawing" xmlns:ns11="http://schemas.openxmlformats.org/drawingml/2006/compatibility" xmlns:ns12="http://schemas.openxmlformats.org/drawingml/2006/lockedCanvas" type="twoObj" preserve="true">
   <p:cSld name="Two Content">
     <p:spTree>
       <p:nvGrpSpPr>
@@ -1173,7 +1173,7 @@
 </file>
 
 <file path=ppt/slideLayouts/slideLayout5.xml><?xml version="1.0" encoding="utf-8"?>
-<p:sldLayout xmlns:a="http://schemas.openxmlformats.org/drawingml/2006/main" xmlns:r="http://schemas.openxmlformats.org/officeDocument/2006/relationships" xmlns:p="http://schemas.openxmlformats.org/presentationml/2006/main" xmlns:mc="http://schemas.openxmlformats.org/markup-compatibility/2006" xmlns:c="http://schemas.openxmlformats.org/drawingml/2006/chart" xmlns:ns6="http://schemas.openxmlformats.org/drawingml/2006/chartDrawing" xmlns:dgm="http://schemas.openxmlformats.org/drawingml/2006/diagram" xmlns:pic="http://schemas.openxmlformats.org/drawingml/2006/picture" xmlns:wp="http://schemas.openxmlformats.org/drawingml/2006/wordprocessingDrawing" xmlns:xdr="http://schemas.openxmlformats.org/drawingml/2006/spreadsheetDrawing" xmlns:ns11="http://schemas.openxmlformats.org/drawingml/2006/compatibility" xmlns:ns12="http://schemas.openxmlformats.org/drawingml/2006/lockedCanvas" type="twoTxTwoObj" preserve="true">
+<p:sldLayout xmlns:p="http://schemas.openxmlformats.org/presentationml/2006/main" xmlns:r="http://schemas.openxmlformats.org/officeDocument/2006/relationships" xmlns:a="http://schemas.openxmlformats.org/drawingml/2006/main" xmlns:mc="http://schemas.openxmlformats.org/markup-compatibility/2006" xmlns:c="http://schemas.openxmlformats.org/drawingml/2006/chart" xmlns:ns6="http://schemas.openxmlformats.org/drawingml/2006/chartDrawing" xmlns:dgm="http://schemas.openxmlformats.org/drawingml/2006/diagram" xmlns:pic="http://schemas.openxmlformats.org/drawingml/2006/picture" xmlns:wp="http://schemas.openxmlformats.org/drawingml/2006/wordprocessingDrawing" xmlns:xdr="http://schemas.openxmlformats.org/drawingml/2006/spreadsheetDrawing" xmlns:ns11="http://schemas.openxmlformats.org/drawingml/2006/compatibility" xmlns:ns12="http://schemas.openxmlformats.org/drawingml/2006/lockedCanvas" type="twoTxTwoObj" preserve="true">
   <p:cSld name="Comparison">
     <p:spTree>
       <p:nvGrpSpPr>
@@ -1528,7 +1528,7 @@
 </file>
 
 <file path=ppt/slideLayouts/slideLayout6.xml><?xml version="1.0" encoding="utf-8"?>
-<p:sldLayout xmlns:a="http://schemas.openxmlformats.org/drawingml/2006/main" xmlns:r="http://schemas.openxmlformats.org/officeDocument/2006/relationships" xmlns:p="http://schemas.openxmlformats.org/presentationml/2006/main" xmlns:mc="http://schemas.openxmlformats.org/markup-compatibility/2006" xmlns:c="http://schemas.openxmlformats.org/drawingml/2006/chart" xmlns:ns6="http://schemas.openxmlformats.org/drawingml/2006/chartDrawing" xmlns:dgm="http://schemas.openxmlformats.org/drawingml/2006/diagram" xmlns:pic="http://schemas.openxmlformats.org/drawingml/2006/picture" xmlns:wp="http://schemas.openxmlformats.org/drawingml/2006/wordprocessingDrawing" xmlns:xdr="http://schemas.openxmlformats.org/drawingml/2006/spreadsheetDrawing" xmlns:ns11="http://schemas.openxmlformats.org/drawingml/2006/compatibility" xmlns:ns12="http://schemas.openxmlformats.org/drawingml/2006/lockedCanvas" type="titleOnly" preserve="true">
+<p:sldLayout xmlns:p="http://schemas.openxmlformats.org/presentationml/2006/main" xmlns:r="http://schemas.openxmlformats.org/officeDocument/2006/relationships" xmlns:a="http://schemas.openxmlformats.org/drawingml/2006/main" xmlns:mc="http://schemas.openxmlformats.org/markup-compatibility/2006" xmlns:c="http://schemas.openxmlformats.org/drawingml/2006/chart" xmlns:ns6="http://schemas.openxmlformats.org/drawingml/2006/chartDrawing" xmlns:dgm="http://schemas.openxmlformats.org/drawingml/2006/diagram" xmlns:pic="http://schemas.openxmlformats.org/drawingml/2006/picture" xmlns:wp="http://schemas.openxmlformats.org/drawingml/2006/wordprocessingDrawing" xmlns:xdr="http://schemas.openxmlformats.org/drawingml/2006/spreadsheetDrawing" xmlns:ns11="http://schemas.openxmlformats.org/drawingml/2006/compatibility" xmlns:ns12="http://schemas.openxmlformats.org/drawingml/2006/lockedCanvas" type="titleOnly" preserve="true">
   <p:cSld name="Title Only">
     <p:spTree>
       <p:nvGrpSpPr>
@@ -1653,7 +1653,7 @@
 </file>
 
 <file path=ppt/slideLayouts/slideLayout7.xml><?xml version="1.0" encoding="utf-8"?>
-<p:sldLayout xmlns:a="http://schemas.openxmlformats.org/drawingml/2006/main" xmlns:r="http://schemas.openxmlformats.org/officeDocument/2006/relationships" xmlns:p="http://schemas.openxmlformats.org/presentationml/2006/main" xmlns:mc="http://schemas.openxmlformats.org/markup-compatibility/2006" xmlns:c="http://schemas.openxmlformats.org/drawingml/2006/chart" xmlns:ns6="http://schemas.openxmlformats.org/drawingml/2006/chartDrawing" xmlns:dgm="http://schemas.openxmlformats.org/drawingml/2006/diagram" xmlns:pic="http://schemas.openxmlformats.org/drawingml/2006/picture" xmlns:wp="http://schemas.openxmlformats.org/drawingml/2006/wordprocessingDrawing" xmlns:xdr="http://schemas.openxmlformats.org/drawingml/2006/spreadsheetDrawing" xmlns:ns11="http://schemas.openxmlformats.org/drawingml/2006/compatibility" xmlns:ns12="http://schemas.openxmlformats.org/drawingml/2006/lockedCanvas" type="blank" preserve="true">
+<p:sldLayout xmlns:p="http://schemas.openxmlformats.org/presentationml/2006/main" xmlns:r="http://schemas.openxmlformats.org/officeDocument/2006/relationships" xmlns:a="http://schemas.openxmlformats.org/drawingml/2006/main" xmlns:mc="http://schemas.openxmlformats.org/markup-compatibility/2006" xmlns:c="http://schemas.openxmlformats.org/drawingml/2006/chart" xmlns:ns6="http://schemas.openxmlformats.org/drawingml/2006/chartDrawing" xmlns:dgm="http://schemas.openxmlformats.org/drawingml/2006/diagram" xmlns:pic="http://schemas.openxmlformats.org/drawingml/2006/picture" xmlns:wp="http://schemas.openxmlformats.org/drawingml/2006/wordprocessingDrawing" xmlns:xdr="http://schemas.openxmlformats.org/drawingml/2006/spreadsheetDrawing" xmlns:ns11="http://schemas.openxmlformats.org/drawingml/2006/compatibility" xmlns:ns12="http://schemas.openxmlformats.org/drawingml/2006/lockedCanvas" type="blank" preserve="true">
   <p:cSld name="Blank">
     <p:spTree>
       <p:nvGrpSpPr>
@@ -1755,7 +1755,7 @@
 </file>
 
 <file path=ppt/slideLayouts/slideLayout8.xml><?xml version="1.0" encoding="utf-8"?>
-<p:sldLayout xmlns:a="http://schemas.openxmlformats.org/drawingml/2006/main" xmlns:r="http://schemas.openxmlformats.org/officeDocument/2006/relationships" xmlns:p="http://schemas.openxmlformats.org/presentationml/2006/main" xmlns:mc="http://schemas.openxmlformats.org/markup-compatibility/2006" xmlns:c="http://schemas.openxmlformats.org/drawingml/2006/chart" xmlns:ns6="http://schemas.openxmlformats.org/drawingml/2006/chartDrawing" xmlns:dgm="http://schemas.openxmlformats.org/drawingml/2006/diagram" xmlns:pic="http://schemas.openxmlformats.org/drawingml/2006/picture" xmlns:wp="http://schemas.openxmlformats.org/drawingml/2006/wordprocessingDrawing" xmlns:xdr="http://schemas.openxmlformats.org/drawingml/2006/spreadsheetDrawing" xmlns:ns11="http://schemas.openxmlformats.org/drawingml/2006/compatibility" xmlns:ns12="http://schemas.openxmlformats.org/drawingml/2006/lockedCanvas" type="objTx" preserve="true">
+<p:sldLayout xmlns:p="http://schemas.openxmlformats.org/presentationml/2006/main" xmlns:r="http://schemas.openxmlformats.org/officeDocument/2006/relationships" xmlns:a="http://schemas.openxmlformats.org/drawingml/2006/main" xmlns:mc="http://schemas.openxmlformats.org/markup-compatibility/2006" xmlns:c="http://schemas.openxmlformats.org/drawingml/2006/chart" xmlns:ns6="http://schemas.openxmlformats.org/drawingml/2006/chartDrawing" xmlns:dgm="http://schemas.openxmlformats.org/drawingml/2006/diagram" xmlns:pic="http://schemas.openxmlformats.org/drawingml/2006/picture" xmlns:wp="http://schemas.openxmlformats.org/drawingml/2006/wordprocessingDrawing" xmlns:xdr="http://schemas.openxmlformats.org/drawingml/2006/spreadsheetDrawing" xmlns:ns11="http://schemas.openxmlformats.org/drawingml/2006/compatibility" xmlns:ns12="http://schemas.openxmlformats.org/drawingml/2006/lockedCanvas" type="objTx" preserve="true">
   <p:cSld name="Content with Caption">
     <p:spTree>
       <p:nvGrpSpPr>
@@ -2039,7 +2039,7 @@
 </file>
 
 <file path=ppt/slideLayouts/slideLayout9.xml><?xml version="1.0" encoding="utf-8"?>
-<p:sldLayout xmlns:a="http://schemas.openxmlformats.org/drawingml/2006/main" xmlns:r="http://schemas.openxmlformats.org/officeDocument/2006/relationships" xmlns:p="http://schemas.openxmlformats.org/presentationml/2006/main" xmlns:mc="http://schemas.openxmlformats.org/markup-compatibility/2006" xmlns:c="http://schemas.openxmlformats.org/drawingml/2006/chart" xmlns:ns6="http://schemas.openxmlformats.org/drawingml/2006/chartDrawing" xmlns:dgm="http://schemas.openxmlformats.org/drawingml/2006/diagram" xmlns:pic="http://schemas.openxmlformats.org/drawingml/2006/picture" xmlns:wp="http://schemas.openxmlformats.org/drawingml/2006/wordprocessingDrawing" xmlns:xdr="http://schemas.openxmlformats.org/drawingml/2006/spreadsheetDrawing" xmlns:ns11="http://schemas.openxmlformats.org/drawingml/2006/compatibility" xmlns:ns12="http://schemas.openxmlformats.org/drawingml/2006/lockedCanvas" type="vertTx" preserve="true">
+<p:sldLayout xmlns:p="http://schemas.openxmlformats.org/presentationml/2006/main" xmlns:r="http://schemas.openxmlformats.org/officeDocument/2006/relationships" xmlns:a="http://schemas.openxmlformats.org/drawingml/2006/main" xmlns:mc="http://schemas.openxmlformats.org/markup-compatibility/2006" xmlns:c="http://schemas.openxmlformats.org/drawingml/2006/chart" xmlns:ns6="http://schemas.openxmlformats.org/drawingml/2006/chartDrawing" xmlns:dgm="http://schemas.openxmlformats.org/drawingml/2006/diagram" xmlns:pic="http://schemas.openxmlformats.org/drawingml/2006/picture" xmlns:wp="http://schemas.openxmlformats.org/drawingml/2006/wordprocessingDrawing" xmlns:xdr="http://schemas.openxmlformats.org/drawingml/2006/spreadsheetDrawing" xmlns:ns11="http://schemas.openxmlformats.org/drawingml/2006/compatibility" xmlns:ns12="http://schemas.openxmlformats.org/drawingml/2006/lockedCanvas" type="vertTx" preserve="true">
   <p:cSld name="Title and Vertical Text">
     <p:spTree>
       <p:nvGrpSpPr>
@@ -2216,7 +2216,7 @@
 </file>
 
 <file path=ppt/slideMasters/slideMaster1.xml><?xml version="1.0" encoding="utf-8"?>
-<p:sldMaster xmlns:a="http://schemas.openxmlformats.org/drawingml/2006/main" xmlns:r="http://schemas.openxmlformats.org/officeDocument/2006/relationships" xmlns:p="http://schemas.openxmlformats.org/presentationml/2006/main" xmlns:mc="http://schemas.openxmlformats.org/markup-compatibility/2006" xmlns:c="http://schemas.openxmlformats.org/drawingml/2006/chart" xmlns:ns6="http://schemas.openxmlformats.org/drawingml/2006/chartDrawing" xmlns:dgm="http://schemas.openxmlformats.org/drawingml/2006/diagram" xmlns:pic="http://schemas.openxmlformats.org/drawingml/2006/picture" xmlns:wp="http://schemas.openxmlformats.org/drawingml/2006/wordprocessingDrawing" xmlns:xdr="http://schemas.openxmlformats.org/drawingml/2006/spreadsheetDrawing" xmlns:ns11="http://schemas.openxmlformats.org/drawingml/2006/compatibility" xmlns:ns12="http://schemas.openxmlformats.org/drawingml/2006/lockedCanvas">
+<p:sldMaster xmlns:p="http://schemas.openxmlformats.org/presentationml/2006/main" xmlns:r="http://schemas.openxmlformats.org/officeDocument/2006/relationships" xmlns:a="http://schemas.openxmlformats.org/drawingml/2006/main" xmlns:mc="http://schemas.openxmlformats.org/markup-compatibility/2006" xmlns:c="http://schemas.openxmlformats.org/drawingml/2006/chart" xmlns:ns6="http://schemas.openxmlformats.org/drawingml/2006/chartDrawing" xmlns:dgm="http://schemas.openxmlformats.org/drawingml/2006/diagram" xmlns:pic="http://schemas.openxmlformats.org/drawingml/2006/picture" xmlns:wp="http://schemas.openxmlformats.org/drawingml/2006/wordprocessingDrawing" xmlns:xdr="http://schemas.openxmlformats.org/drawingml/2006/spreadsheetDrawing" xmlns:ns11="http://schemas.openxmlformats.org/drawingml/2006/compatibility" xmlns:ns12="http://schemas.openxmlformats.org/drawingml/2006/lockedCanvas">
   <p:cSld>
     <p:bg>
       <p:bgRef idx="1001">
@@ -2762,7 +2762,7 @@
 </file>
 
 <file path=ppt/slides/slide1.xml><?xml version="1.0" encoding="utf-8"?>
-<p:sld xmlns:a="http://schemas.openxmlformats.org/drawingml/2006/main" xmlns:r="http://schemas.openxmlformats.org/officeDocument/2006/relationships" xmlns:p="http://schemas.openxmlformats.org/presentationml/2006/main" xmlns:mc="http://schemas.openxmlformats.org/markup-compatibility/2006" xmlns:c="http://schemas.openxmlformats.org/drawingml/2006/chart" xmlns:ns6="http://schemas.openxmlformats.org/drawingml/2006/chartDrawing" xmlns:dgm="http://schemas.openxmlformats.org/drawingml/2006/diagram" xmlns:pic="http://schemas.openxmlformats.org/drawingml/2006/picture" xmlns:wp="http://schemas.openxmlformats.org/drawingml/2006/wordprocessingDrawing" xmlns:xdr="http://schemas.openxmlformats.org/drawingml/2006/spreadsheetDrawing" xmlns:ns11="http://schemas.openxmlformats.org/drawingml/2006/compatibility" xmlns:ns12="http://schemas.openxmlformats.org/drawingml/2006/lockedCanvas">
+<p:sld xmlns:p="http://schemas.openxmlformats.org/presentationml/2006/main" xmlns:r="http://schemas.openxmlformats.org/officeDocument/2006/relationships" xmlns:a="http://schemas.openxmlformats.org/drawingml/2006/main" xmlns:mc="http://schemas.openxmlformats.org/markup-compatibility/2006" xmlns:c="http://schemas.openxmlformats.org/drawingml/2006/chart" xmlns:ns6="http://schemas.openxmlformats.org/drawingml/2006/chartDrawing" xmlns:dgm="http://schemas.openxmlformats.org/drawingml/2006/diagram" xmlns:pic="http://schemas.openxmlformats.org/drawingml/2006/picture" xmlns:wp="http://schemas.openxmlformats.org/drawingml/2006/wordprocessingDrawing" xmlns:xdr="http://schemas.openxmlformats.org/drawingml/2006/spreadsheetDrawing" xmlns:ns11="http://schemas.openxmlformats.org/drawingml/2006/compatibility" xmlns:ns12="http://schemas.openxmlformats.org/drawingml/2006/lockedCanvas">
   <p:cSld>
     <p:spTree>
       <p:nvGrpSpPr>

--- a/reference/ex_plot.pptx
+++ b/reference/ex_plot.pptx
@@ -1,11 +1,11 @@
 
 <file path=ppt/presentation.xml><?xml version="1.0" encoding="utf-8"?>
-<p:presentation xmlns:p="http://schemas.openxmlformats.org/presentationml/2006/main" xmlns:r="http://schemas.openxmlformats.org/officeDocument/2006/relationships" xmlns:a="http://schemas.openxmlformats.org/drawingml/2006/main" xmlns:mc="http://schemas.openxmlformats.org/markup-compatibility/2006" xmlns:c="http://schemas.openxmlformats.org/drawingml/2006/chart" xmlns:ns6="http://schemas.openxmlformats.org/drawingml/2006/chartDrawing" xmlns:dgm="http://schemas.openxmlformats.org/drawingml/2006/diagram" xmlns:pic="http://schemas.openxmlformats.org/drawingml/2006/picture" xmlns:wp="http://schemas.openxmlformats.org/drawingml/2006/wordprocessingDrawing" xmlns:xdr="http://schemas.openxmlformats.org/drawingml/2006/spreadsheetDrawing" xmlns:ns11="http://schemas.openxmlformats.org/drawingml/2006/compatibility" xmlns:ns12="http://schemas.openxmlformats.org/drawingml/2006/lockedCanvas" saveSubsetFonts="true">
+<p:presentation xmlns:a="http://schemas.openxmlformats.org/drawingml/2006/main" xmlns:r="http://schemas.openxmlformats.org/officeDocument/2006/relationships" xmlns:p="http://schemas.openxmlformats.org/presentationml/2006/main" xmlns:mc="http://schemas.openxmlformats.org/markup-compatibility/2006" xmlns:c="http://schemas.openxmlformats.org/drawingml/2006/chart" xmlns:ns6="http://schemas.openxmlformats.org/drawingml/2006/chartDrawing" xmlns:dgm="http://schemas.openxmlformats.org/drawingml/2006/diagram" xmlns:pic="http://schemas.openxmlformats.org/drawingml/2006/picture" xmlns:wp="http://schemas.openxmlformats.org/drawingml/2006/wordprocessingDrawing" xmlns:xdr="http://schemas.openxmlformats.org/drawingml/2006/spreadsheetDrawing" xmlns:ns11="http://schemas.openxmlformats.org/drawingml/2006/compatibility" xmlns:ns12="http://schemas.openxmlformats.org/drawingml/2006/lockedCanvas" saveSubsetFonts="true">
   <p:sldMasterIdLst>
     <p:sldMasterId id="2147483648" r:id="rId1"/>
   </p:sldMasterIdLst>
   <p:sldIdLst>
-    <p:sldId id="1741677485" r:id="rId6"/>
+    <p:sldId id="445243151" r:id="rId6"/>
   </p:sldIdLst>
   <p:sldSz cx="12192000" cy="6858000"/>
   <p:notesSz cx="6858000" cy="9144000"/>
@@ -113,7 +113,7 @@
 </file>
 
 <file path=ppt/slideLayouts/slideLayout1.xml><?xml version="1.0" encoding="utf-8"?>
-<p:sldLayout xmlns:p="http://schemas.openxmlformats.org/presentationml/2006/main" xmlns:r="http://schemas.openxmlformats.org/officeDocument/2006/relationships" xmlns:a="http://schemas.openxmlformats.org/drawingml/2006/main" xmlns:mc="http://schemas.openxmlformats.org/markup-compatibility/2006" xmlns:c="http://schemas.openxmlformats.org/drawingml/2006/chart" xmlns:ns6="http://schemas.openxmlformats.org/drawingml/2006/chartDrawing" xmlns:dgm="http://schemas.openxmlformats.org/drawingml/2006/diagram" xmlns:pic="http://schemas.openxmlformats.org/drawingml/2006/picture" xmlns:wp="http://schemas.openxmlformats.org/drawingml/2006/wordprocessingDrawing" xmlns:xdr="http://schemas.openxmlformats.org/drawingml/2006/spreadsheetDrawing" xmlns:ns11="http://schemas.openxmlformats.org/drawingml/2006/compatibility" xmlns:ns12="http://schemas.openxmlformats.org/drawingml/2006/lockedCanvas" type="title" preserve="true">
+<p:sldLayout xmlns:a="http://schemas.openxmlformats.org/drawingml/2006/main" xmlns:r="http://schemas.openxmlformats.org/officeDocument/2006/relationships" xmlns:p="http://schemas.openxmlformats.org/presentationml/2006/main" xmlns:mc="http://schemas.openxmlformats.org/markup-compatibility/2006" xmlns:c="http://schemas.openxmlformats.org/drawingml/2006/chart" xmlns:ns6="http://schemas.openxmlformats.org/drawingml/2006/chartDrawing" xmlns:dgm="http://schemas.openxmlformats.org/drawingml/2006/diagram" xmlns:pic="http://schemas.openxmlformats.org/drawingml/2006/picture" xmlns:wp="http://schemas.openxmlformats.org/drawingml/2006/wordprocessingDrawing" xmlns:xdr="http://schemas.openxmlformats.org/drawingml/2006/spreadsheetDrawing" xmlns:ns11="http://schemas.openxmlformats.org/drawingml/2006/compatibility" xmlns:ns12="http://schemas.openxmlformats.org/drawingml/2006/lockedCanvas" type="title" preserve="true">
   <p:cSld name="Title Slide">
     <p:spTree>
       <p:nvGrpSpPr>
@@ -312,7 +312,7 @@
 </file>
 
 <file path=ppt/slideLayouts/slideLayout10.xml><?xml version="1.0" encoding="utf-8"?>
-<p:sldLayout xmlns:p="http://schemas.openxmlformats.org/presentationml/2006/main" xmlns:r="http://schemas.openxmlformats.org/officeDocument/2006/relationships" xmlns:a="http://schemas.openxmlformats.org/drawingml/2006/main" xmlns:mc="http://schemas.openxmlformats.org/markup-compatibility/2006" xmlns:c="http://schemas.openxmlformats.org/drawingml/2006/chart" xmlns:ns6="http://schemas.openxmlformats.org/drawingml/2006/chartDrawing" xmlns:dgm="http://schemas.openxmlformats.org/drawingml/2006/diagram" xmlns:pic="http://schemas.openxmlformats.org/drawingml/2006/picture" xmlns:wp="http://schemas.openxmlformats.org/drawingml/2006/wordprocessingDrawing" xmlns:xdr="http://schemas.openxmlformats.org/drawingml/2006/spreadsheetDrawing" xmlns:ns11="http://schemas.openxmlformats.org/drawingml/2006/compatibility" xmlns:ns12="http://schemas.openxmlformats.org/drawingml/2006/lockedCanvas" type="vertTitleAndTx" preserve="true">
+<p:sldLayout xmlns:a="http://schemas.openxmlformats.org/drawingml/2006/main" xmlns:r="http://schemas.openxmlformats.org/officeDocument/2006/relationships" xmlns:p="http://schemas.openxmlformats.org/presentationml/2006/main" xmlns:mc="http://schemas.openxmlformats.org/markup-compatibility/2006" xmlns:c="http://schemas.openxmlformats.org/drawingml/2006/chart" xmlns:ns6="http://schemas.openxmlformats.org/drawingml/2006/chartDrawing" xmlns:dgm="http://schemas.openxmlformats.org/drawingml/2006/diagram" xmlns:pic="http://schemas.openxmlformats.org/drawingml/2006/picture" xmlns:wp="http://schemas.openxmlformats.org/drawingml/2006/wordprocessingDrawing" xmlns:xdr="http://schemas.openxmlformats.org/drawingml/2006/spreadsheetDrawing" xmlns:ns11="http://schemas.openxmlformats.org/drawingml/2006/compatibility" xmlns:ns12="http://schemas.openxmlformats.org/drawingml/2006/lockedCanvas" type="vertTitleAndTx" preserve="true">
   <p:cSld name="Vertical Title and Text">
     <p:spTree>
       <p:nvGrpSpPr>
@@ -499,7 +499,7 @@
 </file>
 
 <file path=ppt/slideLayouts/slideLayout2.xml><?xml version="1.0" encoding="utf-8"?>
-<p:sldLayout xmlns:p="http://schemas.openxmlformats.org/presentationml/2006/main" xmlns:r="http://schemas.openxmlformats.org/officeDocument/2006/relationships" xmlns:a="http://schemas.openxmlformats.org/drawingml/2006/main" xmlns:mc="http://schemas.openxmlformats.org/markup-compatibility/2006" xmlns:c="http://schemas.openxmlformats.org/drawingml/2006/chart" xmlns:ns6="http://schemas.openxmlformats.org/drawingml/2006/chartDrawing" xmlns:dgm="http://schemas.openxmlformats.org/drawingml/2006/diagram" xmlns:pic="http://schemas.openxmlformats.org/drawingml/2006/picture" xmlns:wp="http://schemas.openxmlformats.org/drawingml/2006/wordprocessingDrawing" xmlns:xdr="http://schemas.openxmlformats.org/drawingml/2006/spreadsheetDrawing" xmlns:ns11="http://schemas.openxmlformats.org/drawingml/2006/compatibility" xmlns:ns12="http://schemas.openxmlformats.org/drawingml/2006/lockedCanvas" type="obj" preserve="true">
+<p:sldLayout xmlns:a="http://schemas.openxmlformats.org/drawingml/2006/main" xmlns:r="http://schemas.openxmlformats.org/officeDocument/2006/relationships" xmlns:p="http://schemas.openxmlformats.org/presentationml/2006/main" xmlns:mc="http://schemas.openxmlformats.org/markup-compatibility/2006" xmlns:c="http://schemas.openxmlformats.org/drawingml/2006/chart" xmlns:ns6="http://schemas.openxmlformats.org/drawingml/2006/chartDrawing" xmlns:dgm="http://schemas.openxmlformats.org/drawingml/2006/diagram" xmlns:pic="http://schemas.openxmlformats.org/drawingml/2006/picture" xmlns:wp="http://schemas.openxmlformats.org/drawingml/2006/wordprocessingDrawing" xmlns:xdr="http://schemas.openxmlformats.org/drawingml/2006/spreadsheetDrawing" xmlns:ns11="http://schemas.openxmlformats.org/drawingml/2006/compatibility" xmlns:ns12="http://schemas.openxmlformats.org/drawingml/2006/lockedCanvas" type="obj" preserve="true">
   <p:cSld name="Title and Content">
     <p:spTree>
       <p:nvGrpSpPr>
@@ -681,7 +681,7 @@
 </file>
 
 <file path=ppt/slideLayouts/slideLayout3.xml><?xml version="1.0" encoding="utf-8"?>
-<p:sldLayout xmlns:p="http://schemas.openxmlformats.org/presentationml/2006/main" xmlns:r="http://schemas.openxmlformats.org/officeDocument/2006/relationships" xmlns:a="http://schemas.openxmlformats.org/drawingml/2006/main" xmlns:mc="http://schemas.openxmlformats.org/markup-compatibility/2006" xmlns:c="http://schemas.openxmlformats.org/drawingml/2006/chart" xmlns:ns6="http://schemas.openxmlformats.org/drawingml/2006/chartDrawing" xmlns:dgm="http://schemas.openxmlformats.org/drawingml/2006/diagram" xmlns:pic="http://schemas.openxmlformats.org/drawingml/2006/picture" xmlns:wp="http://schemas.openxmlformats.org/drawingml/2006/wordprocessingDrawing" xmlns:xdr="http://schemas.openxmlformats.org/drawingml/2006/spreadsheetDrawing" xmlns:ns11="http://schemas.openxmlformats.org/drawingml/2006/compatibility" xmlns:ns12="http://schemas.openxmlformats.org/drawingml/2006/lockedCanvas" type="secHead" preserve="true">
+<p:sldLayout xmlns:a="http://schemas.openxmlformats.org/drawingml/2006/main" xmlns:r="http://schemas.openxmlformats.org/officeDocument/2006/relationships" xmlns:p="http://schemas.openxmlformats.org/presentationml/2006/main" xmlns:mc="http://schemas.openxmlformats.org/markup-compatibility/2006" xmlns:c="http://schemas.openxmlformats.org/drawingml/2006/chart" xmlns:ns6="http://schemas.openxmlformats.org/drawingml/2006/chartDrawing" xmlns:dgm="http://schemas.openxmlformats.org/drawingml/2006/diagram" xmlns:pic="http://schemas.openxmlformats.org/drawingml/2006/picture" xmlns:wp="http://schemas.openxmlformats.org/drawingml/2006/wordprocessingDrawing" xmlns:xdr="http://schemas.openxmlformats.org/drawingml/2006/spreadsheetDrawing" xmlns:ns11="http://schemas.openxmlformats.org/drawingml/2006/compatibility" xmlns:ns12="http://schemas.openxmlformats.org/drawingml/2006/lockedCanvas" type="secHead" preserve="true">
   <p:cSld name="Section Header">
     <p:spTree>
       <p:nvGrpSpPr>
@@ -934,7 +934,7 @@
 </file>
 
 <file path=ppt/slideLayouts/slideLayout4.xml><?xml version="1.0" encoding="utf-8"?>
-<p:sldLayout xmlns:p="http://schemas.openxmlformats.org/presentationml/2006/main" xmlns:r="http://schemas.openxmlformats.org/officeDocument/2006/relationships" xmlns:a="http://schemas.openxmlformats.org/drawingml/2006/main" xmlns:mc="http://schemas.openxmlformats.org/markup-compatibility/2006" xmlns:c="http://schemas.openxmlformats.org/drawingml/2006/chart" xmlns:ns6="http://schemas.openxmlformats.org/drawingml/2006/chartDrawing" xmlns:dgm="http://schemas.openxmlformats.org/drawingml/2006/diagram" xmlns:pic="http://schemas.openxmlformats.org/drawingml/2006/picture" xmlns:wp="http://schemas.openxmlformats.org/drawingml/2006/wordprocessingDrawing" xmlns:xdr="http://schemas.openxmlformats.org/drawingml/2006/spreadsheetDrawing" xmlns:ns11="http://schemas.openxmlformats.org/drawingml/2006/compatibility" xmlns:ns12="http://schemas.openxmlformats.org/drawingml/2006/lockedCanvas" type="twoObj" preserve="true">
+<p:sldLayout xmlns:a="http://schemas.openxmlformats.org/drawingml/2006/main" xmlns:r="http://schemas.openxmlformats.org/officeDocument/2006/relationships" xmlns:p="http://schemas.openxmlformats.org/presentationml/2006/main" xmlns:mc="http://schemas.openxmlformats.org/markup-compatibility/2006" xmlns:c="http://schemas.openxmlformats.org/drawingml/2006/chart" xmlns:ns6="http://schemas.openxmlformats.org/drawingml/2006/chartDrawing" xmlns:dgm="http://schemas.openxmlformats.org/drawingml/2006/diagram" xmlns:pic="http://schemas.openxmlformats.org/drawingml/2006/picture" xmlns:wp="http://schemas.openxmlformats.org/drawingml/2006/wordprocessingDrawing" xmlns:xdr="http://schemas.openxmlformats.org/drawingml/2006/spreadsheetDrawing" xmlns:ns11="http://schemas.openxmlformats.org/drawingml/2006/compatibility" xmlns:ns12="http://schemas.openxmlformats.org/drawingml/2006/lockedCanvas" type="twoObj" preserve="true">
   <p:cSld name="Two Content">
     <p:spTree>
       <p:nvGrpSpPr>
@@ -1173,7 +1173,7 @@
 </file>
 
 <file path=ppt/slideLayouts/slideLayout5.xml><?xml version="1.0" encoding="utf-8"?>
-<p:sldLayout xmlns:p="http://schemas.openxmlformats.org/presentationml/2006/main" xmlns:r="http://schemas.openxmlformats.org/officeDocument/2006/relationships" xmlns:a="http://schemas.openxmlformats.org/drawingml/2006/main" xmlns:mc="http://schemas.openxmlformats.org/markup-compatibility/2006" xmlns:c="http://schemas.openxmlformats.org/drawingml/2006/chart" xmlns:ns6="http://schemas.openxmlformats.org/drawingml/2006/chartDrawing" xmlns:dgm="http://schemas.openxmlformats.org/drawingml/2006/diagram" xmlns:pic="http://schemas.openxmlformats.org/drawingml/2006/picture" xmlns:wp="http://schemas.openxmlformats.org/drawingml/2006/wordprocessingDrawing" xmlns:xdr="http://schemas.openxmlformats.org/drawingml/2006/spreadsheetDrawing" xmlns:ns11="http://schemas.openxmlformats.org/drawingml/2006/compatibility" xmlns:ns12="http://schemas.openxmlformats.org/drawingml/2006/lockedCanvas" type="twoTxTwoObj" preserve="true">
+<p:sldLayout xmlns:a="http://schemas.openxmlformats.org/drawingml/2006/main" xmlns:r="http://schemas.openxmlformats.org/officeDocument/2006/relationships" xmlns:p="http://schemas.openxmlformats.org/presentationml/2006/main" xmlns:mc="http://schemas.openxmlformats.org/markup-compatibility/2006" xmlns:c="http://schemas.openxmlformats.org/drawingml/2006/chart" xmlns:ns6="http://schemas.openxmlformats.org/drawingml/2006/chartDrawing" xmlns:dgm="http://schemas.openxmlformats.org/drawingml/2006/diagram" xmlns:pic="http://schemas.openxmlformats.org/drawingml/2006/picture" xmlns:wp="http://schemas.openxmlformats.org/drawingml/2006/wordprocessingDrawing" xmlns:xdr="http://schemas.openxmlformats.org/drawingml/2006/spreadsheetDrawing" xmlns:ns11="http://schemas.openxmlformats.org/drawingml/2006/compatibility" xmlns:ns12="http://schemas.openxmlformats.org/drawingml/2006/lockedCanvas" type="twoTxTwoObj" preserve="true">
   <p:cSld name="Comparison">
     <p:spTree>
       <p:nvGrpSpPr>
@@ -1528,7 +1528,7 @@
 </file>
 
 <file path=ppt/slideLayouts/slideLayout6.xml><?xml version="1.0" encoding="utf-8"?>
-<p:sldLayout xmlns:p="http://schemas.openxmlformats.org/presentationml/2006/main" xmlns:r="http://schemas.openxmlformats.org/officeDocument/2006/relationships" xmlns:a="http://schemas.openxmlformats.org/drawingml/2006/main" xmlns:mc="http://schemas.openxmlformats.org/markup-compatibility/2006" xmlns:c="http://schemas.openxmlformats.org/drawingml/2006/chart" xmlns:ns6="http://schemas.openxmlformats.org/drawingml/2006/chartDrawing" xmlns:dgm="http://schemas.openxmlformats.org/drawingml/2006/diagram" xmlns:pic="http://schemas.openxmlformats.org/drawingml/2006/picture" xmlns:wp="http://schemas.openxmlformats.org/drawingml/2006/wordprocessingDrawing" xmlns:xdr="http://schemas.openxmlformats.org/drawingml/2006/spreadsheetDrawing" xmlns:ns11="http://schemas.openxmlformats.org/drawingml/2006/compatibility" xmlns:ns12="http://schemas.openxmlformats.org/drawingml/2006/lockedCanvas" type="titleOnly" preserve="true">
+<p:sldLayout xmlns:a="http://schemas.openxmlformats.org/drawingml/2006/main" xmlns:r="http://schemas.openxmlformats.org/officeDocument/2006/relationships" xmlns:p="http://schemas.openxmlformats.org/presentationml/2006/main" xmlns:mc="http://schemas.openxmlformats.org/markup-compatibility/2006" xmlns:c="http://schemas.openxmlformats.org/drawingml/2006/chart" xmlns:ns6="http://schemas.openxmlformats.org/drawingml/2006/chartDrawing" xmlns:dgm="http://schemas.openxmlformats.org/drawingml/2006/diagram" xmlns:pic="http://schemas.openxmlformats.org/drawingml/2006/picture" xmlns:wp="http://schemas.openxmlformats.org/drawingml/2006/wordprocessingDrawing" xmlns:xdr="http://schemas.openxmlformats.org/drawingml/2006/spreadsheetDrawing" xmlns:ns11="http://schemas.openxmlformats.org/drawingml/2006/compatibility" xmlns:ns12="http://schemas.openxmlformats.org/drawingml/2006/lockedCanvas" type="titleOnly" preserve="true">
   <p:cSld name="Title Only">
     <p:spTree>
       <p:nvGrpSpPr>
@@ -1653,7 +1653,7 @@
 </file>
 
 <file path=ppt/slideLayouts/slideLayout7.xml><?xml version="1.0" encoding="utf-8"?>
-<p:sldLayout xmlns:p="http://schemas.openxmlformats.org/presentationml/2006/main" xmlns:r="http://schemas.openxmlformats.org/officeDocument/2006/relationships" xmlns:a="http://schemas.openxmlformats.org/drawingml/2006/main" xmlns:mc="http://schemas.openxmlformats.org/markup-compatibility/2006" xmlns:c="http://schemas.openxmlformats.org/drawingml/2006/chart" xmlns:ns6="http://schemas.openxmlformats.org/drawingml/2006/chartDrawing" xmlns:dgm="http://schemas.openxmlformats.org/drawingml/2006/diagram" xmlns:pic="http://schemas.openxmlformats.org/drawingml/2006/picture" xmlns:wp="http://schemas.openxmlformats.org/drawingml/2006/wordprocessingDrawing" xmlns:xdr="http://schemas.openxmlformats.org/drawingml/2006/spreadsheetDrawing" xmlns:ns11="http://schemas.openxmlformats.org/drawingml/2006/compatibility" xmlns:ns12="http://schemas.openxmlformats.org/drawingml/2006/lockedCanvas" type="blank" preserve="true">
+<p:sldLayout xmlns:a="http://schemas.openxmlformats.org/drawingml/2006/main" xmlns:r="http://schemas.openxmlformats.org/officeDocument/2006/relationships" xmlns:p="http://schemas.openxmlformats.org/presentationml/2006/main" xmlns:mc="http://schemas.openxmlformats.org/markup-compatibility/2006" xmlns:c="http://schemas.openxmlformats.org/drawingml/2006/chart" xmlns:ns6="http://schemas.openxmlformats.org/drawingml/2006/chartDrawing" xmlns:dgm="http://schemas.openxmlformats.org/drawingml/2006/diagram" xmlns:pic="http://schemas.openxmlformats.org/drawingml/2006/picture" xmlns:wp="http://schemas.openxmlformats.org/drawingml/2006/wordprocessingDrawing" xmlns:xdr="http://schemas.openxmlformats.org/drawingml/2006/spreadsheetDrawing" xmlns:ns11="http://schemas.openxmlformats.org/drawingml/2006/compatibility" xmlns:ns12="http://schemas.openxmlformats.org/drawingml/2006/lockedCanvas" type="blank" preserve="true">
   <p:cSld name="Blank">
     <p:spTree>
       <p:nvGrpSpPr>
@@ -1755,7 +1755,7 @@
 </file>
 
 <file path=ppt/slideLayouts/slideLayout8.xml><?xml version="1.0" encoding="utf-8"?>
-<p:sldLayout xmlns:p="http://schemas.openxmlformats.org/presentationml/2006/main" xmlns:r="http://schemas.openxmlformats.org/officeDocument/2006/relationships" xmlns:a="http://schemas.openxmlformats.org/drawingml/2006/main" xmlns:mc="http://schemas.openxmlformats.org/markup-compatibility/2006" xmlns:c="http://schemas.openxmlformats.org/drawingml/2006/chart" xmlns:ns6="http://schemas.openxmlformats.org/drawingml/2006/chartDrawing" xmlns:dgm="http://schemas.openxmlformats.org/drawingml/2006/diagram" xmlns:pic="http://schemas.openxmlformats.org/drawingml/2006/picture" xmlns:wp="http://schemas.openxmlformats.org/drawingml/2006/wordprocessingDrawing" xmlns:xdr="http://schemas.openxmlformats.org/drawingml/2006/spreadsheetDrawing" xmlns:ns11="http://schemas.openxmlformats.org/drawingml/2006/compatibility" xmlns:ns12="http://schemas.openxmlformats.org/drawingml/2006/lockedCanvas" type="objTx" preserve="true">
+<p:sldLayout xmlns:a="http://schemas.openxmlformats.org/drawingml/2006/main" xmlns:r="http://schemas.openxmlformats.org/officeDocument/2006/relationships" xmlns:p="http://schemas.openxmlformats.org/presentationml/2006/main" xmlns:mc="http://schemas.openxmlformats.org/markup-compatibility/2006" xmlns:c="http://schemas.openxmlformats.org/drawingml/2006/chart" xmlns:ns6="http://schemas.openxmlformats.org/drawingml/2006/chartDrawing" xmlns:dgm="http://schemas.openxmlformats.org/drawingml/2006/diagram" xmlns:pic="http://schemas.openxmlformats.org/drawingml/2006/picture" xmlns:wp="http://schemas.openxmlformats.org/drawingml/2006/wordprocessingDrawing" xmlns:xdr="http://schemas.openxmlformats.org/drawingml/2006/spreadsheetDrawing" xmlns:ns11="http://schemas.openxmlformats.org/drawingml/2006/compatibility" xmlns:ns12="http://schemas.openxmlformats.org/drawingml/2006/lockedCanvas" type="objTx" preserve="true">
   <p:cSld name="Content with Caption">
     <p:spTree>
       <p:nvGrpSpPr>
@@ -2039,7 +2039,7 @@
 </file>
 
 <file path=ppt/slideLayouts/slideLayout9.xml><?xml version="1.0" encoding="utf-8"?>
-<p:sldLayout xmlns:p="http://schemas.openxmlformats.org/presentationml/2006/main" xmlns:r="http://schemas.openxmlformats.org/officeDocument/2006/relationships" xmlns:a="http://schemas.openxmlformats.org/drawingml/2006/main" xmlns:mc="http://schemas.openxmlformats.org/markup-compatibility/2006" xmlns:c="http://schemas.openxmlformats.org/drawingml/2006/chart" xmlns:ns6="http://schemas.openxmlformats.org/drawingml/2006/chartDrawing" xmlns:dgm="http://schemas.openxmlformats.org/drawingml/2006/diagram" xmlns:pic="http://schemas.openxmlformats.org/drawingml/2006/picture" xmlns:wp="http://schemas.openxmlformats.org/drawingml/2006/wordprocessingDrawing" xmlns:xdr="http://schemas.openxmlformats.org/drawingml/2006/spreadsheetDrawing" xmlns:ns11="http://schemas.openxmlformats.org/drawingml/2006/compatibility" xmlns:ns12="http://schemas.openxmlformats.org/drawingml/2006/lockedCanvas" type="vertTx" preserve="true">
+<p:sldLayout xmlns:a="http://schemas.openxmlformats.org/drawingml/2006/main" xmlns:r="http://schemas.openxmlformats.org/officeDocument/2006/relationships" xmlns:p="http://schemas.openxmlformats.org/presentationml/2006/main" xmlns:mc="http://schemas.openxmlformats.org/markup-compatibility/2006" xmlns:c="http://schemas.openxmlformats.org/drawingml/2006/chart" xmlns:ns6="http://schemas.openxmlformats.org/drawingml/2006/chartDrawing" xmlns:dgm="http://schemas.openxmlformats.org/drawingml/2006/diagram" xmlns:pic="http://schemas.openxmlformats.org/drawingml/2006/picture" xmlns:wp="http://schemas.openxmlformats.org/drawingml/2006/wordprocessingDrawing" xmlns:xdr="http://schemas.openxmlformats.org/drawingml/2006/spreadsheetDrawing" xmlns:ns11="http://schemas.openxmlformats.org/drawingml/2006/compatibility" xmlns:ns12="http://schemas.openxmlformats.org/drawingml/2006/lockedCanvas" type="vertTx" preserve="true">
   <p:cSld name="Title and Vertical Text">
     <p:spTree>
       <p:nvGrpSpPr>
@@ -2216,7 +2216,7 @@
 </file>
 
 <file path=ppt/slideMasters/slideMaster1.xml><?xml version="1.0" encoding="utf-8"?>
-<p:sldMaster xmlns:p="http://schemas.openxmlformats.org/presentationml/2006/main" xmlns:r="http://schemas.openxmlformats.org/officeDocument/2006/relationships" xmlns:a="http://schemas.openxmlformats.org/drawingml/2006/main" xmlns:mc="http://schemas.openxmlformats.org/markup-compatibility/2006" xmlns:c="http://schemas.openxmlformats.org/drawingml/2006/chart" xmlns:ns6="http://schemas.openxmlformats.org/drawingml/2006/chartDrawing" xmlns:dgm="http://schemas.openxmlformats.org/drawingml/2006/diagram" xmlns:pic="http://schemas.openxmlformats.org/drawingml/2006/picture" xmlns:wp="http://schemas.openxmlformats.org/drawingml/2006/wordprocessingDrawing" xmlns:xdr="http://schemas.openxmlformats.org/drawingml/2006/spreadsheetDrawing" xmlns:ns11="http://schemas.openxmlformats.org/drawingml/2006/compatibility" xmlns:ns12="http://schemas.openxmlformats.org/drawingml/2006/lockedCanvas">
+<p:sldMaster xmlns:a="http://schemas.openxmlformats.org/drawingml/2006/main" xmlns:r="http://schemas.openxmlformats.org/officeDocument/2006/relationships" xmlns:p="http://schemas.openxmlformats.org/presentationml/2006/main" xmlns:mc="http://schemas.openxmlformats.org/markup-compatibility/2006" xmlns:c="http://schemas.openxmlformats.org/drawingml/2006/chart" xmlns:ns6="http://schemas.openxmlformats.org/drawingml/2006/chartDrawing" xmlns:dgm="http://schemas.openxmlformats.org/drawingml/2006/diagram" xmlns:pic="http://schemas.openxmlformats.org/drawingml/2006/picture" xmlns:wp="http://schemas.openxmlformats.org/drawingml/2006/wordprocessingDrawing" xmlns:xdr="http://schemas.openxmlformats.org/drawingml/2006/spreadsheetDrawing" xmlns:ns11="http://schemas.openxmlformats.org/drawingml/2006/compatibility" xmlns:ns12="http://schemas.openxmlformats.org/drawingml/2006/lockedCanvas">
   <p:cSld>
     <p:bg>
       <p:bgRef idx="1001">
@@ -2762,7 +2762,7 @@
 </file>
 
 <file path=ppt/slides/slide1.xml><?xml version="1.0" encoding="utf-8"?>
-<p:sld xmlns:p="http://schemas.openxmlformats.org/presentationml/2006/main" xmlns:r="http://schemas.openxmlformats.org/officeDocument/2006/relationships" xmlns:a="http://schemas.openxmlformats.org/drawingml/2006/main" xmlns:mc="http://schemas.openxmlformats.org/markup-compatibility/2006" xmlns:c="http://schemas.openxmlformats.org/drawingml/2006/chart" xmlns:ns6="http://schemas.openxmlformats.org/drawingml/2006/chartDrawing" xmlns:dgm="http://schemas.openxmlformats.org/drawingml/2006/diagram" xmlns:pic="http://schemas.openxmlformats.org/drawingml/2006/picture" xmlns:wp="http://schemas.openxmlformats.org/drawingml/2006/wordprocessingDrawing" xmlns:xdr="http://schemas.openxmlformats.org/drawingml/2006/spreadsheetDrawing" xmlns:ns11="http://schemas.openxmlformats.org/drawingml/2006/compatibility" xmlns:ns12="http://schemas.openxmlformats.org/drawingml/2006/lockedCanvas">
+<p:sld xmlns:a="http://schemas.openxmlformats.org/drawingml/2006/main" xmlns:r="http://schemas.openxmlformats.org/officeDocument/2006/relationships" xmlns:p="http://schemas.openxmlformats.org/presentationml/2006/main" xmlns:mc="http://schemas.openxmlformats.org/markup-compatibility/2006" xmlns:c="http://schemas.openxmlformats.org/drawingml/2006/chart" xmlns:ns6="http://schemas.openxmlformats.org/drawingml/2006/chartDrawing" xmlns:dgm="http://schemas.openxmlformats.org/drawingml/2006/diagram" xmlns:pic="http://schemas.openxmlformats.org/drawingml/2006/picture" xmlns:wp="http://schemas.openxmlformats.org/drawingml/2006/wordprocessingDrawing" xmlns:xdr="http://schemas.openxmlformats.org/drawingml/2006/spreadsheetDrawing" xmlns:ns11="http://schemas.openxmlformats.org/drawingml/2006/compatibility" xmlns:ns12="http://schemas.openxmlformats.org/drawingml/2006/lockedCanvas">
   <p:cSld>
     <p:spTree>
       <p:nvGrpSpPr>
@@ -3330,8 +3330,8 @@
           </p:nvSpPr>
           <p:spPr>
             <a:xfrm rot="-5400000">
-              <a:off x="1243511" y="4561875"/>
-              <a:ext cx="70804" cy="90884"/>
+              <a:off x="1243523" y="4561887"/>
+              <a:ext cx="70804" cy="90859"/>
             </a:xfrm>
             <a:prstGeom prst="rect">
               <a:avLst/>
@@ -3376,8 +3376,8 @@
           </p:nvSpPr>
           <p:spPr>
             <a:xfrm rot="-5400000">
-              <a:off x="1244503" y="4213805"/>
-              <a:ext cx="70804" cy="88900"/>
+              <a:off x="1244512" y="4213815"/>
+              <a:ext cx="70804" cy="88881"/>
             </a:xfrm>
             <a:prstGeom prst="rect">
               <a:avLst/>
@@ -3422,8 +3422,8 @@
           </p:nvSpPr>
           <p:spPr>
             <a:xfrm rot="-5400000">
-              <a:off x="1244205" y="3864446"/>
-              <a:ext cx="70804" cy="89495"/>
+              <a:off x="1244171" y="3864412"/>
+              <a:ext cx="70804" cy="89563"/>
             </a:xfrm>
             <a:prstGeom prst="rect">
               <a:avLst/>
@@ -3468,8 +3468,8 @@
           </p:nvSpPr>
           <p:spPr>
             <a:xfrm rot="-5400000">
-              <a:off x="1243511" y="3514690"/>
-              <a:ext cx="70804" cy="90884"/>
+              <a:off x="1243523" y="3514703"/>
+              <a:ext cx="70804" cy="90859"/>
             </a:xfrm>
             <a:prstGeom prst="rect">
               <a:avLst/>
@@ -3514,8 +3514,8 @@
           </p:nvSpPr>
           <p:spPr>
             <a:xfrm rot="-5400000">
-              <a:off x="1244404" y="3166522"/>
-              <a:ext cx="70804" cy="89098"/>
+              <a:off x="1244410" y="3166528"/>
+              <a:ext cx="70804" cy="89086"/>
             </a:xfrm>
             <a:prstGeom prst="rect">
               <a:avLst/>
@@ -3560,8 +3560,8 @@
           </p:nvSpPr>
           <p:spPr>
             <a:xfrm rot="-5400000">
-              <a:off x="1244106" y="2817163"/>
-              <a:ext cx="70804" cy="89693"/>
+              <a:off x="1244171" y="2817228"/>
+              <a:ext cx="70804" cy="89563"/>
             </a:xfrm>
             <a:prstGeom prst="rect">
               <a:avLst/>
@@ -3606,8 +3606,8 @@
           </p:nvSpPr>
           <p:spPr>
             <a:xfrm rot="-5400000">
-              <a:off x="1243511" y="2467506"/>
-              <a:ext cx="70804" cy="90884"/>
+              <a:off x="1243557" y="2467553"/>
+              <a:ext cx="70804" cy="90791"/>
             </a:xfrm>
             <a:prstGeom prst="rect">
               <a:avLst/>
